--- a/Lab2/Fig-RecurrenceTree.pptx
+++ b/Lab2/Fig-RecurrenceTree.pptx
@@ -1,6 +1,6 @@
 
 <file path=ppt/presentation.xml><?xml version="1.0" encoding="utf-8"?>
-<p:presentation xmlns:a="http://schemas.openxmlformats.org/drawingml/2006/main" xmlns:r="http://schemas.openxmlformats.org/officeDocument/2006/relationships" xmlns:p="http://schemas.openxmlformats.org/presentationml/2006/main" saveSubsetFonts="1">
+<p:presentation xmlns:a="http://schemas.openxmlformats.org/drawingml/2006/main" xmlns:r="http://schemas.openxmlformats.org/officeDocument/2006/relationships" xmlns:p="http://schemas.openxmlformats.org/presentationml/2006/main">
   <p:sldMasterIdLst>
     <p:sldMasterId id="2147483648" r:id="rId1"/>
   </p:sldMasterIdLst>
@@ -131,13 +131,7 @@
       </p:grpSpPr>
       <p:sp>
         <p:nvSpPr>
-          <p:cNvPr id="2" name="标题 1">
-            <a:extLst>
-              <a:ext uri="{FF2B5EF4-FFF2-40B4-BE49-F238E27FC236}">
-                <a16:creationId xmlns:a16="http://schemas.microsoft.com/office/drawing/2014/main" id="{DE902200-F454-4AB1-A497-B5F24A33AEBB}"/>
-              </a:ext>
-            </a:extLst>
-          </p:cNvPr>
+          <p:cNvPr id="2" name="标题 1"/>
           <p:cNvSpPr>
             <a:spLocks noGrp="1"/>
           </p:cNvSpPr>
@@ -168,13 +162,7 @@
       </p:sp>
       <p:sp>
         <p:nvSpPr>
-          <p:cNvPr id="3" name="副标题 2">
-            <a:extLst>
-              <a:ext uri="{FF2B5EF4-FFF2-40B4-BE49-F238E27FC236}">
-                <a16:creationId xmlns:a16="http://schemas.microsoft.com/office/drawing/2014/main" id="{E24A7021-58EA-4938-8A58-30A7B0460DB8}"/>
-              </a:ext>
-            </a:extLst>
-          </p:cNvPr>
+          <p:cNvPr id="3" name="副标题 2"/>
           <p:cNvSpPr>
             <a:spLocks noGrp="1"/>
           </p:cNvSpPr>
@@ -238,13 +226,7 @@
       </p:sp>
       <p:sp>
         <p:nvSpPr>
-          <p:cNvPr id="4" name="日期占位符 3">
-            <a:extLst>
-              <a:ext uri="{FF2B5EF4-FFF2-40B4-BE49-F238E27FC236}">
-                <a16:creationId xmlns:a16="http://schemas.microsoft.com/office/drawing/2014/main" id="{E3CEF6FB-3C28-4287-9433-6725AB68FFBD}"/>
-              </a:ext>
-            </a:extLst>
-          </p:cNvPr>
+          <p:cNvPr id="4" name="日期占位符 3"/>
           <p:cNvSpPr>
             <a:spLocks noGrp="1"/>
           </p:cNvSpPr>
@@ -259,7 +241,7 @@
           <a:p>
             <a:fld id="{6762D2B0-5507-4CDA-B446-75C6557B3D58}" type="datetimeFigureOut">
               <a:rPr lang="zh-CN" altLang="en-US" smtClean="0"/>
-              <a:t>2021/3/5</a:t>
+              <a:t>2021/3/10</a:t>
             </a:fld>
             <a:endParaRPr lang="zh-CN" altLang="en-US"/>
           </a:p>
@@ -267,13 +249,7 @@
       </p:sp>
       <p:sp>
         <p:nvSpPr>
-          <p:cNvPr id="5" name="页脚占位符 4">
-            <a:extLst>
-              <a:ext uri="{FF2B5EF4-FFF2-40B4-BE49-F238E27FC236}">
-                <a16:creationId xmlns:a16="http://schemas.microsoft.com/office/drawing/2014/main" id="{C00EE132-FA82-4BC2-A35A-35B31C929E47}"/>
-              </a:ext>
-            </a:extLst>
-          </p:cNvPr>
+          <p:cNvPr id="5" name="页脚占位符 4"/>
           <p:cNvSpPr>
             <a:spLocks noGrp="1"/>
           </p:cNvSpPr>
@@ -292,13 +268,7 @@
       </p:sp>
       <p:sp>
         <p:nvSpPr>
-          <p:cNvPr id="6" name="灯片编号占位符 5">
-            <a:extLst>
-              <a:ext uri="{FF2B5EF4-FFF2-40B4-BE49-F238E27FC236}">
-                <a16:creationId xmlns:a16="http://schemas.microsoft.com/office/drawing/2014/main" id="{72C23B13-5004-4FF8-80D2-EC2D7000DCFC}"/>
-              </a:ext>
-            </a:extLst>
-          </p:cNvPr>
+          <p:cNvPr id="6" name="灯片编号占位符 5"/>
           <p:cNvSpPr>
             <a:spLocks noGrp="1"/>
           </p:cNvSpPr>
@@ -320,11 +290,6 @@
         </p:txBody>
       </p:sp>
     </p:spTree>
-    <p:extLst>
-      <p:ext uri="{BB962C8B-B14F-4D97-AF65-F5344CB8AC3E}">
-        <p14:creationId xmlns:p14="http://schemas.microsoft.com/office/powerpoint/2010/main" val="3683350707"/>
-      </p:ext>
-    </p:extLst>
   </p:cSld>
   <p:clrMapOvr>
     <a:masterClrMapping/>
@@ -351,13 +316,7 @@
       </p:grpSpPr>
       <p:sp>
         <p:nvSpPr>
-          <p:cNvPr id="2" name="标题 1">
-            <a:extLst>
-              <a:ext uri="{FF2B5EF4-FFF2-40B4-BE49-F238E27FC236}">
-                <a16:creationId xmlns:a16="http://schemas.microsoft.com/office/drawing/2014/main" id="{65925E30-C65F-41EF-8447-67B6D5B33332}"/>
-              </a:ext>
-            </a:extLst>
-          </p:cNvPr>
+          <p:cNvPr id="2" name="标题 1"/>
           <p:cNvSpPr>
             <a:spLocks noGrp="1"/>
           </p:cNvSpPr>
@@ -379,13 +338,7 @@
       </p:sp>
       <p:sp>
         <p:nvSpPr>
-          <p:cNvPr id="3" name="竖排文字占位符 2">
-            <a:extLst>
-              <a:ext uri="{FF2B5EF4-FFF2-40B4-BE49-F238E27FC236}">
-                <a16:creationId xmlns:a16="http://schemas.microsoft.com/office/drawing/2014/main" id="{8094A512-3CE2-45C2-B3E0-23FEF1F39431}"/>
-              </a:ext>
-            </a:extLst>
-          </p:cNvPr>
+          <p:cNvPr id="3" name="竖排文字占位符 2"/>
           <p:cNvSpPr>
             <a:spLocks noGrp="1"/>
           </p:cNvSpPr>
@@ -436,13 +389,7 @@
       </p:sp>
       <p:sp>
         <p:nvSpPr>
-          <p:cNvPr id="4" name="日期占位符 3">
-            <a:extLst>
-              <a:ext uri="{FF2B5EF4-FFF2-40B4-BE49-F238E27FC236}">
-                <a16:creationId xmlns:a16="http://schemas.microsoft.com/office/drawing/2014/main" id="{85EA6D4B-B36D-407E-AD6A-A051A000F6C4}"/>
-              </a:ext>
-            </a:extLst>
-          </p:cNvPr>
+          <p:cNvPr id="4" name="日期占位符 3"/>
           <p:cNvSpPr>
             <a:spLocks noGrp="1"/>
           </p:cNvSpPr>
@@ -457,7 +404,7 @@
           <a:p>
             <a:fld id="{6762D2B0-5507-4CDA-B446-75C6557B3D58}" type="datetimeFigureOut">
               <a:rPr lang="zh-CN" altLang="en-US" smtClean="0"/>
-              <a:t>2021/3/5</a:t>
+              <a:t>2021/3/10</a:t>
             </a:fld>
             <a:endParaRPr lang="zh-CN" altLang="en-US"/>
           </a:p>
@@ -465,13 +412,7 @@
       </p:sp>
       <p:sp>
         <p:nvSpPr>
-          <p:cNvPr id="5" name="页脚占位符 4">
-            <a:extLst>
-              <a:ext uri="{FF2B5EF4-FFF2-40B4-BE49-F238E27FC236}">
-                <a16:creationId xmlns:a16="http://schemas.microsoft.com/office/drawing/2014/main" id="{613148D1-FCA2-4F3C-BB57-7F88DF4E4272}"/>
-              </a:ext>
-            </a:extLst>
-          </p:cNvPr>
+          <p:cNvPr id="5" name="页脚占位符 4"/>
           <p:cNvSpPr>
             <a:spLocks noGrp="1"/>
           </p:cNvSpPr>
@@ -490,13 +431,7 @@
       </p:sp>
       <p:sp>
         <p:nvSpPr>
-          <p:cNvPr id="6" name="灯片编号占位符 5">
-            <a:extLst>
-              <a:ext uri="{FF2B5EF4-FFF2-40B4-BE49-F238E27FC236}">
-                <a16:creationId xmlns:a16="http://schemas.microsoft.com/office/drawing/2014/main" id="{C2926BE3-2A2B-4B62-938E-34EA6AC2479D}"/>
-              </a:ext>
-            </a:extLst>
-          </p:cNvPr>
+          <p:cNvPr id="6" name="灯片编号占位符 5"/>
           <p:cNvSpPr>
             <a:spLocks noGrp="1"/>
           </p:cNvSpPr>
@@ -518,11 +453,6 @@
         </p:txBody>
       </p:sp>
     </p:spTree>
-    <p:extLst>
-      <p:ext uri="{BB962C8B-B14F-4D97-AF65-F5344CB8AC3E}">
-        <p14:creationId xmlns:p14="http://schemas.microsoft.com/office/powerpoint/2010/main" val="2695047016"/>
-      </p:ext>
-    </p:extLst>
   </p:cSld>
   <p:clrMapOvr>
     <a:masterClrMapping/>
@@ -549,13 +479,7 @@
       </p:grpSpPr>
       <p:sp>
         <p:nvSpPr>
-          <p:cNvPr id="2" name="竖排标题 1">
-            <a:extLst>
-              <a:ext uri="{FF2B5EF4-FFF2-40B4-BE49-F238E27FC236}">
-                <a16:creationId xmlns:a16="http://schemas.microsoft.com/office/drawing/2014/main" id="{EE7F08BD-C064-4902-9946-796B70276FC4}"/>
-              </a:ext>
-            </a:extLst>
-          </p:cNvPr>
+          <p:cNvPr id="2" name="竖排标题 1"/>
           <p:cNvSpPr>
             <a:spLocks noGrp="1"/>
           </p:cNvSpPr>
@@ -582,13 +506,7 @@
       </p:sp>
       <p:sp>
         <p:nvSpPr>
-          <p:cNvPr id="3" name="竖排文字占位符 2">
-            <a:extLst>
-              <a:ext uri="{FF2B5EF4-FFF2-40B4-BE49-F238E27FC236}">
-                <a16:creationId xmlns:a16="http://schemas.microsoft.com/office/drawing/2014/main" id="{8CF15169-DDB8-4F22-86CD-3A85C07CD780}"/>
-              </a:ext>
-            </a:extLst>
-          </p:cNvPr>
+          <p:cNvPr id="3" name="竖排文字占位符 2"/>
           <p:cNvSpPr>
             <a:spLocks noGrp="1"/>
           </p:cNvSpPr>
@@ -644,13 +562,7 @@
       </p:sp>
       <p:sp>
         <p:nvSpPr>
-          <p:cNvPr id="4" name="日期占位符 3">
-            <a:extLst>
-              <a:ext uri="{FF2B5EF4-FFF2-40B4-BE49-F238E27FC236}">
-                <a16:creationId xmlns:a16="http://schemas.microsoft.com/office/drawing/2014/main" id="{5ECA537C-DF6A-4C60-A14F-0530B00248FD}"/>
-              </a:ext>
-            </a:extLst>
-          </p:cNvPr>
+          <p:cNvPr id="4" name="日期占位符 3"/>
           <p:cNvSpPr>
             <a:spLocks noGrp="1"/>
           </p:cNvSpPr>
@@ -665,7 +577,7 @@
           <a:p>
             <a:fld id="{6762D2B0-5507-4CDA-B446-75C6557B3D58}" type="datetimeFigureOut">
               <a:rPr lang="zh-CN" altLang="en-US" smtClean="0"/>
-              <a:t>2021/3/5</a:t>
+              <a:t>2021/3/10</a:t>
             </a:fld>
             <a:endParaRPr lang="zh-CN" altLang="en-US"/>
           </a:p>
@@ -673,13 +585,7 @@
       </p:sp>
       <p:sp>
         <p:nvSpPr>
-          <p:cNvPr id="5" name="页脚占位符 4">
-            <a:extLst>
-              <a:ext uri="{FF2B5EF4-FFF2-40B4-BE49-F238E27FC236}">
-                <a16:creationId xmlns:a16="http://schemas.microsoft.com/office/drawing/2014/main" id="{C27EB476-C145-4FBD-AA6A-6D51CD3BAF63}"/>
-              </a:ext>
-            </a:extLst>
-          </p:cNvPr>
+          <p:cNvPr id="5" name="页脚占位符 4"/>
           <p:cNvSpPr>
             <a:spLocks noGrp="1"/>
           </p:cNvSpPr>
@@ -698,13 +604,7 @@
       </p:sp>
       <p:sp>
         <p:nvSpPr>
-          <p:cNvPr id="6" name="灯片编号占位符 5">
-            <a:extLst>
-              <a:ext uri="{FF2B5EF4-FFF2-40B4-BE49-F238E27FC236}">
-                <a16:creationId xmlns:a16="http://schemas.microsoft.com/office/drawing/2014/main" id="{30B83CCC-DC06-4001-AEA2-91A7ADF9484F}"/>
-              </a:ext>
-            </a:extLst>
-          </p:cNvPr>
+          <p:cNvPr id="6" name="灯片编号占位符 5"/>
           <p:cNvSpPr>
             <a:spLocks noGrp="1"/>
           </p:cNvSpPr>
@@ -726,11 +626,6 @@
         </p:txBody>
       </p:sp>
     </p:spTree>
-    <p:extLst>
-      <p:ext uri="{BB962C8B-B14F-4D97-AF65-F5344CB8AC3E}">
-        <p14:creationId xmlns:p14="http://schemas.microsoft.com/office/powerpoint/2010/main" val="2101104378"/>
-      </p:ext>
-    </p:extLst>
   </p:cSld>
   <p:clrMapOvr>
     <a:masterClrMapping/>
@@ -757,13 +652,7 @@
       </p:grpSpPr>
       <p:sp>
         <p:nvSpPr>
-          <p:cNvPr id="2" name="标题 1">
-            <a:extLst>
-              <a:ext uri="{FF2B5EF4-FFF2-40B4-BE49-F238E27FC236}">
-                <a16:creationId xmlns:a16="http://schemas.microsoft.com/office/drawing/2014/main" id="{EC892F3D-6A4C-402A-A560-1D341A2CA6B7}"/>
-              </a:ext>
-            </a:extLst>
-          </p:cNvPr>
+          <p:cNvPr id="2" name="标题 1"/>
           <p:cNvSpPr>
             <a:spLocks noGrp="1"/>
           </p:cNvSpPr>
@@ -785,13 +674,7 @@
       </p:sp>
       <p:sp>
         <p:nvSpPr>
-          <p:cNvPr id="3" name="内容占位符 2">
-            <a:extLst>
-              <a:ext uri="{FF2B5EF4-FFF2-40B4-BE49-F238E27FC236}">
-                <a16:creationId xmlns:a16="http://schemas.microsoft.com/office/drawing/2014/main" id="{C6B304BD-BBA4-465A-9729-BDAF101A78D4}"/>
-              </a:ext>
-            </a:extLst>
-          </p:cNvPr>
+          <p:cNvPr id="3" name="内容占位符 2"/>
           <p:cNvSpPr>
             <a:spLocks noGrp="1"/>
           </p:cNvSpPr>
@@ -842,13 +725,7 @@
       </p:sp>
       <p:sp>
         <p:nvSpPr>
-          <p:cNvPr id="4" name="日期占位符 3">
-            <a:extLst>
-              <a:ext uri="{FF2B5EF4-FFF2-40B4-BE49-F238E27FC236}">
-                <a16:creationId xmlns:a16="http://schemas.microsoft.com/office/drawing/2014/main" id="{2357D087-B79A-4154-A029-B8E1E85B783F}"/>
-              </a:ext>
-            </a:extLst>
-          </p:cNvPr>
+          <p:cNvPr id="4" name="日期占位符 3"/>
           <p:cNvSpPr>
             <a:spLocks noGrp="1"/>
           </p:cNvSpPr>
@@ -863,7 +740,7 @@
           <a:p>
             <a:fld id="{6762D2B0-5507-4CDA-B446-75C6557B3D58}" type="datetimeFigureOut">
               <a:rPr lang="zh-CN" altLang="en-US" smtClean="0"/>
-              <a:t>2021/3/5</a:t>
+              <a:t>2021/3/10</a:t>
             </a:fld>
             <a:endParaRPr lang="zh-CN" altLang="en-US"/>
           </a:p>
@@ -871,13 +748,7 @@
       </p:sp>
       <p:sp>
         <p:nvSpPr>
-          <p:cNvPr id="5" name="页脚占位符 4">
-            <a:extLst>
-              <a:ext uri="{FF2B5EF4-FFF2-40B4-BE49-F238E27FC236}">
-                <a16:creationId xmlns:a16="http://schemas.microsoft.com/office/drawing/2014/main" id="{D2C87D4D-3191-405B-9BC8-049B46301759}"/>
-              </a:ext>
-            </a:extLst>
-          </p:cNvPr>
+          <p:cNvPr id="5" name="页脚占位符 4"/>
           <p:cNvSpPr>
             <a:spLocks noGrp="1"/>
           </p:cNvSpPr>
@@ -896,13 +767,7 @@
       </p:sp>
       <p:sp>
         <p:nvSpPr>
-          <p:cNvPr id="6" name="灯片编号占位符 5">
-            <a:extLst>
-              <a:ext uri="{FF2B5EF4-FFF2-40B4-BE49-F238E27FC236}">
-                <a16:creationId xmlns:a16="http://schemas.microsoft.com/office/drawing/2014/main" id="{E28E47FC-BF46-4814-BF7F-7D615FE0E69D}"/>
-              </a:ext>
-            </a:extLst>
-          </p:cNvPr>
+          <p:cNvPr id="6" name="灯片编号占位符 5"/>
           <p:cNvSpPr>
             <a:spLocks noGrp="1"/>
           </p:cNvSpPr>
@@ -924,11 +789,6 @@
         </p:txBody>
       </p:sp>
     </p:spTree>
-    <p:extLst>
-      <p:ext uri="{BB962C8B-B14F-4D97-AF65-F5344CB8AC3E}">
-        <p14:creationId xmlns:p14="http://schemas.microsoft.com/office/powerpoint/2010/main" val="3151649085"/>
-      </p:ext>
-    </p:extLst>
   </p:cSld>
   <p:clrMapOvr>
     <a:masterClrMapping/>
@@ -955,13 +815,7 @@
       </p:grpSpPr>
       <p:sp>
         <p:nvSpPr>
-          <p:cNvPr id="2" name="标题 1">
-            <a:extLst>
-              <a:ext uri="{FF2B5EF4-FFF2-40B4-BE49-F238E27FC236}">
-                <a16:creationId xmlns:a16="http://schemas.microsoft.com/office/drawing/2014/main" id="{0F4489D5-891D-4B21-A8ED-20AB4FC9470B}"/>
-              </a:ext>
-            </a:extLst>
-          </p:cNvPr>
+          <p:cNvPr id="2" name="标题 1"/>
           <p:cNvSpPr>
             <a:spLocks noGrp="1"/>
           </p:cNvSpPr>
@@ -992,13 +846,7 @@
       </p:sp>
       <p:sp>
         <p:nvSpPr>
-          <p:cNvPr id="3" name="文本占位符 2">
-            <a:extLst>
-              <a:ext uri="{FF2B5EF4-FFF2-40B4-BE49-F238E27FC236}">
-                <a16:creationId xmlns:a16="http://schemas.microsoft.com/office/drawing/2014/main" id="{A2D7FFDD-EF45-4D81-B274-EE959A0E05D7}"/>
-              </a:ext>
-            </a:extLst>
-          </p:cNvPr>
+          <p:cNvPr id="3" name="文本占位符 2"/>
           <p:cNvSpPr>
             <a:spLocks noGrp="1"/>
           </p:cNvSpPr>
@@ -1117,13 +965,7 @@
       </p:sp>
       <p:sp>
         <p:nvSpPr>
-          <p:cNvPr id="4" name="日期占位符 3">
-            <a:extLst>
-              <a:ext uri="{FF2B5EF4-FFF2-40B4-BE49-F238E27FC236}">
-                <a16:creationId xmlns:a16="http://schemas.microsoft.com/office/drawing/2014/main" id="{1852514F-E1C9-4C9F-AA5F-BB9365087AD9}"/>
-              </a:ext>
-            </a:extLst>
-          </p:cNvPr>
+          <p:cNvPr id="4" name="日期占位符 3"/>
           <p:cNvSpPr>
             <a:spLocks noGrp="1"/>
           </p:cNvSpPr>
@@ -1138,7 +980,7 @@
           <a:p>
             <a:fld id="{6762D2B0-5507-4CDA-B446-75C6557B3D58}" type="datetimeFigureOut">
               <a:rPr lang="zh-CN" altLang="en-US" smtClean="0"/>
-              <a:t>2021/3/5</a:t>
+              <a:t>2021/3/10</a:t>
             </a:fld>
             <a:endParaRPr lang="zh-CN" altLang="en-US"/>
           </a:p>
@@ -1146,13 +988,7 @@
       </p:sp>
       <p:sp>
         <p:nvSpPr>
-          <p:cNvPr id="5" name="页脚占位符 4">
-            <a:extLst>
-              <a:ext uri="{FF2B5EF4-FFF2-40B4-BE49-F238E27FC236}">
-                <a16:creationId xmlns:a16="http://schemas.microsoft.com/office/drawing/2014/main" id="{557F6D09-4F5E-4393-A937-EEB65DEEF36E}"/>
-              </a:ext>
-            </a:extLst>
-          </p:cNvPr>
+          <p:cNvPr id="5" name="页脚占位符 4"/>
           <p:cNvSpPr>
             <a:spLocks noGrp="1"/>
           </p:cNvSpPr>
@@ -1171,13 +1007,7 @@
       </p:sp>
       <p:sp>
         <p:nvSpPr>
-          <p:cNvPr id="6" name="灯片编号占位符 5">
-            <a:extLst>
-              <a:ext uri="{FF2B5EF4-FFF2-40B4-BE49-F238E27FC236}">
-                <a16:creationId xmlns:a16="http://schemas.microsoft.com/office/drawing/2014/main" id="{425B83C9-D6BF-4A9F-9752-D57A433847BA}"/>
-              </a:ext>
-            </a:extLst>
-          </p:cNvPr>
+          <p:cNvPr id="6" name="灯片编号占位符 5"/>
           <p:cNvSpPr>
             <a:spLocks noGrp="1"/>
           </p:cNvSpPr>
@@ -1199,11 +1029,6 @@
         </p:txBody>
       </p:sp>
     </p:spTree>
-    <p:extLst>
-      <p:ext uri="{BB962C8B-B14F-4D97-AF65-F5344CB8AC3E}">
-        <p14:creationId xmlns:p14="http://schemas.microsoft.com/office/powerpoint/2010/main" val="704624916"/>
-      </p:ext>
-    </p:extLst>
   </p:cSld>
   <p:clrMapOvr>
     <a:masterClrMapping/>
@@ -1230,13 +1055,7 @@
       </p:grpSpPr>
       <p:sp>
         <p:nvSpPr>
-          <p:cNvPr id="2" name="标题 1">
-            <a:extLst>
-              <a:ext uri="{FF2B5EF4-FFF2-40B4-BE49-F238E27FC236}">
-                <a16:creationId xmlns:a16="http://schemas.microsoft.com/office/drawing/2014/main" id="{D0D7D16F-BCBD-4FC6-A297-E371B8B9893F}"/>
-              </a:ext>
-            </a:extLst>
-          </p:cNvPr>
+          <p:cNvPr id="2" name="标题 1"/>
           <p:cNvSpPr>
             <a:spLocks noGrp="1"/>
           </p:cNvSpPr>
@@ -1258,13 +1077,7 @@
       </p:sp>
       <p:sp>
         <p:nvSpPr>
-          <p:cNvPr id="3" name="内容占位符 2">
-            <a:extLst>
-              <a:ext uri="{FF2B5EF4-FFF2-40B4-BE49-F238E27FC236}">
-                <a16:creationId xmlns:a16="http://schemas.microsoft.com/office/drawing/2014/main" id="{F1BCA1EB-939D-4710-B0CE-8CB2AD66131A}"/>
-              </a:ext>
-            </a:extLst>
-          </p:cNvPr>
+          <p:cNvPr id="3" name="内容占位符 2"/>
           <p:cNvSpPr>
             <a:spLocks noGrp="1"/>
           </p:cNvSpPr>
@@ -1320,13 +1133,7 @@
       </p:sp>
       <p:sp>
         <p:nvSpPr>
-          <p:cNvPr id="4" name="内容占位符 3">
-            <a:extLst>
-              <a:ext uri="{FF2B5EF4-FFF2-40B4-BE49-F238E27FC236}">
-                <a16:creationId xmlns:a16="http://schemas.microsoft.com/office/drawing/2014/main" id="{6E6F7209-5BD2-4972-AD38-BA4F43694557}"/>
-              </a:ext>
-            </a:extLst>
-          </p:cNvPr>
+          <p:cNvPr id="4" name="内容占位符 3"/>
           <p:cNvSpPr>
             <a:spLocks noGrp="1"/>
           </p:cNvSpPr>
@@ -1382,13 +1189,7 @@
       </p:sp>
       <p:sp>
         <p:nvSpPr>
-          <p:cNvPr id="5" name="日期占位符 4">
-            <a:extLst>
-              <a:ext uri="{FF2B5EF4-FFF2-40B4-BE49-F238E27FC236}">
-                <a16:creationId xmlns:a16="http://schemas.microsoft.com/office/drawing/2014/main" id="{6E47B074-1D96-4E24-B9E8-B73B5FEBAE3D}"/>
-              </a:ext>
-            </a:extLst>
-          </p:cNvPr>
+          <p:cNvPr id="5" name="日期占位符 4"/>
           <p:cNvSpPr>
             <a:spLocks noGrp="1"/>
           </p:cNvSpPr>
@@ -1403,7 +1204,7 @@
           <a:p>
             <a:fld id="{6762D2B0-5507-4CDA-B446-75C6557B3D58}" type="datetimeFigureOut">
               <a:rPr lang="zh-CN" altLang="en-US" smtClean="0"/>
-              <a:t>2021/3/5</a:t>
+              <a:t>2021/3/10</a:t>
             </a:fld>
             <a:endParaRPr lang="zh-CN" altLang="en-US"/>
           </a:p>
@@ -1411,13 +1212,7 @@
       </p:sp>
       <p:sp>
         <p:nvSpPr>
-          <p:cNvPr id="6" name="页脚占位符 5">
-            <a:extLst>
-              <a:ext uri="{FF2B5EF4-FFF2-40B4-BE49-F238E27FC236}">
-                <a16:creationId xmlns:a16="http://schemas.microsoft.com/office/drawing/2014/main" id="{A9041250-73EE-4E86-AE03-3A942829E58B}"/>
-              </a:ext>
-            </a:extLst>
-          </p:cNvPr>
+          <p:cNvPr id="6" name="页脚占位符 5"/>
           <p:cNvSpPr>
             <a:spLocks noGrp="1"/>
           </p:cNvSpPr>
@@ -1436,13 +1231,7 @@
       </p:sp>
       <p:sp>
         <p:nvSpPr>
-          <p:cNvPr id="7" name="灯片编号占位符 6">
-            <a:extLst>
-              <a:ext uri="{FF2B5EF4-FFF2-40B4-BE49-F238E27FC236}">
-                <a16:creationId xmlns:a16="http://schemas.microsoft.com/office/drawing/2014/main" id="{AA2D91CC-660A-47CC-8D0B-04DDFB1063FA}"/>
-              </a:ext>
-            </a:extLst>
-          </p:cNvPr>
+          <p:cNvPr id="7" name="灯片编号占位符 6"/>
           <p:cNvSpPr>
             <a:spLocks noGrp="1"/>
           </p:cNvSpPr>
@@ -1464,11 +1253,6 @@
         </p:txBody>
       </p:sp>
     </p:spTree>
-    <p:extLst>
-      <p:ext uri="{BB962C8B-B14F-4D97-AF65-F5344CB8AC3E}">
-        <p14:creationId xmlns:p14="http://schemas.microsoft.com/office/powerpoint/2010/main" val="683954849"/>
-      </p:ext>
-    </p:extLst>
   </p:cSld>
   <p:clrMapOvr>
     <a:masterClrMapping/>
@@ -1495,13 +1279,7 @@
       </p:grpSpPr>
       <p:sp>
         <p:nvSpPr>
-          <p:cNvPr id="2" name="标题 1">
-            <a:extLst>
-              <a:ext uri="{FF2B5EF4-FFF2-40B4-BE49-F238E27FC236}">
-                <a16:creationId xmlns:a16="http://schemas.microsoft.com/office/drawing/2014/main" id="{43BD7FFE-21C0-436F-8C9F-A45412565D7A}"/>
-              </a:ext>
-            </a:extLst>
-          </p:cNvPr>
+          <p:cNvPr id="2" name="标题 1"/>
           <p:cNvSpPr>
             <a:spLocks noGrp="1"/>
           </p:cNvSpPr>
@@ -1528,13 +1306,7 @@
       </p:sp>
       <p:sp>
         <p:nvSpPr>
-          <p:cNvPr id="3" name="文本占位符 2">
-            <a:extLst>
-              <a:ext uri="{FF2B5EF4-FFF2-40B4-BE49-F238E27FC236}">
-                <a16:creationId xmlns:a16="http://schemas.microsoft.com/office/drawing/2014/main" id="{D5073D11-F3C1-470F-94B8-D656CDEE4657}"/>
-              </a:ext>
-            </a:extLst>
-          </p:cNvPr>
+          <p:cNvPr id="3" name="文本占位符 2"/>
           <p:cNvSpPr>
             <a:spLocks noGrp="1"/>
           </p:cNvSpPr>
@@ -1599,13 +1371,7 @@
       </p:sp>
       <p:sp>
         <p:nvSpPr>
-          <p:cNvPr id="4" name="内容占位符 3">
-            <a:extLst>
-              <a:ext uri="{FF2B5EF4-FFF2-40B4-BE49-F238E27FC236}">
-                <a16:creationId xmlns:a16="http://schemas.microsoft.com/office/drawing/2014/main" id="{8DA9FD68-1DD4-4FC1-8EB9-C8B4962CA19E}"/>
-              </a:ext>
-            </a:extLst>
-          </p:cNvPr>
+          <p:cNvPr id="4" name="内容占位符 3"/>
           <p:cNvSpPr>
             <a:spLocks noGrp="1"/>
           </p:cNvSpPr>
@@ -1661,13 +1427,7 @@
       </p:sp>
       <p:sp>
         <p:nvSpPr>
-          <p:cNvPr id="5" name="文本占位符 4">
-            <a:extLst>
-              <a:ext uri="{FF2B5EF4-FFF2-40B4-BE49-F238E27FC236}">
-                <a16:creationId xmlns:a16="http://schemas.microsoft.com/office/drawing/2014/main" id="{E2B88337-F652-443F-ABD3-23AE1CF3BAE1}"/>
-              </a:ext>
-            </a:extLst>
-          </p:cNvPr>
+          <p:cNvPr id="5" name="文本占位符 4"/>
           <p:cNvSpPr>
             <a:spLocks noGrp="1"/>
           </p:cNvSpPr>
@@ -1732,13 +1492,7 @@
       </p:sp>
       <p:sp>
         <p:nvSpPr>
-          <p:cNvPr id="6" name="内容占位符 5">
-            <a:extLst>
-              <a:ext uri="{FF2B5EF4-FFF2-40B4-BE49-F238E27FC236}">
-                <a16:creationId xmlns:a16="http://schemas.microsoft.com/office/drawing/2014/main" id="{EFC2362A-D122-40DF-92F2-EA6AC04565F5}"/>
-              </a:ext>
-            </a:extLst>
-          </p:cNvPr>
+          <p:cNvPr id="6" name="内容占位符 5"/>
           <p:cNvSpPr>
             <a:spLocks noGrp="1"/>
           </p:cNvSpPr>
@@ -1794,13 +1548,7 @@
       </p:sp>
       <p:sp>
         <p:nvSpPr>
-          <p:cNvPr id="7" name="日期占位符 6">
-            <a:extLst>
-              <a:ext uri="{FF2B5EF4-FFF2-40B4-BE49-F238E27FC236}">
-                <a16:creationId xmlns:a16="http://schemas.microsoft.com/office/drawing/2014/main" id="{D1A3AD16-A890-4148-9338-173315809F19}"/>
-              </a:ext>
-            </a:extLst>
-          </p:cNvPr>
+          <p:cNvPr id="7" name="日期占位符 6"/>
           <p:cNvSpPr>
             <a:spLocks noGrp="1"/>
           </p:cNvSpPr>
@@ -1815,7 +1563,7 @@
           <a:p>
             <a:fld id="{6762D2B0-5507-4CDA-B446-75C6557B3D58}" type="datetimeFigureOut">
               <a:rPr lang="zh-CN" altLang="en-US" smtClean="0"/>
-              <a:t>2021/3/5</a:t>
+              <a:t>2021/3/10</a:t>
             </a:fld>
             <a:endParaRPr lang="zh-CN" altLang="en-US"/>
           </a:p>
@@ -1823,13 +1571,7 @@
       </p:sp>
       <p:sp>
         <p:nvSpPr>
-          <p:cNvPr id="8" name="页脚占位符 7">
-            <a:extLst>
-              <a:ext uri="{FF2B5EF4-FFF2-40B4-BE49-F238E27FC236}">
-                <a16:creationId xmlns:a16="http://schemas.microsoft.com/office/drawing/2014/main" id="{ADB80FA9-D4B7-4D09-A276-F2CB9206A8FC}"/>
-              </a:ext>
-            </a:extLst>
-          </p:cNvPr>
+          <p:cNvPr id="8" name="页脚占位符 7"/>
           <p:cNvSpPr>
             <a:spLocks noGrp="1"/>
           </p:cNvSpPr>
@@ -1848,13 +1590,7 @@
       </p:sp>
       <p:sp>
         <p:nvSpPr>
-          <p:cNvPr id="9" name="灯片编号占位符 8">
-            <a:extLst>
-              <a:ext uri="{FF2B5EF4-FFF2-40B4-BE49-F238E27FC236}">
-                <a16:creationId xmlns:a16="http://schemas.microsoft.com/office/drawing/2014/main" id="{54194929-D2BE-4947-8E7E-50AA742B7637}"/>
-              </a:ext>
-            </a:extLst>
-          </p:cNvPr>
+          <p:cNvPr id="9" name="灯片编号占位符 8"/>
           <p:cNvSpPr>
             <a:spLocks noGrp="1"/>
           </p:cNvSpPr>
@@ -1876,11 +1612,6 @@
         </p:txBody>
       </p:sp>
     </p:spTree>
-    <p:extLst>
-      <p:ext uri="{BB962C8B-B14F-4D97-AF65-F5344CB8AC3E}">
-        <p14:creationId xmlns:p14="http://schemas.microsoft.com/office/powerpoint/2010/main" val="1576619275"/>
-      </p:ext>
-    </p:extLst>
   </p:cSld>
   <p:clrMapOvr>
     <a:masterClrMapping/>
@@ -1907,13 +1638,7 @@
       </p:grpSpPr>
       <p:sp>
         <p:nvSpPr>
-          <p:cNvPr id="2" name="标题 1">
-            <a:extLst>
-              <a:ext uri="{FF2B5EF4-FFF2-40B4-BE49-F238E27FC236}">
-                <a16:creationId xmlns:a16="http://schemas.microsoft.com/office/drawing/2014/main" id="{6773F898-6863-4DA1-8997-89424CCB4187}"/>
-              </a:ext>
-            </a:extLst>
-          </p:cNvPr>
+          <p:cNvPr id="2" name="标题 1"/>
           <p:cNvSpPr>
             <a:spLocks noGrp="1"/>
           </p:cNvSpPr>
@@ -1935,13 +1660,7 @@
       </p:sp>
       <p:sp>
         <p:nvSpPr>
-          <p:cNvPr id="3" name="日期占位符 2">
-            <a:extLst>
-              <a:ext uri="{FF2B5EF4-FFF2-40B4-BE49-F238E27FC236}">
-                <a16:creationId xmlns:a16="http://schemas.microsoft.com/office/drawing/2014/main" id="{19432724-AE5F-48E7-AF61-8B649B5165A5}"/>
-              </a:ext>
-            </a:extLst>
-          </p:cNvPr>
+          <p:cNvPr id="3" name="日期占位符 2"/>
           <p:cNvSpPr>
             <a:spLocks noGrp="1"/>
           </p:cNvSpPr>
@@ -1956,7 +1675,7 @@
           <a:p>
             <a:fld id="{6762D2B0-5507-4CDA-B446-75C6557B3D58}" type="datetimeFigureOut">
               <a:rPr lang="zh-CN" altLang="en-US" smtClean="0"/>
-              <a:t>2021/3/5</a:t>
+              <a:t>2021/3/10</a:t>
             </a:fld>
             <a:endParaRPr lang="zh-CN" altLang="en-US"/>
           </a:p>
@@ -1964,13 +1683,7 @@
       </p:sp>
       <p:sp>
         <p:nvSpPr>
-          <p:cNvPr id="4" name="页脚占位符 3">
-            <a:extLst>
-              <a:ext uri="{FF2B5EF4-FFF2-40B4-BE49-F238E27FC236}">
-                <a16:creationId xmlns:a16="http://schemas.microsoft.com/office/drawing/2014/main" id="{96D1EF05-5A6A-41E6-B1CC-AF45D4788012}"/>
-              </a:ext>
-            </a:extLst>
-          </p:cNvPr>
+          <p:cNvPr id="4" name="页脚占位符 3"/>
           <p:cNvSpPr>
             <a:spLocks noGrp="1"/>
           </p:cNvSpPr>
@@ -1989,13 +1702,7 @@
       </p:sp>
       <p:sp>
         <p:nvSpPr>
-          <p:cNvPr id="5" name="灯片编号占位符 4">
-            <a:extLst>
-              <a:ext uri="{FF2B5EF4-FFF2-40B4-BE49-F238E27FC236}">
-                <a16:creationId xmlns:a16="http://schemas.microsoft.com/office/drawing/2014/main" id="{6A67E7AF-9C89-4084-8865-034416D337B7}"/>
-              </a:ext>
-            </a:extLst>
-          </p:cNvPr>
+          <p:cNvPr id="5" name="灯片编号占位符 4"/>
           <p:cNvSpPr>
             <a:spLocks noGrp="1"/>
           </p:cNvSpPr>
@@ -2017,11 +1724,6 @@
         </p:txBody>
       </p:sp>
     </p:spTree>
-    <p:extLst>
-      <p:ext uri="{BB962C8B-B14F-4D97-AF65-F5344CB8AC3E}">
-        <p14:creationId xmlns:p14="http://schemas.microsoft.com/office/powerpoint/2010/main" val="3502191335"/>
-      </p:ext>
-    </p:extLst>
   </p:cSld>
   <p:clrMapOvr>
     <a:masterClrMapping/>
@@ -2048,13 +1750,7 @@
       </p:grpSpPr>
       <p:sp>
         <p:nvSpPr>
-          <p:cNvPr id="2" name="日期占位符 1">
-            <a:extLst>
-              <a:ext uri="{FF2B5EF4-FFF2-40B4-BE49-F238E27FC236}">
-                <a16:creationId xmlns:a16="http://schemas.microsoft.com/office/drawing/2014/main" id="{D2F00D80-C0A3-4723-ABCA-9F3BEB59C7C6}"/>
-              </a:ext>
-            </a:extLst>
-          </p:cNvPr>
+          <p:cNvPr id="2" name="日期占位符 1"/>
           <p:cNvSpPr>
             <a:spLocks noGrp="1"/>
           </p:cNvSpPr>
@@ -2069,7 +1765,7 @@
           <a:p>
             <a:fld id="{6762D2B0-5507-4CDA-B446-75C6557B3D58}" type="datetimeFigureOut">
               <a:rPr lang="zh-CN" altLang="en-US" smtClean="0"/>
-              <a:t>2021/3/5</a:t>
+              <a:t>2021/3/10</a:t>
             </a:fld>
             <a:endParaRPr lang="zh-CN" altLang="en-US"/>
           </a:p>
@@ -2077,13 +1773,7 @@
       </p:sp>
       <p:sp>
         <p:nvSpPr>
-          <p:cNvPr id="3" name="页脚占位符 2">
-            <a:extLst>
-              <a:ext uri="{FF2B5EF4-FFF2-40B4-BE49-F238E27FC236}">
-                <a16:creationId xmlns:a16="http://schemas.microsoft.com/office/drawing/2014/main" id="{7D6444C8-E09F-456F-99CE-EA5E7E002460}"/>
-              </a:ext>
-            </a:extLst>
-          </p:cNvPr>
+          <p:cNvPr id="3" name="页脚占位符 2"/>
           <p:cNvSpPr>
             <a:spLocks noGrp="1"/>
           </p:cNvSpPr>
@@ -2102,13 +1792,7 @@
       </p:sp>
       <p:sp>
         <p:nvSpPr>
-          <p:cNvPr id="4" name="灯片编号占位符 3">
-            <a:extLst>
-              <a:ext uri="{FF2B5EF4-FFF2-40B4-BE49-F238E27FC236}">
-                <a16:creationId xmlns:a16="http://schemas.microsoft.com/office/drawing/2014/main" id="{F1C5AA38-BDF3-4959-8FF6-BE22C1320A76}"/>
-              </a:ext>
-            </a:extLst>
-          </p:cNvPr>
+          <p:cNvPr id="4" name="灯片编号占位符 3"/>
           <p:cNvSpPr>
             <a:spLocks noGrp="1"/>
           </p:cNvSpPr>
@@ -2130,11 +1814,6 @@
         </p:txBody>
       </p:sp>
     </p:spTree>
-    <p:extLst>
-      <p:ext uri="{BB962C8B-B14F-4D97-AF65-F5344CB8AC3E}">
-        <p14:creationId xmlns:p14="http://schemas.microsoft.com/office/powerpoint/2010/main" val="725363902"/>
-      </p:ext>
-    </p:extLst>
   </p:cSld>
   <p:clrMapOvr>
     <a:masterClrMapping/>
@@ -2161,13 +1840,7 @@
       </p:grpSpPr>
       <p:sp>
         <p:nvSpPr>
-          <p:cNvPr id="2" name="标题 1">
-            <a:extLst>
-              <a:ext uri="{FF2B5EF4-FFF2-40B4-BE49-F238E27FC236}">
-                <a16:creationId xmlns:a16="http://schemas.microsoft.com/office/drawing/2014/main" id="{E8CEB26A-4819-4B06-B01D-BCD5C8573B7B}"/>
-              </a:ext>
-            </a:extLst>
-          </p:cNvPr>
+          <p:cNvPr id="2" name="标题 1"/>
           <p:cNvSpPr>
             <a:spLocks noGrp="1"/>
           </p:cNvSpPr>
@@ -2198,13 +1871,7 @@
       </p:sp>
       <p:sp>
         <p:nvSpPr>
-          <p:cNvPr id="3" name="内容占位符 2">
-            <a:extLst>
-              <a:ext uri="{FF2B5EF4-FFF2-40B4-BE49-F238E27FC236}">
-                <a16:creationId xmlns:a16="http://schemas.microsoft.com/office/drawing/2014/main" id="{448B7AE5-A340-413D-BC62-DD7CBC4BF722}"/>
-              </a:ext>
-            </a:extLst>
-          </p:cNvPr>
+          <p:cNvPr id="3" name="内容占位符 2"/>
           <p:cNvSpPr>
             <a:spLocks noGrp="1"/>
           </p:cNvSpPr>
@@ -2288,13 +1955,7 @@
       </p:sp>
       <p:sp>
         <p:nvSpPr>
-          <p:cNvPr id="4" name="文本占位符 3">
-            <a:extLst>
-              <a:ext uri="{FF2B5EF4-FFF2-40B4-BE49-F238E27FC236}">
-                <a16:creationId xmlns:a16="http://schemas.microsoft.com/office/drawing/2014/main" id="{0DD99C3B-433D-4966-8274-1D28C2530906}"/>
-              </a:ext>
-            </a:extLst>
-          </p:cNvPr>
+          <p:cNvPr id="4" name="文本占位符 3"/>
           <p:cNvSpPr>
             <a:spLocks noGrp="1"/>
           </p:cNvSpPr>
@@ -2359,13 +2020,7 @@
       </p:sp>
       <p:sp>
         <p:nvSpPr>
-          <p:cNvPr id="5" name="日期占位符 4">
-            <a:extLst>
-              <a:ext uri="{FF2B5EF4-FFF2-40B4-BE49-F238E27FC236}">
-                <a16:creationId xmlns:a16="http://schemas.microsoft.com/office/drawing/2014/main" id="{00DD5299-D664-4C56-A631-CEEAEB0DAACC}"/>
-              </a:ext>
-            </a:extLst>
-          </p:cNvPr>
+          <p:cNvPr id="5" name="日期占位符 4"/>
           <p:cNvSpPr>
             <a:spLocks noGrp="1"/>
           </p:cNvSpPr>
@@ -2380,7 +2035,7 @@
           <a:p>
             <a:fld id="{6762D2B0-5507-4CDA-B446-75C6557B3D58}" type="datetimeFigureOut">
               <a:rPr lang="zh-CN" altLang="en-US" smtClean="0"/>
-              <a:t>2021/3/5</a:t>
+              <a:t>2021/3/10</a:t>
             </a:fld>
             <a:endParaRPr lang="zh-CN" altLang="en-US"/>
           </a:p>
@@ -2388,13 +2043,7 @@
       </p:sp>
       <p:sp>
         <p:nvSpPr>
-          <p:cNvPr id="6" name="页脚占位符 5">
-            <a:extLst>
-              <a:ext uri="{FF2B5EF4-FFF2-40B4-BE49-F238E27FC236}">
-                <a16:creationId xmlns:a16="http://schemas.microsoft.com/office/drawing/2014/main" id="{64CFA0E3-806E-450E-857A-68521E820702}"/>
-              </a:ext>
-            </a:extLst>
-          </p:cNvPr>
+          <p:cNvPr id="6" name="页脚占位符 5"/>
           <p:cNvSpPr>
             <a:spLocks noGrp="1"/>
           </p:cNvSpPr>
@@ -2413,13 +2062,7 @@
       </p:sp>
       <p:sp>
         <p:nvSpPr>
-          <p:cNvPr id="7" name="灯片编号占位符 6">
-            <a:extLst>
-              <a:ext uri="{FF2B5EF4-FFF2-40B4-BE49-F238E27FC236}">
-                <a16:creationId xmlns:a16="http://schemas.microsoft.com/office/drawing/2014/main" id="{90418547-1B01-4106-849D-582F9DFC4074}"/>
-              </a:ext>
-            </a:extLst>
-          </p:cNvPr>
+          <p:cNvPr id="7" name="灯片编号占位符 6"/>
           <p:cNvSpPr>
             <a:spLocks noGrp="1"/>
           </p:cNvSpPr>
@@ -2441,11 +2084,6 @@
         </p:txBody>
       </p:sp>
     </p:spTree>
-    <p:extLst>
-      <p:ext uri="{BB962C8B-B14F-4D97-AF65-F5344CB8AC3E}">
-        <p14:creationId xmlns:p14="http://schemas.microsoft.com/office/powerpoint/2010/main" val="1464888485"/>
-      </p:ext>
-    </p:extLst>
   </p:cSld>
   <p:clrMapOvr>
     <a:masterClrMapping/>
@@ -2472,13 +2110,7 @@
       </p:grpSpPr>
       <p:sp>
         <p:nvSpPr>
-          <p:cNvPr id="2" name="标题 1">
-            <a:extLst>
-              <a:ext uri="{FF2B5EF4-FFF2-40B4-BE49-F238E27FC236}">
-                <a16:creationId xmlns:a16="http://schemas.microsoft.com/office/drawing/2014/main" id="{3B8C604B-7EA8-47DE-A36A-A37E581A1924}"/>
-              </a:ext>
-            </a:extLst>
-          </p:cNvPr>
+          <p:cNvPr id="2" name="标题 1"/>
           <p:cNvSpPr>
             <a:spLocks noGrp="1"/>
           </p:cNvSpPr>
@@ -2509,13 +2141,7 @@
       </p:sp>
       <p:sp>
         <p:nvSpPr>
-          <p:cNvPr id="3" name="图片占位符 2">
-            <a:extLst>
-              <a:ext uri="{FF2B5EF4-FFF2-40B4-BE49-F238E27FC236}">
-                <a16:creationId xmlns:a16="http://schemas.microsoft.com/office/drawing/2014/main" id="{E8ED8C22-3C80-42A1-89C4-A8FF82329416}"/>
-              </a:ext>
-            </a:extLst>
-          </p:cNvPr>
+          <p:cNvPr id="3" name="图片占位符 2"/>
           <p:cNvSpPr>
             <a:spLocks noGrp="1"/>
           </p:cNvSpPr>
@@ -2576,13 +2202,7 @@
       </p:sp>
       <p:sp>
         <p:nvSpPr>
-          <p:cNvPr id="4" name="文本占位符 3">
-            <a:extLst>
-              <a:ext uri="{FF2B5EF4-FFF2-40B4-BE49-F238E27FC236}">
-                <a16:creationId xmlns:a16="http://schemas.microsoft.com/office/drawing/2014/main" id="{61D2B6BB-64E5-4C89-8F5B-67CFE6EEAAE4}"/>
-              </a:ext>
-            </a:extLst>
-          </p:cNvPr>
+          <p:cNvPr id="4" name="文本占位符 3"/>
           <p:cNvSpPr>
             <a:spLocks noGrp="1"/>
           </p:cNvSpPr>
@@ -2647,13 +2267,7 @@
       </p:sp>
       <p:sp>
         <p:nvSpPr>
-          <p:cNvPr id="5" name="日期占位符 4">
-            <a:extLst>
-              <a:ext uri="{FF2B5EF4-FFF2-40B4-BE49-F238E27FC236}">
-                <a16:creationId xmlns:a16="http://schemas.microsoft.com/office/drawing/2014/main" id="{E2F54758-0647-40E3-9E83-9BE2F366D9B2}"/>
-              </a:ext>
-            </a:extLst>
-          </p:cNvPr>
+          <p:cNvPr id="5" name="日期占位符 4"/>
           <p:cNvSpPr>
             <a:spLocks noGrp="1"/>
           </p:cNvSpPr>
@@ -2668,7 +2282,7 @@
           <a:p>
             <a:fld id="{6762D2B0-5507-4CDA-B446-75C6557B3D58}" type="datetimeFigureOut">
               <a:rPr lang="zh-CN" altLang="en-US" smtClean="0"/>
-              <a:t>2021/3/5</a:t>
+              <a:t>2021/3/10</a:t>
             </a:fld>
             <a:endParaRPr lang="zh-CN" altLang="en-US"/>
           </a:p>
@@ -2676,13 +2290,7 @@
       </p:sp>
       <p:sp>
         <p:nvSpPr>
-          <p:cNvPr id="6" name="页脚占位符 5">
-            <a:extLst>
-              <a:ext uri="{FF2B5EF4-FFF2-40B4-BE49-F238E27FC236}">
-                <a16:creationId xmlns:a16="http://schemas.microsoft.com/office/drawing/2014/main" id="{04E86F2C-EE64-4B89-9042-702D61ABD591}"/>
-              </a:ext>
-            </a:extLst>
-          </p:cNvPr>
+          <p:cNvPr id="6" name="页脚占位符 5"/>
           <p:cNvSpPr>
             <a:spLocks noGrp="1"/>
           </p:cNvSpPr>
@@ -2701,13 +2309,7 @@
       </p:sp>
       <p:sp>
         <p:nvSpPr>
-          <p:cNvPr id="7" name="灯片编号占位符 6">
-            <a:extLst>
-              <a:ext uri="{FF2B5EF4-FFF2-40B4-BE49-F238E27FC236}">
-                <a16:creationId xmlns:a16="http://schemas.microsoft.com/office/drawing/2014/main" id="{96A221B6-48CB-4ED4-A191-5807B8AFD9E4}"/>
-              </a:ext>
-            </a:extLst>
-          </p:cNvPr>
+          <p:cNvPr id="7" name="灯片编号占位符 6"/>
           <p:cNvSpPr>
             <a:spLocks noGrp="1"/>
           </p:cNvSpPr>
@@ -2729,11 +2331,6 @@
         </p:txBody>
       </p:sp>
     </p:spTree>
-    <p:extLst>
-      <p:ext uri="{BB962C8B-B14F-4D97-AF65-F5344CB8AC3E}">
-        <p14:creationId xmlns:p14="http://schemas.microsoft.com/office/powerpoint/2010/main" val="2604396759"/>
-      </p:ext>
-    </p:extLst>
   </p:cSld>
   <p:clrMapOvr>
     <a:masterClrMapping/>
@@ -2765,13 +2362,7 @@
       </p:grpSpPr>
       <p:sp>
         <p:nvSpPr>
-          <p:cNvPr id="2" name="标题占位符 1">
-            <a:extLst>
-              <a:ext uri="{FF2B5EF4-FFF2-40B4-BE49-F238E27FC236}">
-                <a16:creationId xmlns:a16="http://schemas.microsoft.com/office/drawing/2014/main" id="{996BAD26-BC6E-4E3F-A796-8DA16627F0B1}"/>
-              </a:ext>
-            </a:extLst>
-          </p:cNvPr>
+          <p:cNvPr id="2" name="标题占位符 1"/>
           <p:cNvSpPr>
             <a:spLocks noGrp="1"/>
           </p:cNvSpPr>
@@ -2803,13 +2394,7 @@
       </p:sp>
       <p:sp>
         <p:nvSpPr>
-          <p:cNvPr id="3" name="文本占位符 2">
-            <a:extLst>
-              <a:ext uri="{FF2B5EF4-FFF2-40B4-BE49-F238E27FC236}">
-                <a16:creationId xmlns:a16="http://schemas.microsoft.com/office/drawing/2014/main" id="{1087936C-436D-4A45-94E4-27872AB35EE2}"/>
-              </a:ext>
-            </a:extLst>
-          </p:cNvPr>
+          <p:cNvPr id="3" name="文本占位符 2"/>
           <p:cNvSpPr>
             <a:spLocks noGrp="1"/>
           </p:cNvSpPr>
@@ -2870,13 +2455,7 @@
       </p:sp>
       <p:sp>
         <p:nvSpPr>
-          <p:cNvPr id="4" name="日期占位符 3">
-            <a:extLst>
-              <a:ext uri="{FF2B5EF4-FFF2-40B4-BE49-F238E27FC236}">
-                <a16:creationId xmlns:a16="http://schemas.microsoft.com/office/drawing/2014/main" id="{6A53A562-638F-4274-9380-E45ECD2CB78D}"/>
-              </a:ext>
-            </a:extLst>
-          </p:cNvPr>
+          <p:cNvPr id="4" name="日期占位符 3"/>
           <p:cNvSpPr>
             <a:spLocks noGrp="1"/>
           </p:cNvSpPr>
@@ -2909,7 +2488,7 @@
           <a:p>
             <a:fld id="{6762D2B0-5507-4CDA-B446-75C6557B3D58}" type="datetimeFigureOut">
               <a:rPr lang="zh-CN" altLang="en-US" smtClean="0"/>
-              <a:t>2021/3/5</a:t>
+              <a:t>2021/3/10</a:t>
             </a:fld>
             <a:endParaRPr lang="zh-CN" altLang="en-US"/>
           </a:p>
@@ -2917,13 +2496,7 @@
       </p:sp>
       <p:sp>
         <p:nvSpPr>
-          <p:cNvPr id="5" name="页脚占位符 4">
-            <a:extLst>
-              <a:ext uri="{FF2B5EF4-FFF2-40B4-BE49-F238E27FC236}">
-                <a16:creationId xmlns:a16="http://schemas.microsoft.com/office/drawing/2014/main" id="{5D9130A4-6E3A-4E44-982C-E185E42BF943}"/>
-              </a:ext>
-            </a:extLst>
-          </p:cNvPr>
+          <p:cNvPr id="5" name="页脚占位符 4"/>
           <p:cNvSpPr>
             <a:spLocks noGrp="1"/>
           </p:cNvSpPr>
@@ -2960,13 +2533,7 @@
       </p:sp>
       <p:sp>
         <p:nvSpPr>
-          <p:cNvPr id="6" name="灯片编号占位符 5">
-            <a:extLst>
-              <a:ext uri="{FF2B5EF4-FFF2-40B4-BE49-F238E27FC236}">
-                <a16:creationId xmlns:a16="http://schemas.microsoft.com/office/drawing/2014/main" id="{021BEBD8-CA1B-43E4-9D3B-251233FB017C}"/>
-              </a:ext>
-            </a:extLst>
-          </p:cNvPr>
+          <p:cNvPr id="6" name="灯片编号占位符 5"/>
           <p:cNvSpPr>
             <a:spLocks noGrp="1"/>
           </p:cNvSpPr>
@@ -3006,11 +2573,6 @@
         </p:txBody>
       </p:sp>
     </p:spTree>
-    <p:extLst>
-      <p:ext uri="{BB962C8B-B14F-4D97-AF65-F5344CB8AC3E}">
-        <p14:creationId xmlns:p14="http://schemas.microsoft.com/office/powerpoint/2010/main" val="2997711924"/>
-      </p:ext>
-    </p:extLst>
   </p:cSld>
   <p:clrMap bg1="lt1" tx1="dk1" bg2="lt2" tx2="dk2" accent1="accent1" accent2="accent2" accent3="accent3" accent4="accent4" accent5="accent5" accent6="accent6" hlink="hlink" folHlink="folHlink"/>
   <p:sldLayoutIdLst>
@@ -3054,7 +2616,7 @@
         <a:spcBef>
           <a:spcPts val="1000"/>
         </a:spcBef>
-        <a:buFont typeface="Arial" panose="020B0604020202020204" pitchFamily="34" charset="0"/>
+        <a:buFont typeface="Arial" panose="020B0604020202090204" pitchFamily="34" charset="0"/>
         <a:buChar char="•"/>
         <a:defRPr sz="2800" kern="1200">
           <a:solidFill>
@@ -3072,7 +2634,7 @@
         <a:spcBef>
           <a:spcPts val="500"/>
         </a:spcBef>
-        <a:buFont typeface="Arial" panose="020B0604020202020204" pitchFamily="34" charset="0"/>
+        <a:buFont typeface="Arial" panose="020B0604020202090204" pitchFamily="34" charset="0"/>
         <a:buChar char="•"/>
         <a:defRPr sz="2400" kern="1200">
           <a:solidFill>
@@ -3090,7 +2652,7 @@
         <a:spcBef>
           <a:spcPts val="500"/>
         </a:spcBef>
-        <a:buFont typeface="Arial" panose="020B0604020202020204" pitchFamily="34" charset="0"/>
+        <a:buFont typeface="Arial" panose="020B0604020202090204" pitchFamily="34" charset="0"/>
         <a:buChar char="•"/>
         <a:defRPr sz="2000" kern="1200">
           <a:solidFill>
@@ -3108,7 +2670,7 @@
         <a:spcBef>
           <a:spcPts val="500"/>
         </a:spcBef>
-        <a:buFont typeface="Arial" panose="020B0604020202020204" pitchFamily="34" charset="0"/>
+        <a:buFont typeface="Arial" panose="020B0604020202090204" pitchFamily="34" charset="0"/>
         <a:buChar char="•"/>
         <a:defRPr sz="1800" kern="1200">
           <a:solidFill>
@@ -3126,7 +2688,7 @@
         <a:spcBef>
           <a:spcPts val="500"/>
         </a:spcBef>
-        <a:buFont typeface="Arial" panose="020B0604020202020204" pitchFamily="34" charset="0"/>
+        <a:buFont typeface="Arial" panose="020B0604020202090204" pitchFamily="34" charset="0"/>
         <a:buChar char="•"/>
         <a:defRPr sz="1800" kern="1200">
           <a:solidFill>
@@ -3144,7 +2706,7 @@
         <a:spcBef>
           <a:spcPts val="500"/>
         </a:spcBef>
-        <a:buFont typeface="Arial" panose="020B0604020202020204" pitchFamily="34" charset="0"/>
+        <a:buFont typeface="Arial" panose="020B0604020202090204" pitchFamily="34" charset="0"/>
         <a:buChar char="•"/>
         <a:defRPr sz="1800" kern="1200">
           <a:solidFill>
@@ -3162,7 +2724,7 @@
         <a:spcBef>
           <a:spcPts val="500"/>
         </a:spcBef>
-        <a:buFont typeface="Arial" panose="020B0604020202020204" pitchFamily="34" charset="0"/>
+        <a:buFont typeface="Arial" panose="020B0604020202090204" pitchFamily="34" charset="0"/>
         <a:buChar char="•"/>
         <a:defRPr sz="1800" kern="1200">
           <a:solidFill>
@@ -3180,7 +2742,7 @@
         <a:spcBef>
           <a:spcPts val="500"/>
         </a:spcBef>
-        <a:buFont typeface="Arial" panose="020B0604020202020204" pitchFamily="34" charset="0"/>
+        <a:buFont typeface="Arial" panose="020B0604020202090204" pitchFamily="34" charset="0"/>
         <a:buChar char="•"/>
         <a:defRPr sz="1800" kern="1200">
           <a:solidFill>
@@ -3198,7 +2760,7 @@
         <a:spcBef>
           <a:spcPts val="500"/>
         </a:spcBef>
-        <a:buFont typeface="Arial" panose="020B0604020202020204" pitchFamily="34" charset="0"/>
+        <a:buFont typeface="Arial" panose="020B0604020202090204" pitchFamily="34" charset="0"/>
         <a:buChar char="•"/>
         <a:defRPr sz="1800" kern="1200">
           <a:solidFill>
@@ -3328,13 +2890,7 @@
       </p:grpSpPr>
       <p:sp>
         <p:nvSpPr>
-          <p:cNvPr id="4" name="流程图: 接点 3">
-            <a:extLst>
-              <a:ext uri="{FF2B5EF4-FFF2-40B4-BE49-F238E27FC236}">
-                <a16:creationId xmlns:a16="http://schemas.microsoft.com/office/drawing/2014/main" id="{B3AE1181-4108-4D83-984C-4B1AD8A8EC39}"/>
-              </a:ext>
-            </a:extLst>
-          </p:cNvPr>
+          <p:cNvPr id="4" name="流程图: 接点 3"/>
           <p:cNvSpPr/>
           <p:nvPr/>
         </p:nvSpPr>
@@ -3382,19 +2938,13 @@
       </p:sp>
       <p:sp>
         <p:nvSpPr>
-          <p:cNvPr id="6" name="流程图: 接点 5">
-            <a:extLst>
-              <a:ext uri="{FF2B5EF4-FFF2-40B4-BE49-F238E27FC236}">
-                <a16:creationId xmlns:a16="http://schemas.microsoft.com/office/drawing/2014/main" id="{B4D76ED3-D5E3-400E-BC4C-DBA9A282858D}"/>
-              </a:ext>
-            </a:extLst>
-          </p:cNvPr>
+          <p:cNvPr id="6" name="流程图: 接点 5"/>
           <p:cNvSpPr/>
           <p:nvPr/>
         </p:nvSpPr>
         <p:spPr>
           <a:xfrm>
-            <a:off x="3589786" y="1329622"/>
+            <a:off x="3373878" y="1356145"/>
             <a:ext cx="213360" cy="233680"/>
           </a:xfrm>
           <a:prstGeom prst="flowChartConnector">
@@ -3436,19 +2986,13 @@
       </p:sp>
       <p:sp>
         <p:nvSpPr>
-          <p:cNvPr id="8" name="流程图: 接点 7">
-            <a:extLst>
-              <a:ext uri="{FF2B5EF4-FFF2-40B4-BE49-F238E27FC236}">
-                <a16:creationId xmlns:a16="http://schemas.microsoft.com/office/drawing/2014/main" id="{F6252548-500C-448C-8302-B21DFF82A0D0}"/>
-              </a:ext>
-            </a:extLst>
-          </p:cNvPr>
+          <p:cNvPr id="8" name="流程图: 接点 7"/>
           <p:cNvSpPr/>
           <p:nvPr/>
         </p:nvSpPr>
         <p:spPr>
           <a:xfrm>
-            <a:off x="4729480" y="1329622"/>
+            <a:off x="5003620" y="1334867"/>
             <a:ext cx="213360" cy="233680"/>
           </a:xfrm>
           <a:prstGeom prst="flowChartConnector">
@@ -3490,19 +3034,13 @@
       </p:sp>
       <p:sp>
         <p:nvSpPr>
-          <p:cNvPr id="10" name="流程图: 接点 9">
-            <a:extLst>
-              <a:ext uri="{FF2B5EF4-FFF2-40B4-BE49-F238E27FC236}">
-                <a16:creationId xmlns:a16="http://schemas.microsoft.com/office/drawing/2014/main" id="{32A6900D-A306-4E2C-BF26-B4C001D9036F}"/>
-              </a:ext>
-            </a:extLst>
-          </p:cNvPr>
+          <p:cNvPr id="10" name="流程图: 接点 9"/>
           <p:cNvSpPr/>
           <p:nvPr/>
         </p:nvSpPr>
         <p:spPr>
           <a:xfrm>
-            <a:off x="3144520" y="2047240"/>
+            <a:off x="2742705" y="2114339"/>
             <a:ext cx="213360" cy="233680"/>
           </a:xfrm>
           <a:prstGeom prst="flowChartConnector">
@@ -3544,19 +3082,13 @@
       </p:sp>
       <p:sp>
         <p:nvSpPr>
-          <p:cNvPr id="12" name="流程图: 接点 11">
-            <a:extLst>
-              <a:ext uri="{FF2B5EF4-FFF2-40B4-BE49-F238E27FC236}">
-                <a16:creationId xmlns:a16="http://schemas.microsoft.com/office/drawing/2014/main" id="{7270B931-F656-4C90-AC17-2075B2C6528A}"/>
-              </a:ext>
-            </a:extLst>
-          </p:cNvPr>
+          <p:cNvPr id="12" name="流程图: 接点 11"/>
           <p:cNvSpPr/>
           <p:nvPr/>
         </p:nvSpPr>
         <p:spPr>
           <a:xfrm>
-            <a:off x="3913636" y="2057400"/>
+            <a:off x="3746428" y="2128438"/>
             <a:ext cx="213360" cy="233680"/>
           </a:xfrm>
           <a:prstGeom prst="flowChartConnector">
@@ -3598,19 +3130,13 @@
       </p:sp>
       <p:sp>
         <p:nvSpPr>
-          <p:cNvPr id="14" name="流程图: 接点 13">
-            <a:extLst>
-              <a:ext uri="{FF2B5EF4-FFF2-40B4-BE49-F238E27FC236}">
-                <a16:creationId xmlns:a16="http://schemas.microsoft.com/office/drawing/2014/main" id="{FDB3A83F-FD8D-44FF-AED7-8B73044AE059}"/>
-              </a:ext>
-            </a:extLst>
-          </p:cNvPr>
+          <p:cNvPr id="14" name="流程图: 接点 13"/>
           <p:cNvSpPr/>
           <p:nvPr/>
         </p:nvSpPr>
         <p:spPr>
           <a:xfrm>
-            <a:off x="4422140" y="2047240"/>
+            <a:off x="4655735" y="2069531"/>
             <a:ext cx="213360" cy="233680"/>
           </a:xfrm>
           <a:prstGeom prst="flowChartConnector">
@@ -3652,19 +3178,13 @@
       </p:sp>
       <p:sp>
         <p:nvSpPr>
-          <p:cNvPr id="16" name="流程图: 接点 15">
-            <a:extLst>
-              <a:ext uri="{FF2B5EF4-FFF2-40B4-BE49-F238E27FC236}">
-                <a16:creationId xmlns:a16="http://schemas.microsoft.com/office/drawing/2014/main" id="{053C7995-6C22-4332-87CE-F1AC4BDE97CA}"/>
-              </a:ext>
-            </a:extLst>
-          </p:cNvPr>
+          <p:cNvPr id="16" name="流程图: 接点 15"/>
           <p:cNvSpPr/>
           <p:nvPr/>
         </p:nvSpPr>
         <p:spPr>
           <a:xfrm>
-            <a:off x="5249676" y="2057400"/>
+            <a:off x="5604620" y="2067951"/>
             <a:ext cx="213360" cy="233680"/>
           </a:xfrm>
           <a:prstGeom prst="flowChartConnector">
@@ -3706,15 +3226,8 @@
       </p:sp>
       <p:cxnSp>
         <p:nvCxnSpPr>
-          <p:cNvPr id="18" name="直接连接符 17">
-            <a:extLst>
-              <a:ext uri="{FF2B5EF4-FFF2-40B4-BE49-F238E27FC236}">
-                <a16:creationId xmlns:a16="http://schemas.microsoft.com/office/drawing/2014/main" id="{7254F0B0-C7D0-4BC6-83E4-57D128D6ADA3}"/>
-              </a:ext>
-            </a:extLst>
-          </p:cNvPr>
+          <p:cNvPr id="18" name="直接连接符 17"/>
           <p:cNvCxnSpPr>
-            <a:cxnSpLocks/>
             <a:stCxn id="4" idx="3"/>
             <a:endCxn id="6" idx="7"/>
           </p:cNvCxnSpPr>
@@ -3722,8 +3235,8 @@
         </p:nvCxnSpPr>
         <p:spPr>
           <a:xfrm flipH="1">
-            <a:off x="3771900" y="859858"/>
-            <a:ext cx="414786" cy="503986"/>
+            <a:off x="3555992" y="859858"/>
+            <a:ext cx="630694" cy="530509"/>
           </a:xfrm>
           <a:prstGeom prst="line">
             <a:avLst/>
@@ -3751,13 +3264,7 @@
       </p:cxnSp>
       <p:cxnSp>
         <p:nvCxnSpPr>
-          <p:cNvPr id="21" name="直接连接符 20">
-            <a:extLst>
-              <a:ext uri="{FF2B5EF4-FFF2-40B4-BE49-F238E27FC236}">
-                <a16:creationId xmlns:a16="http://schemas.microsoft.com/office/drawing/2014/main" id="{33AC47A9-1476-4385-9D00-35A432F021B0}"/>
-              </a:ext>
-            </a:extLst>
-          </p:cNvPr>
+          <p:cNvPr id="21" name="直接连接符 20"/>
           <p:cNvCxnSpPr>
             <a:cxnSpLocks/>
             <a:stCxn id="4" idx="5"/>
@@ -3768,7 +3275,7 @@
         <p:spPr>
           <a:xfrm>
             <a:off x="4337554" y="859858"/>
-            <a:ext cx="423172" cy="503986"/>
+            <a:ext cx="697312" cy="509231"/>
           </a:xfrm>
           <a:prstGeom prst="line">
             <a:avLst/>
@@ -3796,15 +3303,8 @@
       </p:cxnSp>
       <p:cxnSp>
         <p:nvCxnSpPr>
-          <p:cNvPr id="25" name="直接连接符 24">
-            <a:extLst>
-              <a:ext uri="{FF2B5EF4-FFF2-40B4-BE49-F238E27FC236}">
-                <a16:creationId xmlns:a16="http://schemas.microsoft.com/office/drawing/2014/main" id="{4526ED6B-C01F-46F7-90D7-21DB3B132B85}"/>
-              </a:ext>
-            </a:extLst>
-          </p:cNvPr>
+          <p:cNvPr id="25" name="直接连接符 24"/>
           <p:cNvCxnSpPr>
-            <a:cxnSpLocks/>
             <a:stCxn id="6" idx="3"/>
             <a:endCxn id="10" idx="0"/>
           </p:cNvCxnSpPr>
@@ -3812,8 +3312,8 @@
         </p:nvCxnSpPr>
         <p:spPr>
           <a:xfrm flipH="1">
-            <a:off x="3251200" y="1529080"/>
-            <a:ext cx="369832" cy="518160"/>
+            <a:off x="2849385" y="1555603"/>
+            <a:ext cx="555739" cy="558736"/>
           </a:xfrm>
           <a:prstGeom prst="line">
             <a:avLst/>
@@ -3841,15 +3341,8 @@
       </p:cxnSp>
       <p:cxnSp>
         <p:nvCxnSpPr>
-          <p:cNvPr id="39" name="直接连接符 38">
-            <a:extLst>
-              <a:ext uri="{FF2B5EF4-FFF2-40B4-BE49-F238E27FC236}">
-                <a16:creationId xmlns:a16="http://schemas.microsoft.com/office/drawing/2014/main" id="{E77E8066-27B5-4627-9F1A-9D52CABE985A}"/>
-              </a:ext>
-            </a:extLst>
-          </p:cNvPr>
+          <p:cNvPr id="39" name="直接连接符 38"/>
           <p:cNvCxnSpPr>
-            <a:cxnSpLocks/>
             <a:stCxn id="6" idx="5"/>
             <a:endCxn id="12" idx="0"/>
           </p:cNvCxnSpPr>
@@ -3857,8 +3350,8 @@
         </p:nvCxnSpPr>
         <p:spPr>
           <a:xfrm>
-            <a:off x="3771900" y="1529080"/>
-            <a:ext cx="248416" cy="528320"/>
+            <a:off x="3555992" y="1555603"/>
+            <a:ext cx="297116" cy="572835"/>
           </a:xfrm>
           <a:prstGeom prst="line">
             <a:avLst/>
@@ -3886,15 +3379,8 @@
       </p:cxnSp>
       <p:cxnSp>
         <p:nvCxnSpPr>
-          <p:cNvPr id="48" name="直接连接符 47">
-            <a:extLst>
-              <a:ext uri="{FF2B5EF4-FFF2-40B4-BE49-F238E27FC236}">
-                <a16:creationId xmlns:a16="http://schemas.microsoft.com/office/drawing/2014/main" id="{0C326150-DA2A-4F1B-9794-E8B13378CB42}"/>
-              </a:ext>
-            </a:extLst>
-          </p:cNvPr>
+          <p:cNvPr id="48" name="直接连接符 47"/>
           <p:cNvCxnSpPr>
-            <a:cxnSpLocks/>
             <a:stCxn id="8" idx="5"/>
             <a:endCxn id="16" idx="1"/>
           </p:cNvCxnSpPr>
@@ -3902,8 +3388,8 @@
         </p:nvCxnSpPr>
         <p:spPr>
           <a:xfrm>
-            <a:off x="4911594" y="1529080"/>
-            <a:ext cx="369328" cy="562542"/>
+            <a:off x="5185734" y="1534325"/>
+            <a:ext cx="450132" cy="567848"/>
           </a:xfrm>
           <a:prstGeom prst="line">
             <a:avLst/>
@@ -3931,15 +3417,8 @@
       </p:cxnSp>
       <p:cxnSp>
         <p:nvCxnSpPr>
-          <p:cNvPr id="52" name="直接连接符 51">
-            <a:extLst>
-              <a:ext uri="{FF2B5EF4-FFF2-40B4-BE49-F238E27FC236}">
-                <a16:creationId xmlns:a16="http://schemas.microsoft.com/office/drawing/2014/main" id="{757E5802-6150-4C0B-A49B-408DC8D8351B}"/>
-              </a:ext>
-            </a:extLst>
-          </p:cNvPr>
+          <p:cNvPr id="52" name="直接连接符 51"/>
           <p:cNvCxnSpPr>
-            <a:cxnSpLocks/>
             <a:stCxn id="8" idx="3"/>
             <a:endCxn id="14" idx="0"/>
           </p:cNvCxnSpPr>
@@ -3947,8 +3426,8 @@
         </p:nvCxnSpPr>
         <p:spPr>
           <a:xfrm flipH="1">
-            <a:off x="4528820" y="1529080"/>
-            <a:ext cx="231906" cy="518160"/>
+            <a:off x="4762415" y="1534325"/>
+            <a:ext cx="272451" cy="535206"/>
           </a:xfrm>
           <a:prstGeom prst="line">
             <a:avLst/>
@@ -3976,20 +3455,14 @@
       </p:cxnSp>
       <p:sp>
         <p:nvSpPr>
-          <p:cNvPr id="69" name="文本框 68">
-            <a:extLst>
-              <a:ext uri="{FF2B5EF4-FFF2-40B4-BE49-F238E27FC236}">
-                <a16:creationId xmlns:a16="http://schemas.microsoft.com/office/drawing/2014/main" id="{769D3B96-83D4-4DBE-9B26-805ABFCF7343}"/>
-              </a:ext>
-            </a:extLst>
-          </p:cNvPr>
+          <p:cNvPr id="69" name="文本框 68"/>
           <p:cNvSpPr txBox="1"/>
           <p:nvPr/>
         </p:nvSpPr>
         <p:spPr>
           <a:xfrm>
-            <a:off x="4186182" y="3718560"/>
-            <a:ext cx="1276854" cy="1015663"/>
+            <a:off x="4478020" y="3497580"/>
+            <a:ext cx="3234690" cy="1014730"/>
           </a:xfrm>
           <a:prstGeom prst="rect">
             <a:avLst/>
@@ -4012,19 +3485,13 @@
       </p:sp>
       <p:sp>
         <p:nvSpPr>
-          <p:cNvPr id="70" name="文本框 69">
-            <a:extLst>
-              <a:ext uri="{FF2B5EF4-FFF2-40B4-BE49-F238E27FC236}">
-                <a16:creationId xmlns:a16="http://schemas.microsoft.com/office/drawing/2014/main" id="{41782F20-0A53-4894-AB63-F7B18F46DE73}"/>
-              </a:ext>
-            </a:extLst>
-          </p:cNvPr>
+          <p:cNvPr id="70" name="文本框 69"/>
           <p:cNvSpPr txBox="1"/>
           <p:nvPr/>
         </p:nvSpPr>
         <p:spPr>
-          <a:xfrm>
-            <a:off x="3773162" y="2565400"/>
+          <a:xfrm rot="16200000">
+            <a:off x="2417179" y="3440077"/>
             <a:ext cx="1107996" cy="1276782"/>
           </a:xfrm>
           <a:prstGeom prst="rect">
@@ -4048,19 +3515,13 @@
       </p:sp>
       <p:sp>
         <p:nvSpPr>
-          <p:cNvPr id="71" name="流程图: 接点 70">
-            <a:extLst>
-              <a:ext uri="{FF2B5EF4-FFF2-40B4-BE49-F238E27FC236}">
-                <a16:creationId xmlns:a16="http://schemas.microsoft.com/office/drawing/2014/main" id="{1D73831A-497F-474C-943F-25A3150FF858}"/>
-              </a:ext>
-            </a:extLst>
-          </p:cNvPr>
+          <p:cNvPr id="71" name="流程图: 接点 70"/>
           <p:cNvSpPr/>
           <p:nvPr/>
         </p:nvSpPr>
         <p:spPr>
           <a:xfrm>
-            <a:off x="1994666" y="3608502"/>
+            <a:off x="1994666" y="4409886"/>
             <a:ext cx="213360" cy="233680"/>
           </a:xfrm>
           <a:prstGeom prst="flowChartConnector">
@@ -4102,19 +3563,13 @@
       </p:sp>
       <p:sp>
         <p:nvSpPr>
-          <p:cNvPr id="72" name="流程图: 接点 71">
-            <a:extLst>
-              <a:ext uri="{FF2B5EF4-FFF2-40B4-BE49-F238E27FC236}">
-                <a16:creationId xmlns:a16="http://schemas.microsoft.com/office/drawing/2014/main" id="{4B8B8B00-DD5E-49BD-B2F6-1756CFD0D140}"/>
-              </a:ext>
-            </a:extLst>
-          </p:cNvPr>
+          <p:cNvPr id="72" name="流程图: 接点 71"/>
           <p:cNvSpPr/>
           <p:nvPr/>
         </p:nvSpPr>
         <p:spPr>
           <a:xfrm>
-            <a:off x="1549400" y="4326120"/>
+            <a:off x="1549400" y="5127504"/>
             <a:ext cx="213360" cy="233680"/>
           </a:xfrm>
           <a:prstGeom prst="flowChartConnector">
@@ -4156,19 +3611,13 @@
       </p:sp>
       <p:sp>
         <p:nvSpPr>
-          <p:cNvPr id="73" name="流程图: 接点 72">
-            <a:extLst>
-              <a:ext uri="{FF2B5EF4-FFF2-40B4-BE49-F238E27FC236}">
-                <a16:creationId xmlns:a16="http://schemas.microsoft.com/office/drawing/2014/main" id="{A6C52DCA-29AC-4622-95B2-50CC88E868CB}"/>
-              </a:ext>
-            </a:extLst>
-          </p:cNvPr>
+          <p:cNvPr id="73" name="流程图: 接点 72"/>
           <p:cNvSpPr/>
           <p:nvPr/>
         </p:nvSpPr>
         <p:spPr>
           <a:xfrm>
-            <a:off x="2318516" y="4336280"/>
+            <a:off x="2318516" y="5137664"/>
             <a:ext cx="213360" cy="233680"/>
           </a:xfrm>
           <a:prstGeom prst="flowChartConnector">
@@ -4210,15 +3659,8 @@
       </p:sp>
       <p:cxnSp>
         <p:nvCxnSpPr>
-          <p:cNvPr id="74" name="直接连接符 73">
-            <a:extLst>
-              <a:ext uri="{FF2B5EF4-FFF2-40B4-BE49-F238E27FC236}">
-                <a16:creationId xmlns:a16="http://schemas.microsoft.com/office/drawing/2014/main" id="{87620615-5BD0-43AD-B293-2865B420B82A}"/>
-              </a:ext>
-            </a:extLst>
-          </p:cNvPr>
+          <p:cNvPr id="74" name="直接连接符 73"/>
           <p:cNvCxnSpPr>
-            <a:cxnSpLocks/>
             <a:stCxn id="71" idx="3"/>
             <a:endCxn id="72" idx="0"/>
           </p:cNvCxnSpPr>
@@ -4226,7 +3668,7 @@
         </p:nvCxnSpPr>
         <p:spPr>
           <a:xfrm flipH="1">
-            <a:off x="1656080" y="3807960"/>
+            <a:off x="1656080" y="4609344"/>
             <a:ext cx="369832" cy="518160"/>
           </a:xfrm>
           <a:prstGeom prst="line">
@@ -4255,15 +3697,8 @@
       </p:cxnSp>
       <p:cxnSp>
         <p:nvCxnSpPr>
-          <p:cNvPr id="75" name="直接连接符 74">
-            <a:extLst>
-              <a:ext uri="{FF2B5EF4-FFF2-40B4-BE49-F238E27FC236}">
-                <a16:creationId xmlns:a16="http://schemas.microsoft.com/office/drawing/2014/main" id="{DA44D95F-C324-436A-BF2C-716F787A59B0}"/>
-              </a:ext>
-            </a:extLst>
-          </p:cNvPr>
+          <p:cNvPr id="75" name="直接连接符 74"/>
           <p:cNvCxnSpPr>
-            <a:cxnSpLocks/>
             <a:stCxn id="71" idx="5"/>
             <a:endCxn id="73" idx="0"/>
           </p:cNvCxnSpPr>
@@ -4271,7 +3706,7 @@
         </p:nvCxnSpPr>
         <p:spPr>
           <a:xfrm>
-            <a:off x="2176780" y="3807960"/>
+            <a:off x="2176780" y="4609344"/>
             <a:ext cx="248416" cy="528320"/>
           </a:xfrm>
           <a:prstGeom prst="line">
@@ -4300,19 +3735,13 @@
       </p:cxnSp>
       <p:sp>
         <p:nvSpPr>
-          <p:cNvPr id="76" name="流程图: 接点 75">
-            <a:extLst>
-              <a:ext uri="{FF2B5EF4-FFF2-40B4-BE49-F238E27FC236}">
-                <a16:creationId xmlns:a16="http://schemas.microsoft.com/office/drawing/2014/main" id="{3B63C1A7-5477-45AE-9713-351470404A4C}"/>
-              </a:ext>
-            </a:extLst>
-          </p:cNvPr>
+          <p:cNvPr id="76" name="流程图: 接点 75"/>
           <p:cNvSpPr/>
           <p:nvPr/>
         </p:nvSpPr>
         <p:spPr>
           <a:xfrm>
-            <a:off x="3449312" y="3611880"/>
+            <a:off x="3449312" y="4413264"/>
             <a:ext cx="213360" cy="233680"/>
           </a:xfrm>
           <a:prstGeom prst="flowChartConnector">
@@ -4354,19 +3783,13 @@
       </p:sp>
       <p:sp>
         <p:nvSpPr>
-          <p:cNvPr id="77" name="流程图: 接点 76">
-            <a:extLst>
-              <a:ext uri="{FF2B5EF4-FFF2-40B4-BE49-F238E27FC236}">
-                <a16:creationId xmlns:a16="http://schemas.microsoft.com/office/drawing/2014/main" id="{F6F0F565-B7E9-42E8-AC60-46D3B38CDAFA}"/>
-              </a:ext>
-            </a:extLst>
-          </p:cNvPr>
+          <p:cNvPr id="77" name="流程图: 接点 76"/>
           <p:cNvSpPr/>
           <p:nvPr/>
         </p:nvSpPr>
         <p:spPr>
           <a:xfrm>
-            <a:off x="3004046" y="4329498"/>
+            <a:off x="3004046" y="5130882"/>
             <a:ext cx="213360" cy="233680"/>
           </a:xfrm>
           <a:prstGeom prst="flowChartConnector">
@@ -4408,19 +3831,13 @@
       </p:sp>
       <p:sp>
         <p:nvSpPr>
-          <p:cNvPr id="78" name="流程图: 接点 77">
-            <a:extLst>
-              <a:ext uri="{FF2B5EF4-FFF2-40B4-BE49-F238E27FC236}">
-                <a16:creationId xmlns:a16="http://schemas.microsoft.com/office/drawing/2014/main" id="{C5020088-7358-4F11-B71A-53C6073DB883}"/>
-              </a:ext>
-            </a:extLst>
-          </p:cNvPr>
+          <p:cNvPr id="78" name="流程图: 接点 77"/>
           <p:cNvSpPr/>
           <p:nvPr/>
         </p:nvSpPr>
         <p:spPr>
           <a:xfrm>
-            <a:off x="3773162" y="4339658"/>
+            <a:off x="3773162" y="5141042"/>
             <a:ext cx="213360" cy="233680"/>
           </a:xfrm>
           <a:prstGeom prst="flowChartConnector">
@@ -4462,15 +3879,8 @@
       </p:sp>
       <p:cxnSp>
         <p:nvCxnSpPr>
-          <p:cNvPr id="79" name="直接连接符 78">
-            <a:extLst>
-              <a:ext uri="{FF2B5EF4-FFF2-40B4-BE49-F238E27FC236}">
-                <a16:creationId xmlns:a16="http://schemas.microsoft.com/office/drawing/2014/main" id="{37E51B28-6B36-4E49-A32F-F79D850E3AE8}"/>
-              </a:ext>
-            </a:extLst>
-          </p:cNvPr>
+          <p:cNvPr id="79" name="直接连接符 78"/>
           <p:cNvCxnSpPr>
-            <a:cxnSpLocks/>
             <a:stCxn id="76" idx="3"/>
             <a:endCxn id="77" idx="0"/>
           </p:cNvCxnSpPr>
@@ -4478,7 +3888,7 @@
         </p:nvCxnSpPr>
         <p:spPr>
           <a:xfrm flipH="1">
-            <a:off x="3110726" y="3811338"/>
+            <a:off x="3110726" y="4612722"/>
             <a:ext cx="369832" cy="518160"/>
           </a:xfrm>
           <a:prstGeom prst="line">
@@ -4507,15 +3917,8 @@
       </p:cxnSp>
       <p:cxnSp>
         <p:nvCxnSpPr>
-          <p:cNvPr id="80" name="直接连接符 79">
-            <a:extLst>
-              <a:ext uri="{FF2B5EF4-FFF2-40B4-BE49-F238E27FC236}">
-                <a16:creationId xmlns:a16="http://schemas.microsoft.com/office/drawing/2014/main" id="{43E572F5-FF94-4310-A710-3047DF91AB09}"/>
-              </a:ext>
-            </a:extLst>
-          </p:cNvPr>
+          <p:cNvPr id="80" name="直接连接符 79"/>
           <p:cNvCxnSpPr>
-            <a:cxnSpLocks/>
             <a:stCxn id="76" idx="5"/>
             <a:endCxn id="78" idx="0"/>
           </p:cNvCxnSpPr>
@@ -4523,7 +3926,7 @@
         </p:nvCxnSpPr>
         <p:spPr>
           <a:xfrm>
-            <a:off x="3631426" y="3811338"/>
+            <a:off x="3631426" y="4612722"/>
             <a:ext cx="248416" cy="528320"/>
           </a:xfrm>
           <a:prstGeom prst="line">
@@ -4552,19 +3955,13 @@
       </p:cxnSp>
       <p:sp>
         <p:nvSpPr>
-          <p:cNvPr id="81" name="流程图: 接点 80">
-            <a:extLst>
-              <a:ext uri="{FF2B5EF4-FFF2-40B4-BE49-F238E27FC236}">
-                <a16:creationId xmlns:a16="http://schemas.microsoft.com/office/drawing/2014/main" id="{1B5827CC-28C7-41B3-8769-C42B81996D4D}"/>
-              </a:ext>
-            </a:extLst>
-          </p:cNvPr>
+          <p:cNvPr id="81" name="流程图: 接点 80"/>
           <p:cNvSpPr/>
           <p:nvPr/>
         </p:nvSpPr>
         <p:spPr>
           <a:xfrm>
-            <a:off x="6428784" y="3608502"/>
+            <a:off x="6027341" y="4409886"/>
             <a:ext cx="213360" cy="233680"/>
           </a:xfrm>
           <a:prstGeom prst="flowChartConnector">
@@ -4606,19 +4003,13 @@
       </p:sp>
       <p:sp>
         <p:nvSpPr>
-          <p:cNvPr id="82" name="流程图: 接点 81">
-            <a:extLst>
-              <a:ext uri="{FF2B5EF4-FFF2-40B4-BE49-F238E27FC236}">
-                <a16:creationId xmlns:a16="http://schemas.microsoft.com/office/drawing/2014/main" id="{AB453F54-3FEE-4E32-8D96-A2DC59C8590C}"/>
-              </a:ext>
-            </a:extLst>
-          </p:cNvPr>
+          <p:cNvPr id="82" name="流程图: 接点 81"/>
           <p:cNvSpPr/>
           <p:nvPr/>
         </p:nvSpPr>
         <p:spPr>
           <a:xfrm>
-            <a:off x="5983518" y="4326120"/>
+            <a:off x="5616147" y="5169935"/>
             <a:ext cx="213360" cy="233680"/>
           </a:xfrm>
           <a:prstGeom prst="flowChartConnector">
@@ -4660,19 +4051,13 @@
       </p:sp>
       <p:sp>
         <p:nvSpPr>
-          <p:cNvPr id="83" name="流程图: 接点 82">
-            <a:extLst>
-              <a:ext uri="{FF2B5EF4-FFF2-40B4-BE49-F238E27FC236}">
-                <a16:creationId xmlns:a16="http://schemas.microsoft.com/office/drawing/2014/main" id="{4EBDBF5B-EDCE-4585-9E08-50DE7A5DF76E}"/>
-              </a:ext>
-            </a:extLst>
-          </p:cNvPr>
+          <p:cNvPr id="83" name="流程图: 接点 82"/>
           <p:cNvSpPr/>
           <p:nvPr/>
         </p:nvSpPr>
         <p:spPr>
           <a:xfrm>
-            <a:off x="6752634" y="4336280"/>
+            <a:off x="6351191" y="5137664"/>
             <a:ext cx="213360" cy="233680"/>
           </a:xfrm>
           <a:prstGeom prst="flowChartConnector">
@@ -4714,15 +4099,8 @@
       </p:sp>
       <p:cxnSp>
         <p:nvCxnSpPr>
-          <p:cNvPr id="84" name="直接连接符 83">
-            <a:extLst>
-              <a:ext uri="{FF2B5EF4-FFF2-40B4-BE49-F238E27FC236}">
-                <a16:creationId xmlns:a16="http://schemas.microsoft.com/office/drawing/2014/main" id="{C690E1AE-A953-49B5-98DA-27894923DE41}"/>
-              </a:ext>
-            </a:extLst>
-          </p:cNvPr>
+          <p:cNvPr id="84" name="直接连接符 83"/>
           <p:cNvCxnSpPr>
-            <a:cxnSpLocks/>
             <a:stCxn id="81" idx="3"/>
             <a:endCxn id="82" idx="0"/>
           </p:cNvCxnSpPr>
@@ -4730,8 +4108,8 @@
         </p:nvCxnSpPr>
         <p:spPr>
           <a:xfrm flipH="1">
-            <a:off x="6090198" y="3807960"/>
-            <a:ext cx="369832" cy="518160"/>
+            <a:off x="5722827" y="4609344"/>
+            <a:ext cx="335760" cy="560591"/>
           </a:xfrm>
           <a:prstGeom prst="line">
             <a:avLst/>
@@ -4759,15 +4137,8 @@
       </p:cxnSp>
       <p:cxnSp>
         <p:nvCxnSpPr>
-          <p:cNvPr id="85" name="直接连接符 84">
-            <a:extLst>
-              <a:ext uri="{FF2B5EF4-FFF2-40B4-BE49-F238E27FC236}">
-                <a16:creationId xmlns:a16="http://schemas.microsoft.com/office/drawing/2014/main" id="{25A37802-2F74-49FE-884E-A333F6707BA6}"/>
-              </a:ext>
-            </a:extLst>
-          </p:cNvPr>
+          <p:cNvPr id="85" name="直接连接符 84"/>
           <p:cNvCxnSpPr>
-            <a:cxnSpLocks/>
             <a:stCxn id="81" idx="5"/>
             <a:endCxn id="83" idx="0"/>
           </p:cNvCxnSpPr>
@@ -4775,7 +4146,7 @@
         </p:nvCxnSpPr>
         <p:spPr>
           <a:xfrm>
-            <a:off x="6610898" y="3807960"/>
+            <a:off x="6209455" y="4609344"/>
             <a:ext cx="248416" cy="528320"/>
           </a:xfrm>
           <a:prstGeom prst="line">
@@ -4804,13 +4175,7 @@
       </p:cxnSp>
       <p:sp>
         <p:nvSpPr>
-          <p:cNvPr id="86" name="文本框 85">
-            <a:extLst>
-              <a:ext uri="{FF2B5EF4-FFF2-40B4-BE49-F238E27FC236}">
-                <a16:creationId xmlns:a16="http://schemas.microsoft.com/office/drawing/2014/main" id="{AA20B997-3476-4082-862F-A9239A24D025}"/>
-              </a:ext>
-            </a:extLst>
-          </p:cNvPr>
+          <p:cNvPr id="86" name="文本框 85"/>
           <p:cNvSpPr txBox="1"/>
           <p:nvPr/>
         </p:nvSpPr>
@@ -4846,13 +4211,7 @@
       </p:sp>
       <p:sp>
         <p:nvSpPr>
-          <p:cNvPr id="88" name="文本框 87">
-            <a:extLst>
-              <a:ext uri="{FF2B5EF4-FFF2-40B4-BE49-F238E27FC236}">
-                <a16:creationId xmlns:a16="http://schemas.microsoft.com/office/drawing/2014/main" id="{63E54B7C-0993-48B2-A077-5CDF27664912}"/>
-              </a:ext>
-            </a:extLst>
-          </p:cNvPr>
+          <p:cNvPr id="88" name="文本框 87"/>
           <p:cNvSpPr txBox="1"/>
           <p:nvPr/>
         </p:nvSpPr>
@@ -4909,162 +4268,707 @@
           </a:p>
         </p:txBody>
       </p:sp>
-      <p:sp>
-        <p:nvSpPr>
-          <p:cNvPr id="90" name="文本框 89">
-            <a:extLst>
-              <a:ext uri="{FF2B5EF4-FFF2-40B4-BE49-F238E27FC236}">
-                <a16:creationId xmlns:a16="http://schemas.microsoft.com/office/drawing/2014/main" id="{BA59EE8B-D22D-406F-95B9-115F1C102A4F}"/>
-              </a:ext>
-            </a:extLst>
-          </p:cNvPr>
-          <p:cNvSpPr txBox="1"/>
-          <p:nvPr/>
-        </p:nvSpPr>
-        <p:spPr>
-          <a:xfrm>
-            <a:off x="8073761" y="571350"/>
-            <a:ext cx="3793119" cy="400110"/>
-          </a:xfrm>
-          <a:prstGeom prst="rect">
-            <a:avLst/>
-          </a:prstGeom>
-          <a:noFill/>
-        </p:spPr>
-        <p:txBody>
-          <a:bodyPr wrap="square" rtlCol="0">
-            <a:spAutoFit/>
-          </a:bodyPr>
-          <a:lstStyle/>
-          <a:p>
-            <a:r>
-              <a:rPr lang="en-US" altLang="zh-CN" sz="2000" b="1" dirty="0">
-                <a:solidFill>
-                  <a:schemeClr val="accent1"/>
-                </a:solidFill>
-                <a:latin typeface="Times New Roman" panose="02020603050405020304" pitchFamily="18" charset="0"/>
-                <a:cs typeface="Times New Roman" panose="02020603050405020304" pitchFamily="18" charset="0"/>
-              </a:rPr>
-              <a:t> Level </a:t>
-            </a:r>
-            <a:endParaRPr lang="zh-CN" altLang="en-US" sz="2000" b="1" dirty="0">
-              <a:solidFill>
-                <a:srgbClr val="FF0000"/>
-              </a:solidFill>
-              <a:latin typeface="Times New Roman" panose="02020603050405020304" pitchFamily="18" charset="0"/>
-              <a:cs typeface="Times New Roman" panose="02020603050405020304" pitchFamily="18" charset="0"/>
-            </a:endParaRPr>
-          </a:p>
-        </p:txBody>
-      </p:sp>
-      <p:sp>
-        <p:nvSpPr>
-          <p:cNvPr id="92" name="文本框 91">
-            <a:extLst>
-              <a:ext uri="{FF2B5EF4-FFF2-40B4-BE49-F238E27FC236}">
-                <a16:creationId xmlns:a16="http://schemas.microsoft.com/office/drawing/2014/main" id="{5F640C9F-3452-4A83-BB8C-E20E47F937A8}"/>
-              </a:ext>
-            </a:extLst>
-          </p:cNvPr>
-          <p:cNvSpPr txBox="1"/>
-          <p:nvPr/>
-        </p:nvSpPr>
-        <p:spPr>
-          <a:xfrm>
-            <a:off x="8073761" y="1151523"/>
-            <a:ext cx="4250319" cy="411779"/>
-          </a:xfrm>
-          <a:prstGeom prst="rect">
-            <a:avLst/>
-          </a:prstGeom>
-          <a:noFill/>
-        </p:spPr>
-        <p:txBody>
-          <a:bodyPr wrap="square" rtlCol="0">
-            <a:spAutoFit/>
-          </a:bodyPr>
-          <a:lstStyle/>
-          <a:p>
-            <a:r>
-              <a:rPr lang="en-US" altLang="zh-CN" sz="2000" b="1" dirty="0">
-                <a:solidFill>
-                  <a:schemeClr val="accent1"/>
-                </a:solidFill>
-                <a:latin typeface="Times New Roman" panose="02020603050405020304" pitchFamily="18" charset="0"/>
-                <a:cs typeface="Times New Roman" panose="02020603050405020304" pitchFamily="18" charset="0"/>
-              </a:rPr>
-              <a:t> Level 2</a:t>
-            </a:r>
-            <a:endParaRPr lang="zh-CN" altLang="en-US" sz="2000" b="1" dirty="0">
-              <a:solidFill>
-                <a:srgbClr val="FF0000"/>
-              </a:solidFill>
-              <a:latin typeface="Times New Roman" panose="02020603050405020304" pitchFamily="18" charset="0"/>
-              <a:cs typeface="Times New Roman" panose="02020603050405020304" pitchFamily="18" charset="0"/>
-            </a:endParaRPr>
-          </a:p>
-        </p:txBody>
-      </p:sp>
-      <p:sp>
-        <p:nvSpPr>
-          <p:cNvPr id="94" name="文本框 93">
-            <a:extLst>
-              <a:ext uri="{FF2B5EF4-FFF2-40B4-BE49-F238E27FC236}">
-                <a16:creationId xmlns:a16="http://schemas.microsoft.com/office/drawing/2014/main" id="{CD58996E-7A99-4EF7-B041-804D15E6B3DB}"/>
-              </a:ext>
-            </a:extLst>
-          </p:cNvPr>
-          <p:cNvSpPr txBox="1"/>
-          <p:nvPr/>
-        </p:nvSpPr>
-        <p:spPr>
-          <a:xfrm>
-            <a:off x="8073761" y="1878390"/>
-            <a:ext cx="5073279" cy="400110"/>
-          </a:xfrm>
-          <a:prstGeom prst="rect">
-            <a:avLst/>
-          </a:prstGeom>
-          <a:noFill/>
-        </p:spPr>
-        <p:txBody>
-          <a:bodyPr wrap="square" rtlCol="0">
-            <a:spAutoFit/>
-          </a:bodyPr>
-          <a:lstStyle/>
-          <a:p>
-            <a:r>
-              <a:rPr lang="en-US" altLang="zh-CN" sz="2000" b="1" dirty="0">
-                <a:solidFill>
-                  <a:schemeClr val="accent1"/>
-                </a:solidFill>
-                <a:latin typeface="Times New Roman" panose="02020603050405020304" pitchFamily="18" charset="0"/>
-                <a:cs typeface="Times New Roman" panose="02020603050405020304" pitchFamily="18" charset="0"/>
-              </a:rPr>
-              <a:t> Level j</a:t>
-            </a:r>
-            <a:endParaRPr lang="zh-CN" altLang="en-US" sz="2000" b="1" dirty="0">
-              <a:solidFill>
-                <a:srgbClr val="FF0000"/>
-              </a:solidFill>
-              <a:latin typeface="Times New Roman" panose="02020603050405020304" pitchFamily="18" charset="0"/>
-              <a:cs typeface="Times New Roman" panose="02020603050405020304" pitchFamily="18" charset="0"/>
-            </a:endParaRPr>
-          </a:p>
-        </p:txBody>
-      </p:sp>
+      <mc:AlternateContent xmlns:mc="http://schemas.openxmlformats.org/markup-compatibility/2006">
+        <mc:Choice xmlns:a14="http://schemas.microsoft.com/office/drawing/2010/main" Requires="a14">
+          <p:sp>
+            <p:nvSpPr>
+              <p:cNvPr id="90" name="文本框 89"/>
+              <p:cNvSpPr txBox="1"/>
+              <p:nvPr/>
+            </p:nvSpPr>
+            <p:spPr>
+              <a:xfrm>
+                <a:off x="8073761" y="571350"/>
+                <a:ext cx="3793119" cy="400110"/>
+              </a:xfrm>
+              <a:prstGeom prst="rect">
+                <a:avLst/>
+              </a:prstGeom>
+              <a:noFill/>
+            </p:spPr>
+            <p:txBody>
+              <a:bodyPr wrap="square" rtlCol="0">
+                <a:spAutoFit/>
+              </a:bodyPr>
+              <a:lstStyle/>
+              <a:p>
+                <a:r>
+                  <a:rPr lang="en-US" altLang="zh-CN" sz="2000" b="1" dirty="0">
+                    <a:solidFill>
+                      <a:schemeClr val="accent1"/>
+                    </a:solidFill>
+                    <a:latin typeface="Times New Roman" panose="02020603050405020304" pitchFamily="18" charset="0"/>
+                    <a:cs typeface="Times New Roman" panose="02020603050405020304" pitchFamily="18" charset="0"/>
+                  </a:rPr>
+                  <a:t> Level 1		</a:t>
+                </a:r>
+                <a14:m>
+                  <m:oMath xmlns:m="http://schemas.openxmlformats.org/officeDocument/2006/math">
+                    <m:r>
+                      <m:rPr>
+                        <m:sty m:val="p"/>
+                      </m:rPr>
+                      <a:rPr lang="en-US" altLang="zh-CN" sz="2000" b="1" i="1" dirty="0">
+                        <a:solidFill>
+                          <a:srgbClr val="FF0000"/>
+                        </a:solidFill>
+                        <a:latin typeface="Cambria Math" panose="02040503050406030204" pitchFamily="18" charset="0"/>
+                        <a:cs typeface="Times New Roman" panose="02020603050405020304" pitchFamily="18" charset="0"/>
+                      </a:rPr>
+                      <m:t>O</m:t>
+                    </m:r>
+                    <m:r>
+                      <a:rPr lang="en-US" altLang="zh-CN" sz="2000" b="1" i="1" dirty="0" smtClean="0">
+                        <a:solidFill>
+                          <a:srgbClr val="FF0000"/>
+                        </a:solidFill>
+                        <a:latin typeface="Cambria Math" panose="02040503050406030204" pitchFamily="18" charset="0"/>
+                        <a:cs typeface="Times New Roman" panose="02020603050405020304" pitchFamily="18" charset="0"/>
+                      </a:rPr>
+                      <m:t>(</m:t>
+                    </m:r>
+                    <m:r>
+                      <a:rPr lang="en-US" altLang="zh-CN" sz="2000" b="1" i="1" dirty="0" smtClean="0">
+                        <a:solidFill>
+                          <a:srgbClr val="FF0000"/>
+                        </a:solidFill>
+                        <a:latin typeface="Cambria Math" panose="02040503050406030204" pitchFamily="18" charset="0"/>
+                        <a:cs typeface="Times New Roman" panose="02020603050405020304" pitchFamily="18" charset="0"/>
+                      </a:rPr>
+                      <m:t>𝒏𝒍𝒐𝒈𝒏</m:t>
+                    </m:r>
+                    <m:r>
+                      <a:rPr lang="en-US" altLang="zh-CN" sz="2000" b="1" i="1" dirty="0" smtClean="0">
+                        <a:solidFill>
+                          <a:srgbClr val="FF0000"/>
+                        </a:solidFill>
+                        <a:latin typeface="Cambria Math" panose="02040503050406030204" pitchFamily="18" charset="0"/>
+                        <a:cs typeface="Times New Roman" panose="02020603050405020304" pitchFamily="18" charset="0"/>
+                      </a:rPr>
+                      <m:t>)</m:t>
+                    </m:r>
+                  </m:oMath>
+                </a14:m>
+                <a:endParaRPr lang="zh-CN" altLang="en-US" sz="2000" b="1" dirty="0">
+                  <a:solidFill>
+                    <a:srgbClr val="FF0000"/>
+                  </a:solidFill>
+                  <a:latin typeface="Times New Roman" panose="02020603050405020304" pitchFamily="18" charset="0"/>
+                  <a:cs typeface="Times New Roman" panose="02020603050405020304" pitchFamily="18" charset="0"/>
+                </a:endParaRPr>
+              </a:p>
+            </p:txBody>
+          </p:sp>
+        </mc:Choice>
+        <mc:Fallback>
+          <p:sp>
+            <p:nvSpPr>
+              <p:cNvPr id="90" name="文本框 89"/>
+              <p:cNvSpPr txBox="1">
+                <a:spLocks noRot="1" noChangeAspect="1" noMove="1" noResize="1" noEditPoints="1" noAdjustHandles="1" noChangeArrowheads="1" noChangeShapeType="1" noTextEdit="1"/>
+              </p:cNvSpPr>
+              <p:nvPr/>
+            </p:nvSpPr>
+            <p:spPr>
+              <a:xfrm>
+                <a:off x="8073761" y="571350"/>
+                <a:ext cx="3793119" cy="400110"/>
+              </a:xfrm>
+              <a:prstGeom prst="rect">
+                <a:avLst/>
+              </a:prstGeom>
+              <a:blipFill>
+                <a:blip r:embed="rId2"/>
+                <a:stretch>
+                  <a:fillRect t="-9375" b="-25000"/>
+                </a:stretch>
+              </a:blipFill>
+            </p:spPr>
+            <p:txBody>
+              <a:bodyPr/>
+              <a:lstStyle/>
+              <a:p>
+                <a:r>
+                  <a:rPr lang="zh-CN" altLang="en-US">
+                    <a:noFill/>
+                  </a:rPr>
+                  <a:t> </a:t>
+                </a:r>
+              </a:p>
+            </p:txBody>
+          </p:sp>
+        </mc:Fallback>
+      </mc:AlternateContent>
+      <mc:AlternateContent xmlns:mc="http://schemas.openxmlformats.org/markup-compatibility/2006">
+        <mc:Choice xmlns:a14="http://schemas.microsoft.com/office/drawing/2010/main" Requires="a14">
+          <p:sp>
+            <p:nvSpPr>
+              <p:cNvPr id="92" name="文本框 91"/>
+              <p:cNvSpPr txBox="1"/>
+              <p:nvPr/>
+            </p:nvSpPr>
+            <p:spPr>
+              <a:xfrm>
+                <a:off x="8073761" y="1151523"/>
+                <a:ext cx="4250319" cy="501356"/>
+              </a:xfrm>
+              <a:prstGeom prst="rect">
+                <a:avLst/>
+              </a:prstGeom>
+              <a:noFill/>
+            </p:spPr>
+            <p:txBody>
+              <a:bodyPr wrap="square" rtlCol="0">
+                <a:spAutoFit/>
+              </a:bodyPr>
+              <a:lstStyle/>
+              <a:p>
+                <a:r>
+                  <a:rPr lang="en-US" altLang="zh-CN" sz="2000" b="1" dirty="0">
+                    <a:solidFill>
+                      <a:schemeClr val="accent1"/>
+                    </a:solidFill>
+                    <a:latin typeface="Times New Roman" panose="02020603050405020304" pitchFamily="18" charset="0"/>
+                    <a:cs typeface="Times New Roman" panose="02020603050405020304" pitchFamily="18" charset="0"/>
+                  </a:rPr>
+                  <a:t> Level 2		</a:t>
+                </a:r>
+                <a14:m>
+                  <m:oMath xmlns:m="http://schemas.openxmlformats.org/officeDocument/2006/math">
+                    <m:r>
+                      <a:rPr lang="en-US" altLang="zh-CN" sz="2000" b="1" i="0" smtClean="0">
+                        <a:solidFill>
+                          <a:srgbClr val="FF0000"/>
+                        </a:solidFill>
+                        <a:latin typeface="Cambria Math" panose="02040503050406030204" pitchFamily="18" charset="0"/>
+                        <a:ea typeface="Cambria Math" panose="02040503050406030204" pitchFamily="18" charset="0"/>
+                        <a:cs typeface="Times New Roman" panose="02020603050405020304" pitchFamily="18" charset="0"/>
+                      </a:rPr>
+                      <m:t>𝟐</m:t>
+                    </m:r>
+                    <m:r>
+                      <a:rPr lang="en-US" altLang="zh-CN" sz="2000" b="1" i="1" smtClean="0">
+                        <a:solidFill>
+                          <a:srgbClr val="FF0000"/>
+                        </a:solidFill>
+                        <a:latin typeface="Cambria Math" panose="02040503050406030204" pitchFamily="18" charset="0"/>
+                        <a:ea typeface="Cambria Math" panose="02040503050406030204" pitchFamily="18" charset="0"/>
+                        <a:cs typeface="Times New Roman" panose="02020603050405020304" pitchFamily="18" charset="0"/>
+                      </a:rPr>
+                      <m:t>×</m:t>
+                    </m:r>
+                    <m:r>
+                      <a:rPr lang="en-US" altLang="zh-CN" sz="2000" b="1" i="0" smtClean="0">
+                        <a:solidFill>
+                          <a:srgbClr val="FF0000"/>
+                        </a:solidFill>
+                        <a:latin typeface="Cambria Math" panose="02040503050406030204" pitchFamily="18" charset="0"/>
+                        <a:ea typeface="Cambria Math" panose="02040503050406030204" pitchFamily="18" charset="0"/>
+                        <a:cs typeface="Times New Roman" panose="02020603050405020304" pitchFamily="18" charset="0"/>
+                      </a:rPr>
+                      <m:t>𝐎</m:t>
+                    </m:r>
+                    <m:r>
+                      <a:rPr lang="en-US" altLang="zh-CN" sz="2000" b="1" i="0" smtClean="0">
+                        <a:solidFill>
+                          <a:srgbClr val="FF0000"/>
+                        </a:solidFill>
+                        <a:latin typeface="Cambria Math" panose="02040503050406030204" pitchFamily="18" charset="0"/>
+                        <a:ea typeface="Cambria Math" panose="02040503050406030204" pitchFamily="18" charset="0"/>
+                        <a:cs typeface="Times New Roman" panose="02020603050405020304" pitchFamily="18" charset="0"/>
+                      </a:rPr>
+                      <m:t>(</m:t>
+                    </m:r>
+                    <m:f>
+                      <m:fPr>
+                        <m:ctrlPr>
+                          <a:rPr lang="en-US" altLang="zh-CN" sz="2000" b="1" i="1" smtClean="0">
+                            <a:solidFill>
+                              <a:srgbClr val="FF0000"/>
+                            </a:solidFill>
+                            <a:latin typeface="Cambria Math" panose="02040503050406030204" pitchFamily="18" charset="0"/>
+                            <a:ea typeface="Cambria Math" panose="02040503050406030204" pitchFamily="18" charset="0"/>
+                            <a:cs typeface="Times New Roman" panose="02020603050405020304" pitchFamily="18" charset="0"/>
+                          </a:rPr>
+                        </m:ctrlPr>
+                      </m:fPr>
+                      <m:num>
+                        <m:r>
+                          <a:rPr lang="en-US" altLang="zh-CN" sz="2000" b="1" i="1" smtClean="0">
+                            <a:solidFill>
+                              <a:srgbClr val="FF0000"/>
+                            </a:solidFill>
+                            <a:latin typeface="Cambria Math" panose="02040503050406030204" pitchFamily="18" charset="0"/>
+                            <a:ea typeface="Cambria Math" panose="02040503050406030204" pitchFamily="18" charset="0"/>
+                            <a:cs typeface="Times New Roman" panose="02020603050405020304" pitchFamily="18" charset="0"/>
+                          </a:rPr>
+                          <m:t>𝒏</m:t>
+                        </m:r>
+                      </m:num>
+                      <m:den>
+                        <m:r>
+                          <a:rPr lang="en-US" altLang="zh-CN" sz="2000" b="1" i="1" smtClean="0">
+                            <a:solidFill>
+                              <a:srgbClr val="FF0000"/>
+                            </a:solidFill>
+                            <a:latin typeface="Cambria Math" panose="02040503050406030204" pitchFamily="18" charset="0"/>
+                            <a:ea typeface="Cambria Math" panose="02040503050406030204" pitchFamily="18" charset="0"/>
+                            <a:cs typeface="Times New Roman" panose="02020603050405020304" pitchFamily="18" charset="0"/>
+                          </a:rPr>
+                          <m:t>𝟐</m:t>
+                        </m:r>
+                      </m:den>
+                    </m:f>
+                    <m:r>
+                      <a:rPr lang="en-US" altLang="zh-CN" sz="2000" b="1" i="1" smtClean="0">
+                        <a:solidFill>
+                          <a:srgbClr val="FF0000"/>
+                        </a:solidFill>
+                        <a:latin typeface="Cambria Math" panose="02040503050406030204" pitchFamily="18" charset="0"/>
+                        <a:ea typeface="Cambria Math" panose="02040503050406030204" pitchFamily="18" charset="0"/>
+                        <a:cs typeface="Times New Roman" panose="02020603050405020304" pitchFamily="18" charset="0"/>
+                      </a:rPr>
+                      <m:t>𝒍𝒐𝒈</m:t>
+                    </m:r>
+                    <m:f>
+                      <m:fPr>
+                        <m:ctrlPr>
+                          <a:rPr lang="en-US" altLang="zh-CN" sz="2000" b="1" i="1" smtClean="0">
+                            <a:solidFill>
+                              <a:srgbClr val="FF0000"/>
+                            </a:solidFill>
+                            <a:latin typeface="Cambria Math" panose="02040503050406030204" pitchFamily="18" charset="0"/>
+                            <a:ea typeface="Cambria Math" panose="02040503050406030204" pitchFamily="18" charset="0"/>
+                            <a:cs typeface="Times New Roman" panose="02020603050405020304" pitchFamily="18" charset="0"/>
+                          </a:rPr>
+                        </m:ctrlPr>
+                      </m:fPr>
+                      <m:num>
+                        <m:r>
+                          <a:rPr lang="en-US" altLang="zh-CN" sz="2000" b="1" i="1" smtClean="0">
+                            <a:solidFill>
+                              <a:srgbClr val="FF0000"/>
+                            </a:solidFill>
+                            <a:latin typeface="Cambria Math" panose="02040503050406030204" pitchFamily="18" charset="0"/>
+                            <a:ea typeface="Cambria Math" panose="02040503050406030204" pitchFamily="18" charset="0"/>
+                            <a:cs typeface="Times New Roman" panose="02020603050405020304" pitchFamily="18" charset="0"/>
+                          </a:rPr>
+                          <m:t>𝒏</m:t>
+                        </m:r>
+                      </m:num>
+                      <m:den>
+                        <m:r>
+                          <a:rPr lang="en-US" altLang="zh-CN" sz="2000" b="1" i="1" smtClean="0">
+                            <a:solidFill>
+                              <a:srgbClr val="FF0000"/>
+                            </a:solidFill>
+                            <a:latin typeface="Cambria Math" panose="02040503050406030204" pitchFamily="18" charset="0"/>
+                            <a:ea typeface="Cambria Math" panose="02040503050406030204" pitchFamily="18" charset="0"/>
+                            <a:cs typeface="Times New Roman" panose="02020603050405020304" pitchFamily="18" charset="0"/>
+                          </a:rPr>
+                          <m:t>𝟐</m:t>
+                        </m:r>
+                      </m:den>
+                    </m:f>
+                    <m:r>
+                      <a:rPr lang="en-US" altLang="zh-CN" sz="2000" b="1" i="1" smtClean="0">
+                        <a:solidFill>
+                          <a:srgbClr val="FF0000"/>
+                        </a:solidFill>
+                        <a:latin typeface="Cambria Math" panose="02040503050406030204" pitchFamily="18" charset="0"/>
+                        <a:ea typeface="Cambria Math" panose="02040503050406030204" pitchFamily="18" charset="0"/>
+                        <a:cs typeface="Times New Roman" panose="02020603050405020304" pitchFamily="18" charset="0"/>
+                      </a:rPr>
+                      <m:t>)</m:t>
+                    </m:r>
+                  </m:oMath>
+                </a14:m>
+                <a:endParaRPr lang="en-US" altLang="zh-CN" sz="2000" b="1" dirty="0">
+                  <a:solidFill>
+                    <a:schemeClr val="accent1"/>
+                  </a:solidFill>
+                  <a:latin typeface="Times New Roman" panose="02020603050405020304" pitchFamily="18" charset="0"/>
+                  <a:ea typeface="Cambria Math" panose="02040503050406030204" pitchFamily="18" charset="0"/>
+                  <a:cs typeface="Times New Roman" panose="02020603050405020304" pitchFamily="18" charset="0"/>
+                </a:endParaRPr>
+              </a:p>
+            </p:txBody>
+          </p:sp>
+        </mc:Choice>
+        <mc:Fallback>
+          <p:sp>
+            <p:nvSpPr>
+              <p:cNvPr id="92" name="文本框 91"/>
+              <p:cNvSpPr txBox="1">
+                <a:spLocks noRot="1" noChangeAspect="1" noMove="1" noResize="1" noEditPoints="1" noAdjustHandles="1" noChangeArrowheads="1" noChangeShapeType="1" noTextEdit="1"/>
+              </p:cNvSpPr>
+              <p:nvPr/>
+            </p:nvSpPr>
+            <p:spPr>
+              <a:xfrm>
+                <a:off x="8073761" y="1151523"/>
+                <a:ext cx="4250319" cy="501356"/>
+              </a:xfrm>
+              <a:prstGeom prst="rect">
+                <a:avLst/>
+              </a:prstGeom>
+              <a:blipFill>
+                <a:blip r:embed="rId3"/>
+                <a:stretch>
+                  <a:fillRect b="-7317"/>
+                </a:stretch>
+              </a:blipFill>
+            </p:spPr>
+            <p:txBody>
+              <a:bodyPr/>
+              <a:lstStyle/>
+              <a:p>
+                <a:r>
+                  <a:rPr lang="zh-CN" altLang="en-US">
+                    <a:noFill/>
+                  </a:rPr>
+                  <a:t> </a:t>
+                </a:r>
+              </a:p>
+            </p:txBody>
+          </p:sp>
+        </mc:Fallback>
+      </mc:AlternateContent>
+      <mc:AlternateContent xmlns:mc="http://schemas.openxmlformats.org/markup-compatibility/2006">
+        <mc:Choice xmlns:a14="http://schemas.microsoft.com/office/drawing/2010/main" Requires="a14">
+          <p:sp>
+            <p:nvSpPr>
+              <p:cNvPr id="94" name="文本框 93"/>
+              <p:cNvSpPr txBox="1"/>
+              <p:nvPr/>
+            </p:nvSpPr>
+            <p:spPr>
+              <a:xfrm>
+                <a:off x="8073761" y="2413894"/>
+                <a:ext cx="5073279" cy="501356"/>
+              </a:xfrm>
+              <a:prstGeom prst="rect">
+                <a:avLst/>
+              </a:prstGeom>
+              <a:noFill/>
+            </p:spPr>
+            <p:txBody>
+              <a:bodyPr wrap="square" rtlCol="0">
+                <a:spAutoFit/>
+              </a:bodyPr>
+              <a:lstStyle/>
+              <a:p>
+                <a:r>
+                  <a:rPr lang="en-US" altLang="zh-CN" sz="2000" b="1" dirty="0">
+                    <a:solidFill>
+                      <a:schemeClr val="accent1"/>
+                    </a:solidFill>
+                    <a:latin typeface="Times New Roman" panose="02020603050405020304" pitchFamily="18" charset="0"/>
+                    <a:cs typeface="Times New Roman" panose="02020603050405020304" pitchFamily="18" charset="0"/>
+                  </a:rPr>
+                  <a:t> Level j		</a:t>
+                </a:r>
+                <a:r>
+                  <a:rPr lang="en-US" altLang="zh-CN" sz="2000" b="1" dirty="0">
+                    <a:solidFill>
+                      <a:srgbClr val="FF0000"/>
+                    </a:solidFill>
+                    <a:ea typeface="Cambria Math" panose="02040503050406030204" pitchFamily="18" charset="0"/>
+                    <a:cs typeface="Times New Roman" panose="02020603050405020304" pitchFamily="18" charset="0"/>
+                  </a:rPr>
+                  <a:t> </a:t>
+                </a:r>
+                <a14:m>
+                  <m:oMath xmlns:m="http://schemas.openxmlformats.org/officeDocument/2006/math">
+                    <m:sSup>
+                      <m:sSupPr>
+                        <m:ctrlPr>
+                          <a:rPr lang="en-US" altLang="zh-CN" sz="2000" b="1" i="1" smtClean="0">
+                            <a:solidFill>
+                              <a:srgbClr val="FF0000"/>
+                            </a:solidFill>
+                            <a:latin typeface="Cambria Math" panose="02040503050406030204" pitchFamily="18" charset="0"/>
+                            <a:ea typeface="Cambria Math" panose="02040503050406030204" pitchFamily="18" charset="0"/>
+                            <a:cs typeface="Times New Roman" panose="02020603050405020304" pitchFamily="18" charset="0"/>
+                          </a:rPr>
+                        </m:ctrlPr>
+                      </m:sSupPr>
+                      <m:e>
+                        <m:r>
+                          <a:rPr lang="en-US" altLang="zh-CN" sz="2000" b="1" i="1" smtClean="0">
+                            <a:solidFill>
+                              <a:srgbClr val="FF0000"/>
+                            </a:solidFill>
+                            <a:latin typeface="Cambria Math" panose="02040503050406030204" pitchFamily="18" charset="0"/>
+                            <a:ea typeface="Cambria Math" panose="02040503050406030204" pitchFamily="18" charset="0"/>
+                            <a:cs typeface="Times New Roman" panose="02020603050405020304" pitchFamily="18" charset="0"/>
+                          </a:rPr>
+                          <m:t>𝟐</m:t>
+                        </m:r>
+                      </m:e>
+                      <m:sup>
+                        <m:r>
+                          <a:rPr lang="en-US" altLang="zh-CN" sz="2000" b="1" i="1" smtClean="0">
+                            <a:solidFill>
+                              <a:srgbClr val="FF0000"/>
+                            </a:solidFill>
+                            <a:latin typeface="Cambria Math" panose="02040503050406030204" pitchFamily="18" charset="0"/>
+                            <a:ea typeface="Cambria Math" panose="02040503050406030204" pitchFamily="18" charset="0"/>
+                            <a:cs typeface="Times New Roman" panose="02020603050405020304" pitchFamily="18" charset="0"/>
+                          </a:rPr>
+                          <m:t>𝒋</m:t>
+                        </m:r>
+                      </m:sup>
+                    </m:sSup>
+                    <m:r>
+                      <a:rPr lang="en-US" altLang="zh-CN" sz="2000" b="1" i="1">
+                        <a:solidFill>
+                          <a:srgbClr val="FF0000"/>
+                        </a:solidFill>
+                        <a:latin typeface="Cambria Math" panose="02040503050406030204" pitchFamily="18" charset="0"/>
+                        <a:ea typeface="Cambria Math" panose="02040503050406030204" pitchFamily="18" charset="0"/>
+                        <a:cs typeface="Times New Roman" panose="02020603050405020304" pitchFamily="18" charset="0"/>
+                      </a:rPr>
+                      <m:t>×</m:t>
+                    </m:r>
+                    <m:r>
+                      <a:rPr lang="en-US" altLang="zh-CN" sz="2000" b="1">
+                        <a:solidFill>
+                          <a:srgbClr val="FF0000"/>
+                        </a:solidFill>
+                        <a:latin typeface="Cambria Math" panose="02040503050406030204" pitchFamily="18" charset="0"/>
+                        <a:ea typeface="Cambria Math" panose="02040503050406030204" pitchFamily="18" charset="0"/>
+                        <a:cs typeface="Times New Roman" panose="02020603050405020304" pitchFamily="18" charset="0"/>
+                      </a:rPr>
+                      <m:t>𝐎</m:t>
+                    </m:r>
+                    <m:r>
+                      <a:rPr lang="en-US" altLang="zh-CN" sz="2000" b="1">
+                        <a:solidFill>
+                          <a:srgbClr val="FF0000"/>
+                        </a:solidFill>
+                        <a:latin typeface="Cambria Math" panose="02040503050406030204" pitchFamily="18" charset="0"/>
+                        <a:ea typeface="Cambria Math" panose="02040503050406030204" pitchFamily="18" charset="0"/>
+                        <a:cs typeface="Times New Roman" panose="02020603050405020304" pitchFamily="18" charset="0"/>
+                      </a:rPr>
+                      <m:t>(</m:t>
+                    </m:r>
+                    <m:f>
+                      <m:fPr>
+                        <m:ctrlPr>
+                          <a:rPr lang="en-US" altLang="zh-CN" sz="2000" b="1" i="1">
+                            <a:solidFill>
+                              <a:srgbClr val="FF0000"/>
+                            </a:solidFill>
+                            <a:latin typeface="Cambria Math" panose="02040503050406030204" pitchFamily="18" charset="0"/>
+                            <a:ea typeface="Cambria Math" panose="02040503050406030204" pitchFamily="18" charset="0"/>
+                            <a:cs typeface="Times New Roman" panose="02020603050405020304" pitchFamily="18" charset="0"/>
+                          </a:rPr>
+                        </m:ctrlPr>
+                      </m:fPr>
+                      <m:num>
+                        <m:r>
+                          <a:rPr lang="en-US" altLang="zh-CN" sz="2000" b="1" i="1">
+                            <a:solidFill>
+                              <a:srgbClr val="FF0000"/>
+                            </a:solidFill>
+                            <a:latin typeface="Cambria Math" panose="02040503050406030204" pitchFamily="18" charset="0"/>
+                            <a:ea typeface="Cambria Math" panose="02040503050406030204" pitchFamily="18" charset="0"/>
+                            <a:cs typeface="Times New Roman" panose="02020603050405020304" pitchFamily="18" charset="0"/>
+                          </a:rPr>
+                          <m:t>𝒏</m:t>
+                        </m:r>
+                      </m:num>
+                      <m:den>
+                        <m:sSup>
+                          <m:sSupPr>
+                            <m:ctrlPr>
+                              <a:rPr lang="en-US" altLang="zh-CN" sz="2000" b="1" i="1" smtClean="0">
+                                <a:solidFill>
+                                  <a:srgbClr val="FF0000"/>
+                                </a:solidFill>
+                                <a:latin typeface="Cambria Math" panose="02040503050406030204" pitchFamily="18" charset="0"/>
+                                <a:ea typeface="Cambria Math" panose="02040503050406030204" pitchFamily="18" charset="0"/>
+                                <a:cs typeface="Times New Roman" panose="02020603050405020304" pitchFamily="18" charset="0"/>
+                              </a:rPr>
+                            </m:ctrlPr>
+                          </m:sSupPr>
+                          <m:e>
+                            <m:r>
+                              <a:rPr lang="en-US" altLang="zh-CN" sz="2000" b="1" i="1" smtClean="0">
+                                <a:solidFill>
+                                  <a:srgbClr val="FF0000"/>
+                                </a:solidFill>
+                                <a:latin typeface="Cambria Math" panose="02040503050406030204" pitchFamily="18" charset="0"/>
+                                <a:ea typeface="Cambria Math" panose="02040503050406030204" pitchFamily="18" charset="0"/>
+                                <a:cs typeface="Times New Roman" panose="02020603050405020304" pitchFamily="18" charset="0"/>
+                              </a:rPr>
+                              <m:t>𝟐</m:t>
+                            </m:r>
+                          </m:e>
+                          <m:sup>
+                            <m:r>
+                              <a:rPr lang="en-US" altLang="zh-CN" sz="2000" b="1" i="1" smtClean="0">
+                                <a:solidFill>
+                                  <a:srgbClr val="FF0000"/>
+                                </a:solidFill>
+                                <a:latin typeface="Cambria Math" panose="02040503050406030204" pitchFamily="18" charset="0"/>
+                                <a:ea typeface="Cambria Math" panose="02040503050406030204" pitchFamily="18" charset="0"/>
+                                <a:cs typeface="Times New Roman" panose="02020603050405020304" pitchFamily="18" charset="0"/>
+                              </a:rPr>
+                              <m:t>𝒋</m:t>
+                            </m:r>
+                          </m:sup>
+                        </m:sSup>
+                      </m:den>
+                    </m:f>
+                    <m:r>
+                      <a:rPr lang="en-US" altLang="zh-CN" sz="2000" b="1" i="1">
+                        <a:solidFill>
+                          <a:srgbClr val="FF0000"/>
+                        </a:solidFill>
+                        <a:latin typeface="Cambria Math" panose="02040503050406030204" pitchFamily="18" charset="0"/>
+                        <a:ea typeface="Cambria Math" panose="02040503050406030204" pitchFamily="18" charset="0"/>
+                        <a:cs typeface="Times New Roman" panose="02020603050405020304" pitchFamily="18" charset="0"/>
+                      </a:rPr>
+                      <m:t>𝒍𝒐𝒈</m:t>
+                    </m:r>
+                    <m:f>
+                      <m:fPr>
+                        <m:ctrlPr>
+                          <a:rPr lang="en-US" altLang="zh-CN" sz="2000" b="1" i="1" smtClean="0">
+                            <a:solidFill>
+                              <a:srgbClr val="FF0000"/>
+                            </a:solidFill>
+                            <a:latin typeface="Cambria Math" panose="02040503050406030204" pitchFamily="18" charset="0"/>
+                            <a:ea typeface="Cambria Math" panose="02040503050406030204" pitchFamily="18" charset="0"/>
+                            <a:cs typeface="Times New Roman" panose="02020603050405020304" pitchFamily="18" charset="0"/>
+                          </a:rPr>
+                        </m:ctrlPr>
+                      </m:fPr>
+                      <m:num>
+                        <m:r>
+                          <a:rPr lang="en-US" altLang="zh-CN" sz="2000" b="1" i="1" smtClean="0">
+                            <a:solidFill>
+                              <a:srgbClr val="FF0000"/>
+                            </a:solidFill>
+                            <a:latin typeface="Cambria Math" panose="02040503050406030204" pitchFamily="18" charset="0"/>
+                            <a:ea typeface="Cambria Math" panose="02040503050406030204" pitchFamily="18" charset="0"/>
+                            <a:cs typeface="Times New Roman" panose="02020603050405020304" pitchFamily="18" charset="0"/>
+                          </a:rPr>
+                          <m:t>𝒏</m:t>
+                        </m:r>
+                      </m:num>
+                      <m:den>
+                        <m:sSup>
+                          <m:sSupPr>
+                            <m:ctrlPr>
+                              <a:rPr lang="en-US" altLang="zh-CN" sz="2000" b="1" i="1" smtClean="0">
+                                <a:solidFill>
+                                  <a:srgbClr val="FF0000"/>
+                                </a:solidFill>
+                                <a:latin typeface="Cambria Math" panose="02040503050406030204" pitchFamily="18" charset="0"/>
+                                <a:ea typeface="Cambria Math" panose="02040503050406030204" pitchFamily="18" charset="0"/>
+                                <a:cs typeface="Times New Roman" panose="02020603050405020304" pitchFamily="18" charset="0"/>
+                              </a:rPr>
+                            </m:ctrlPr>
+                          </m:sSupPr>
+                          <m:e>
+                            <m:r>
+                              <a:rPr lang="en-US" altLang="zh-CN" sz="2000" b="1" i="1" smtClean="0">
+                                <a:solidFill>
+                                  <a:srgbClr val="FF0000"/>
+                                </a:solidFill>
+                                <a:latin typeface="Cambria Math" panose="02040503050406030204" pitchFamily="18" charset="0"/>
+                                <a:ea typeface="Cambria Math" panose="02040503050406030204" pitchFamily="18" charset="0"/>
+                                <a:cs typeface="Times New Roman" panose="02020603050405020304" pitchFamily="18" charset="0"/>
+                              </a:rPr>
+                              <m:t>𝟐</m:t>
+                            </m:r>
+                          </m:e>
+                          <m:sup>
+                            <m:r>
+                              <a:rPr lang="en-US" altLang="zh-CN" sz="2000" b="1" i="1" smtClean="0">
+                                <a:solidFill>
+                                  <a:srgbClr val="FF0000"/>
+                                </a:solidFill>
+                                <a:latin typeface="Cambria Math" panose="02040503050406030204" pitchFamily="18" charset="0"/>
+                                <a:ea typeface="Cambria Math" panose="02040503050406030204" pitchFamily="18" charset="0"/>
+                                <a:cs typeface="Times New Roman" panose="02020603050405020304" pitchFamily="18" charset="0"/>
+                              </a:rPr>
+                              <m:t>𝒋</m:t>
+                            </m:r>
+                          </m:sup>
+                        </m:sSup>
+                      </m:den>
+                    </m:f>
+                    <m:r>
+                      <a:rPr lang="en-US" altLang="zh-CN" sz="2000" b="1" i="1">
+                        <a:solidFill>
+                          <a:srgbClr val="FF0000"/>
+                        </a:solidFill>
+                        <a:latin typeface="Cambria Math" panose="02040503050406030204" pitchFamily="18" charset="0"/>
+                        <a:ea typeface="Cambria Math" panose="02040503050406030204" pitchFamily="18" charset="0"/>
+                        <a:cs typeface="Times New Roman" panose="02020603050405020304" pitchFamily="18" charset="0"/>
+                      </a:rPr>
+                      <m:t>)</m:t>
+                    </m:r>
+                  </m:oMath>
+                </a14:m>
+                <a:endParaRPr lang="zh-CN" altLang="en-US" sz="2000" b="1" dirty="0">
+                  <a:solidFill>
+                    <a:srgbClr val="FF0000"/>
+                  </a:solidFill>
+                  <a:latin typeface="Times New Roman" panose="02020603050405020304" pitchFamily="18" charset="0"/>
+                  <a:cs typeface="Times New Roman" panose="02020603050405020304" pitchFamily="18" charset="0"/>
+                </a:endParaRPr>
+              </a:p>
+            </p:txBody>
+          </p:sp>
+        </mc:Choice>
+        <mc:Fallback>
+          <p:sp>
+            <p:nvSpPr>
+              <p:cNvPr id="94" name="文本框 93"/>
+              <p:cNvSpPr txBox="1">
+                <a:spLocks noRot="1" noChangeAspect="1" noMove="1" noResize="1" noEditPoints="1" noAdjustHandles="1" noChangeArrowheads="1" noChangeShapeType="1" noTextEdit="1"/>
+              </p:cNvSpPr>
+              <p:nvPr/>
+            </p:nvSpPr>
+            <p:spPr>
+              <a:xfrm>
+                <a:off x="8073761" y="2413894"/>
+                <a:ext cx="5073279" cy="501356"/>
+              </a:xfrm>
+              <a:prstGeom prst="rect">
+                <a:avLst/>
+              </a:prstGeom>
+              <a:blipFill>
+                <a:blip r:embed="rId4"/>
+                <a:stretch>
+                  <a:fillRect b="-7500"/>
+                </a:stretch>
+              </a:blipFill>
+            </p:spPr>
+            <p:txBody>
+              <a:bodyPr/>
+              <a:lstStyle/>
+              <a:p>
+                <a:r>
+                  <a:rPr lang="zh-CN" altLang="en-US">
+                    <a:noFill/>
+                  </a:rPr>
+                  <a:t> </a:t>
+                </a:r>
+              </a:p>
+            </p:txBody>
+          </p:sp>
+        </mc:Fallback>
+      </mc:AlternateContent>
       <p:cxnSp>
         <p:nvCxnSpPr>
-          <p:cNvPr id="96" name="直接箭头连接符 95">
-            <a:extLst>
-              <a:ext uri="{FF2B5EF4-FFF2-40B4-BE49-F238E27FC236}">
-                <a16:creationId xmlns:a16="http://schemas.microsoft.com/office/drawing/2014/main" id="{676CB13E-F688-46DD-9D8E-ADBCB4AE3C4B}"/>
-              </a:ext>
-            </a:extLst>
-          </p:cNvPr>
-          <p:cNvCxnSpPr>
-            <a:cxnSpLocks/>
-          </p:cNvCxnSpPr>
+          <p:cNvPr id="96" name="直接箭头连接符 95"/>
+          <p:cNvCxnSpPr/>
           <p:nvPr/>
         </p:nvCxnSpPr>
         <p:spPr>
@@ -5096,13 +5000,7 @@
       </p:cxnSp>
       <p:cxnSp>
         <p:nvCxnSpPr>
-          <p:cNvPr id="100" name="直接箭头连接符 99">
-            <a:extLst>
-              <a:ext uri="{FF2B5EF4-FFF2-40B4-BE49-F238E27FC236}">
-                <a16:creationId xmlns:a16="http://schemas.microsoft.com/office/drawing/2014/main" id="{F5F60194-58B5-4FBD-A873-F2DA17254A99}"/>
-              </a:ext>
-            </a:extLst>
-          </p:cNvPr>
+          <p:cNvPr id="100" name="直接箭头连接符 99"/>
           <p:cNvCxnSpPr>
             <a:cxnSpLocks/>
           </p:cNvCxnSpPr>
@@ -5111,7 +5009,7 @@
         <p:spPr>
           <a:xfrm>
             <a:off x="833428" y="3213951"/>
-            <a:ext cx="0" cy="1356009"/>
+            <a:ext cx="0" cy="2189664"/>
           </a:xfrm>
           <a:prstGeom prst="straightConnector1">
             <a:avLst/>
@@ -5135,23 +5033,17 @@
           </a:fontRef>
         </p:style>
       </p:cxnSp>
-      <mc:AlternateContent xmlns:mc="http://schemas.openxmlformats.org/markup-compatibility/2006" xmlns:a14="http://schemas.microsoft.com/office/drawing/2010/main">
-        <mc:Choice Requires="a14">
+      <mc:AlternateContent xmlns:mc="http://schemas.openxmlformats.org/markup-compatibility/2006">
+        <mc:Choice xmlns:a14="http://schemas.microsoft.com/office/drawing/2010/main" Requires="a14">
           <p:sp>
             <p:nvSpPr>
-              <p:cNvPr id="105" name="文本框 104">
-                <a:extLst>
-                  <a:ext uri="{FF2B5EF4-FFF2-40B4-BE49-F238E27FC236}">
-                    <a16:creationId xmlns:a16="http://schemas.microsoft.com/office/drawing/2014/main" id="{4891DE9D-0C61-4B29-851F-31C06934EB4E}"/>
-                  </a:ext>
-                </a:extLst>
-              </p:cNvPr>
+              <p:cNvPr id="105" name="文本框 104"/>
               <p:cNvSpPr txBox="1"/>
               <p:nvPr/>
             </p:nvSpPr>
             <p:spPr>
               <a:xfrm>
-                <a:off x="42990" y="2183062"/>
+                <a:off x="76196" y="2015865"/>
                 <a:ext cx="1897263" cy="461665"/>
               </a:xfrm>
               <a:prstGeom prst="rect">
@@ -5215,16 +5107,10 @@
             </p:txBody>
           </p:sp>
         </mc:Choice>
-        <mc:Fallback xmlns="">
+        <mc:Fallback>
           <p:sp>
             <p:nvSpPr>
-              <p:cNvPr id="105" name="文本框 104">
-                <a:extLst>
-                  <a:ext uri="{FF2B5EF4-FFF2-40B4-BE49-F238E27FC236}">
-                    <a16:creationId xmlns:a16="http://schemas.microsoft.com/office/drawing/2014/main" id="{4891DE9D-0C61-4B29-851F-31C06934EB4E}"/>
-                  </a:ext>
-                </a:extLst>
-              </p:cNvPr>
+              <p:cNvPr id="105" name="文本框 104"/>
               <p:cNvSpPr txBox="1">
                 <a:spLocks noRot="1" noChangeAspect="1" noMove="1" noResize="1" noEditPoints="1" noAdjustHandles="1" noChangeArrowheads="1" noChangeShapeType="1" noTextEdit="1"/>
               </p:cNvSpPr>
@@ -5232,7 +5118,7 @@
             </p:nvSpPr>
             <p:spPr>
               <a:xfrm>
-                <a:off x="42990" y="2183062"/>
+                <a:off x="76196" y="2015865"/>
                 <a:ext cx="1897263" cy="461665"/>
               </a:xfrm>
               <a:prstGeom prst="rect">
@@ -5241,7 +5127,7 @@
               <a:blipFill>
                 <a:blip r:embed="rId5"/>
                 <a:stretch>
-                  <a:fillRect l="-4823" t="-10526" b="-28947"/>
+                  <a:fillRect l="-4636" t="-8108" b="-29730"/>
                 </a:stretch>
               </a:blipFill>
             </p:spPr>
@@ -5260,66 +5146,341 @@
           </p:sp>
         </mc:Fallback>
       </mc:AlternateContent>
-      <p:sp>
-        <p:nvSpPr>
-          <p:cNvPr id="107" name="文本框 106">
-            <a:extLst>
-              <a:ext uri="{FF2B5EF4-FFF2-40B4-BE49-F238E27FC236}">
-                <a16:creationId xmlns:a16="http://schemas.microsoft.com/office/drawing/2014/main" id="{73E2DF14-AB4A-45DB-BA5E-83C7C4F6AEB3}"/>
-              </a:ext>
-            </a:extLst>
-          </p:cNvPr>
-          <p:cNvSpPr txBox="1"/>
-          <p:nvPr/>
-        </p:nvSpPr>
-        <p:spPr>
-          <a:xfrm>
-            <a:off x="8148912" y="4112888"/>
-            <a:ext cx="5073279" cy="400110"/>
-          </a:xfrm>
-          <a:prstGeom prst="rect">
-            <a:avLst/>
-          </a:prstGeom>
-          <a:noFill/>
-        </p:spPr>
-        <p:txBody>
-          <a:bodyPr wrap="square" rtlCol="0">
-            <a:spAutoFit/>
-          </a:bodyPr>
-          <a:lstStyle/>
-          <a:p>
-            <a:r>
-              <a:rPr lang="en-US" altLang="zh-CN" sz="2000" b="1" dirty="0">
-                <a:solidFill>
-                  <a:schemeClr val="accent1"/>
-                </a:solidFill>
-                <a:latin typeface="Times New Roman" panose="02020603050405020304" pitchFamily="18" charset="0"/>
-                <a:cs typeface="Times New Roman" panose="02020603050405020304" pitchFamily="18" charset="0"/>
-              </a:rPr>
-              <a:t> Level k</a:t>
-            </a:r>
-            <a:endParaRPr lang="zh-CN" altLang="en-US" sz="2000" b="1" dirty="0">
-              <a:solidFill>
-                <a:srgbClr val="FF0000"/>
-              </a:solidFill>
-              <a:latin typeface="Times New Roman" panose="02020603050405020304" pitchFamily="18" charset="0"/>
-              <a:cs typeface="Times New Roman" panose="02020603050405020304" pitchFamily="18" charset="0"/>
-            </a:endParaRPr>
-          </a:p>
-        </p:txBody>
-      </p:sp>
+      <mc:AlternateContent xmlns:mc="http://schemas.openxmlformats.org/markup-compatibility/2006">
+        <mc:Choice xmlns:a14="http://schemas.microsoft.com/office/drawing/2010/main" Requires="a14">
+          <p:sp>
+            <p:nvSpPr>
+              <p:cNvPr id="107" name="文本框 106"/>
+              <p:cNvSpPr txBox="1"/>
+              <p:nvPr/>
+            </p:nvSpPr>
+            <p:spPr>
+              <a:xfrm>
+                <a:off x="8132464" y="4825087"/>
+                <a:ext cx="5073279" cy="501356"/>
+              </a:xfrm>
+              <a:prstGeom prst="rect">
+                <a:avLst/>
+              </a:prstGeom>
+              <a:noFill/>
+            </p:spPr>
+            <p:txBody>
+              <a:bodyPr wrap="square" rtlCol="0">
+                <a:spAutoFit/>
+              </a:bodyPr>
+              <a:lstStyle/>
+              <a:p>
+                <a:r>
+                  <a:rPr lang="en-US" altLang="zh-CN" sz="2000" b="1" dirty="0">
+                    <a:solidFill>
+                      <a:schemeClr val="accent1"/>
+                    </a:solidFill>
+                    <a:latin typeface="Times New Roman" panose="02020603050405020304" pitchFamily="18" charset="0"/>
+                    <a:cs typeface="Times New Roman" panose="02020603050405020304" pitchFamily="18" charset="0"/>
+                  </a:rPr>
+                  <a:t> Level k		</a:t>
+                </a:r>
+                <a:r>
+                  <a:rPr lang="en-US" altLang="zh-CN" sz="2000" b="1" dirty="0">
+                    <a:solidFill>
+                      <a:srgbClr val="FF0000"/>
+                    </a:solidFill>
+                    <a:ea typeface="Cambria Math" panose="02040503050406030204" pitchFamily="18" charset="0"/>
+                    <a:cs typeface="Times New Roman" panose="02020603050405020304" pitchFamily="18" charset="0"/>
+                  </a:rPr>
+                  <a:t> </a:t>
+                </a:r>
+                <a14:m>
+                  <m:oMath xmlns:m="http://schemas.openxmlformats.org/officeDocument/2006/math">
+                    <m:sSup>
+                      <m:sSupPr>
+                        <m:ctrlPr>
+                          <a:rPr lang="en-US" altLang="zh-CN" sz="2000" b="1" i="1">
+                            <a:solidFill>
+                              <a:srgbClr val="FF0000"/>
+                            </a:solidFill>
+                            <a:latin typeface="Cambria Math" panose="02040503050406030204" pitchFamily="18" charset="0"/>
+                            <a:ea typeface="Cambria Math" panose="02040503050406030204" pitchFamily="18" charset="0"/>
+                            <a:cs typeface="Times New Roman" panose="02020603050405020304" pitchFamily="18" charset="0"/>
+                          </a:rPr>
+                        </m:ctrlPr>
+                      </m:sSupPr>
+                      <m:e>
+                        <m:r>
+                          <a:rPr lang="en-US" altLang="zh-CN" sz="2000" b="1" i="1">
+                            <a:solidFill>
+                              <a:srgbClr val="FF0000"/>
+                            </a:solidFill>
+                            <a:latin typeface="Cambria Math" panose="02040503050406030204" pitchFamily="18" charset="0"/>
+                            <a:ea typeface="Cambria Math" panose="02040503050406030204" pitchFamily="18" charset="0"/>
+                            <a:cs typeface="Times New Roman" panose="02020603050405020304" pitchFamily="18" charset="0"/>
+                          </a:rPr>
+                          <m:t>𝟐</m:t>
+                        </m:r>
+                      </m:e>
+                      <m:sup>
+                        <m:r>
+                          <a:rPr lang="en-US" altLang="zh-CN" sz="2000" b="1" i="1" smtClean="0">
+                            <a:solidFill>
+                              <a:srgbClr val="FF0000"/>
+                            </a:solidFill>
+                            <a:latin typeface="Cambria Math" panose="02040503050406030204" pitchFamily="18" charset="0"/>
+                            <a:ea typeface="Cambria Math" panose="02040503050406030204" pitchFamily="18" charset="0"/>
+                            <a:cs typeface="Times New Roman" panose="02020603050405020304" pitchFamily="18" charset="0"/>
+                          </a:rPr>
+                          <m:t>𝒌</m:t>
+                        </m:r>
+                      </m:sup>
+                    </m:sSup>
+                    <m:r>
+                      <a:rPr lang="en-US" altLang="zh-CN" sz="2000" b="1" i="1">
+                        <a:solidFill>
+                          <a:srgbClr val="FF0000"/>
+                        </a:solidFill>
+                        <a:latin typeface="Cambria Math" panose="02040503050406030204" pitchFamily="18" charset="0"/>
+                        <a:ea typeface="Cambria Math" panose="02040503050406030204" pitchFamily="18" charset="0"/>
+                        <a:cs typeface="Times New Roman" panose="02020603050405020304" pitchFamily="18" charset="0"/>
+                      </a:rPr>
+                      <m:t>×</m:t>
+                    </m:r>
+                    <m:r>
+                      <a:rPr lang="en-US" altLang="zh-CN" sz="2000" b="1">
+                        <a:solidFill>
+                          <a:srgbClr val="FF0000"/>
+                        </a:solidFill>
+                        <a:latin typeface="Cambria Math" panose="02040503050406030204" pitchFamily="18" charset="0"/>
+                        <a:ea typeface="Cambria Math" panose="02040503050406030204" pitchFamily="18" charset="0"/>
+                        <a:cs typeface="Times New Roman" panose="02020603050405020304" pitchFamily="18" charset="0"/>
+                      </a:rPr>
+                      <m:t>𝐎</m:t>
+                    </m:r>
+                    <m:r>
+                      <a:rPr lang="en-US" altLang="zh-CN" sz="2000" b="1">
+                        <a:solidFill>
+                          <a:srgbClr val="FF0000"/>
+                        </a:solidFill>
+                        <a:latin typeface="Cambria Math" panose="02040503050406030204" pitchFamily="18" charset="0"/>
+                        <a:ea typeface="Cambria Math" panose="02040503050406030204" pitchFamily="18" charset="0"/>
+                        <a:cs typeface="Times New Roman" panose="02020603050405020304" pitchFamily="18" charset="0"/>
+                      </a:rPr>
+                      <m:t>(</m:t>
+                    </m:r>
+                    <m:f>
+                      <m:fPr>
+                        <m:ctrlPr>
+                          <a:rPr lang="en-US" altLang="zh-CN" sz="2000" b="1" i="1">
+                            <a:solidFill>
+                              <a:srgbClr val="FF0000"/>
+                            </a:solidFill>
+                            <a:latin typeface="Cambria Math" panose="02040503050406030204" pitchFamily="18" charset="0"/>
+                            <a:ea typeface="Cambria Math" panose="02040503050406030204" pitchFamily="18" charset="0"/>
+                            <a:cs typeface="Times New Roman" panose="02020603050405020304" pitchFamily="18" charset="0"/>
+                          </a:rPr>
+                        </m:ctrlPr>
+                      </m:fPr>
+                      <m:num>
+                        <m:r>
+                          <a:rPr lang="en-US" altLang="zh-CN" sz="2000" b="1" i="1">
+                            <a:solidFill>
+                              <a:srgbClr val="FF0000"/>
+                            </a:solidFill>
+                            <a:latin typeface="Cambria Math" panose="02040503050406030204" pitchFamily="18" charset="0"/>
+                            <a:ea typeface="Cambria Math" panose="02040503050406030204" pitchFamily="18" charset="0"/>
+                            <a:cs typeface="Times New Roman" panose="02020603050405020304" pitchFamily="18" charset="0"/>
+                          </a:rPr>
+                          <m:t>𝒏</m:t>
+                        </m:r>
+                      </m:num>
+                      <m:den>
+                        <m:sSup>
+                          <m:sSupPr>
+                            <m:ctrlPr>
+                              <a:rPr lang="en-US" altLang="zh-CN" sz="2000" b="1" i="1">
+                                <a:solidFill>
+                                  <a:srgbClr val="FF0000"/>
+                                </a:solidFill>
+                                <a:latin typeface="Cambria Math" panose="02040503050406030204" pitchFamily="18" charset="0"/>
+                                <a:ea typeface="Cambria Math" panose="02040503050406030204" pitchFamily="18" charset="0"/>
+                                <a:cs typeface="Times New Roman" panose="02020603050405020304" pitchFamily="18" charset="0"/>
+                              </a:rPr>
+                            </m:ctrlPr>
+                          </m:sSupPr>
+                          <m:e>
+                            <m:r>
+                              <a:rPr lang="en-US" altLang="zh-CN" sz="2000" b="1" i="1">
+                                <a:solidFill>
+                                  <a:srgbClr val="FF0000"/>
+                                </a:solidFill>
+                                <a:latin typeface="Cambria Math" panose="02040503050406030204" pitchFamily="18" charset="0"/>
+                                <a:ea typeface="Cambria Math" panose="02040503050406030204" pitchFamily="18" charset="0"/>
+                                <a:cs typeface="Times New Roman" panose="02020603050405020304" pitchFamily="18" charset="0"/>
+                              </a:rPr>
+                              <m:t>𝟐</m:t>
+                            </m:r>
+                          </m:e>
+                          <m:sup>
+                            <m:r>
+                              <a:rPr lang="en-US" altLang="zh-CN" sz="2000" b="1" i="1" smtClean="0">
+                                <a:solidFill>
+                                  <a:srgbClr val="FF0000"/>
+                                </a:solidFill>
+                                <a:latin typeface="Cambria Math" panose="02040503050406030204" pitchFamily="18" charset="0"/>
+                                <a:ea typeface="Cambria Math" panose="02040503050406030204" pitchFamily="18" charset="0"/>
+                                <a:cs typeface="Times New Roman" panose="02020603050405020304" pitchFamily="18" charset="0"/>
+                              </a:rPr>
+                              <m:t>𝒌</m:t>
+                            </m:r>
+                          </m:sup>
+                        </m:sSup>
+                      </m:den>
+                    </m:f>
+                    <m:r>
+                      <a:rPr lang="en-US" altLang="zh-CN" sz="2000" b="1" i="1">
+                        <a:solidFill>
+                          <a:srgbClr val="FF0000"/>
+                        </a:solidFill>
+                        <a:latin typeface="Cambria Math" panose="02040503050406030204" pitchFamily="18" charset="0"/>
+                        <a:ea typeface="Cambria Math" panose="02040503050406030204" pitchFamily="18" charset="0"/>
+                        <a:cs typeface="Times New Roman" panose="02020603050405020304" pitchFamily="18" charset="0"/>
+                      </a:rPr>
+                      <m:t>𝒍𝒐𝒈</m:t>
+                    </m:r>
+                    <m:f>
+                      <m:fPr>
+                        <m:ctrlPr>
+                          <a:rPr lang="en-US" altLang="zh-CN" sz="2000" b="1" i="1">
+                            <a:solidFill>
+                              <a:srgbClr val="FF0000"/>
+                            </a:solidFill>
+                            <a:latin typeface="Cambria Math" panose="02040503050406030204" pitchFamily="18" charset="0"/>
+                            <a:ea typeface="Cambria Math" panose="02040503050406030204" pitchFamily="18" charset="0"/>
+                            <a:cs typeface="Times New Roman" panose="02020603050405020304" pitchFamily="18" charset="0"/>
+                          </a:rPr>
+                        </m:ctrlPr>
+                      </m:fPr>
+                      <m:num>
+                        <m:r>
+                          <a:rPr lang="en-US" altLang="zh-CN" sz="2000" b="1" i="1">
+                            <a:solidFill>
+                              <a:srgbClr val="FF0000"/>
+                            </a:solidFill>
+                            <a:latin typeface="Cambria Math" panose="02040503050406030204" pitchFamily="18" charset="0"/>
+                            <a:ea typeface="Cambria Math" panose="02040503050406030204" pitchFamily="18" charset="0"/>
+                            <a:cs typeface="Times New Roman" panose="02020603050405020304" pitchFamily="18" charset="0"/>
+                          </a:rPr>
+                          <m:t>𝒏</m:t>
+                        </m:r>
+                      </m:num>
+                      <m:den>
+                        <m:sSup>
+                          <m:sSupPr>
+                            <m:ctrlPr>
+                              <a:rPr lang="en-US" altLang="zh-CN" sz="2000" b="1" i="1">
+                                <a:solidFill>
+                                  <a:srgbClr val="FF0000"/>
+                                </a:solidFill>
+                                <a:latin typeface="Cambria Math" panose="02040503050406030204" pitchFamily="18" charset="0"/>
+                                <a:ea typeface="Cambria Math" panose="02040503050406030204" pitchFamily="18" charset="0"/>
+                                <a:cs typeface="Times New Roman" panose="02020603050405020304" pitchFamily="18" charset="0"/>
+                              </a:rPr>
+                            </m:ctrlPr>
+                          </m:sSupPr>
+                          <m:e>
+                            <m:r>
+                              <a:rPr lang="en-US" altLang="zh-CN" sz="2000" b="1" i="1">
+                                <a:solidFill>
+                                  <a:srgbClr val="FF0000"/>
+                                </a:solidFill>
+                                <a:latin typeface="Cambria Math" panose="02040503050406030204" pitchFamily="18" charset="0"/>
+                                <a:ea typeface="Cambria Math" panose="02040503050406030204" pitchFamily="18" charset="0"/>
+                                <a:cs typeface="Times New Roman" panose="02020603050405020304" pitchFamily="18" charset="0"/>
+                              </a:rPr>
+                              <m:t>𝟐</m:t>
+                            </m:r>
+                          </m:e>
+                          <m:sup>
+                            <m:r>
+                              <a:rPr lang="en-US" altLang="zh-CN" sz="2000" b="1" i="1" smtClean="0">
+                                <a:solidFill>
+                                  <a:srgbClr val="FF0000"/>
+                                </a:solidFill>
+                                <a:latin typeface="Cambria Math" panose="02040503050406030204" pitchFamily="18" charset="0"/>
+                                <a:ea typeface="Cambria Math" panose="02040503050406030204" pitchFamily="18" charset="0"/>
+                                <a:cs typeface="Times New Roman" panose="02020603050405020304" pitchFamily="18" charset="0"/>
+                              </a:rPr>
+                              <m:t>𝒌</m:t>
+                            </m:r>
+                          </m:sup>
+                        </m:sSup>
+                      </m:den>
+                    </m:f>
+                    <m:r>
+                      <a:rPr lang="en-US" altLang="zh-CN" sz="2000" b="1" i="1">
+                        <a:solidFill>
+                          <a:srgbClr val="FF0000"/>
+                        </a:solidFill>
+                        <a:latin typeface="Cambria Math" panose="02040503050406030204" pitchFamily="18" charset="0"/>
+                        <a:ea typeface="Cambria Math" panose="02040503050406030204" pitchFamily="18" charset="0"/>
+                        <a:cs typeface="Times New Roman" panose="02020603050405020304" pitchFamily="18" charset="0"/>
+                      </a:rPr>
+                      <m:t>)</m:t>
+                    </m:r>
+                  </m:oMath>
+                </a14:m>
+                <a:endParaRPr lang="zh-CN" altLang="en-US" sz="2000" b="1" dirty="0">
+                  <a:solidFill>
+                    <a:srgbClr val="FF0000"/>
+                  </a:solidFill>
+                  <a:latin typeface="Times New Roman" panose="02020603050405020304" pitchFamily="18" charset="0"/>
+                  <a:cs typeface="Times New Roman" panose="02020603050405020304" pitchFamily="18" charset="0"/>
+                </a:endParaRPr>
+              </a:p>
+            </p:txBody>
+          </p:sp>
+        </mc:Choice>
+        <mc:Fallback>
+          <p:sp>
+            <p:nvSpPr>
+              <p:cNvPr id="107" name="文本框 106"/>
+              <p:cNvSpPr txBox="1">
+                <a:spLocks noRot="1" noChangeAspect="1" noMove="1" noResize="1" noEditPoints="1" noAdjustHandles="1" noChangeArrowheads="1" noChangeShapeType="1" noTextEdit="1"/>
+              </p:cNvSpPr>
+              <p:nvPr/>
+            </p:nvSpPr>
+            <p:spPr>
+              <a:xfrm>
+                <a:off x="8132464" y="4825087"/>
+                <a:ext cx="5073279" cy="501356"/>
+              </a:xfrm>
+              <a:prstGeom prst="rect">
+                <a:avLst/>
+              </a:prstGeom>
+              <a:blipFill>
+                <a:blip r:embed="rId6"/>
+                <a:stretch>
+                  <a:fillRect b="-7500"/>
+                </a:stretch>
+              </a:blipFill>
+            </p:spPr>
+            <p:txBody>
+              <a:bodyPr/>
+              <a:lstStyle/>
+              <a:p>
+                <a:r>
+                  <a:rPr lang="zh-CN" altLang="en-US">
+                    <a:noFill/>
+                  </a:rPr>
+                  <a:t> </a:t>
+                </a:r>
+              </a:p>
+            </p:txBody>
+          </p:sp>
+        </mc:Fallback>
+      </mc:AlternateContent>
       <p:cxnSp>
         <p:nvCxnSpPr>
-          <p:cNvPr id="115" name="直接箭头连接符 114">
-            <a:extLst>
-              <a:ext uri="{FF2B5EF4-FFF2-40B4-BE49-F238E27FC236}">
-                <a16:creationId xmlns:a16="http://schemas.microsoft.com/office/drawing/2014/main" id="{777A056B-DAF4-4F5C-9D5E-BB311182C8B8}"/>
-              </a:ext>
-            </a:extLst>
-          </p:cNvPr>
-          <p:cNvCxnSpPr>
-            <a:cxnSpLocks/>
-          </p:cNvCxnSpPr>
+          <p:cNvPr id="115" name="直接箭头连接符 114"/>
+          <p:cNvCxnSpPr/>
           <p:nvPr/>
         </p:nvCxnSpPr>
         <p:spPr>
@@ -5355,17 +5516,11 @@
           </a:fontRef>
         </p:style>
       </p:cxnSp>
-      <mc:AlternateContent xmlns:mc="http://schemas.openxmlformats.org/markup-compatibility/2006" xmlns:a14="http://schemas.microsoft.com/office/drawing/2010/main">
-        <mc:Choice Requires="a14">
+      <mc:AlternateContent xmlns:mc="http://schemas.openxmlformats.org/markup-compatibility/2006">
+        <mc:Choice xmlns:a14="http://schemas.microsoft.com/office/drawing/2010/main" Requires="a14">
           <p:sp>
             <p:nvSpPr>
-              <p:cNvPr id="120" name="文本框 119">
-                <a:extLst>
-                  <a:ext uri="{FF2B5EF4-FFF2-40B4-BE49-F238E27FC236}">
-                    <a16:creationId xmlns:a16="http://schemas.microsoft.com/office/drawing/2014/main" id="{08B44FBD-11BD-466F-AC65-838F776FD6DC}"/>
-                  </a:ext>
-                </a:extLst>
-              </p:cNvPr>
+              <p:cNvPr id="120" name="文本框 119"/>
               <p:cNvSpPr txBox="1"/>
               <p:nvPr/>
             </p:nvSpPr>
@@ -5457,7 +5612,7 @@
                             </a:solidFill>
                             <a:latin typeface="Cambria Math" panose="02040503050406030204" pitchFamily="18" charset="0"/>
                           </a:rPr>
-                          <m:t>𝑏</m:t>
+                          <m:t>2</m:t>
                         </m:r>
                       </m:sub>
                     </m:sSub>
@@ -5481,7 +5636,18 @@
                         </a:solidFill>
                         <a:latin typeface="Cambria Math" panose="02040503050406030204" pitchFamily="18" charset="0"/>
                       </a:rPr>
-                      <m:t>+1 </m:t>
+                      <m:t>−</m:t>
+                    </m:r>
+                    <m:r>
+                      <a:rPr lang="en-US" altLang="zh-CN" sz="2000" b="0" i="1" smtClean="0">
+                        <a:solidFill>
+                          <a:schemeClr val="bg2">
+                            <a:lumMod val="50000"/>
+                          </a:schemeClr>
+                        </a:solidFill>
+                        <a:latin typeface="Cambria Math" panose="02040503050406030204" pitchFamily="18" charset="0"/>
+                      </a:rPr>
+                      <m:t>1 </m:t>
                     </m:r>
                   </m:oMath>
                 </a14:m>
@@ -5510,16 +5676,10 @@
             </p:txBody>
           </p:sp>
         </mc:Choice>
-        <mc:Fallback xmlns="">
+        <mc:Fallback>
           <p:sp>
             <p:nvSpPr>
-              <p:cNvPr id="120" name="文本框 119">
-                <a:extLst>
-                  <a:ext uri="{FF2B5EF4-FFF2-40B4-BE49-F238E27FC236}">
-                    <a16:creationId xmlns:a16="http://schemas.microsoft.com/office/drawing/2014/main" id="{08B44FBD-11BD-466F-AC65-838F776FD6DC}"/>
-                  </a:ext>
-                </a:extLst>
-              </p:cNvPr>
+              <p:cNvPr id="120" name="文本框 119"/>
               <p:cNvSpPr txBox="1">
                 <a:spLocks noRot="1" noChangeAspect="1" noMove="1" noResize="1" noEditPoints="1" noAdjustHandles="1" noChangeArrowheads="1" noChangeShapeType="1" noTextEdit="1"/>
               </p:cNvSpPr>
@@ -5536,7 +5696,7 @@
               <a:blipFill>
                 <a:blip r:embed="rId7"/>
                 <a:stretch>
-                  <a:fillRect l="-1748" t="-7576" b="-25758"/>
+                  <a:fillRect l="-1812" t="-9375" b="-28125"/>
                 </a:stretch>
               </a:blipFill>
             </p:spPr>
@@ -5555,12 +5715,1509 @@
           </p:sp>
         </mc:Fallback>
       </mc:AlternateContent>
+      <p:sp>
+        <p:nvSpPr>
+          <p:cNvPr id="43" name="流程图: 接点 70">
+            <a:extLst>
+              <a:ext uri="{FF2B5EF4-FFF2-40B4-BE49-F238E27FC236}">
+                <a16:creationId xmlns:a16="http://schemas.microsoft.com/office/drawing/2014/main" id="{C71193E4-B426-AB4A-9AE0-5B80D5DE6E79}"/>
+              </a:ext>
+            </a:extLst>
+          </p:cNvPr>
+          <p:cNvSpPr/>
+          <p:nvPr/>
+        </p:nvSpPr>
+        <p:spPr>
+          <a:xfrm>
+            <a:off x="2734247" y="2091189"/>
+            <a:ext cx="226609" cy="241839"/>
+          </a:xfrm>
+          <a:prstGeom prst="flowChartConnector">
+            <a:avLst/>
+          </a:prstGeom>
+          <a:solidFill>
+            <a:schemeClr val="tx1"/>
+          </a:solidFill>
+          <a:ln>
+            <a:solidFill>
+              <a:schemeClr val="tx1"/>
+            </a:solidFill>
+          </a:ln>
+        </p:spPr>
+        <p:style>
+          <a:lnRef idx="2">
+            <a:schemeClr val="accent1">
+              <a:shade val="50000"/>
+            </a:schemeClr>
+          </a:lnRef>
+          <a:fillRef idx="1">
+            <a:schemeClr val="accent1"/>
+          </a:fillRef>
+          <a:effectRef idx="0">
+            <a:schemeClr val="accent1"/>
+          </a:effectRef>
+          <a:fontRef idx="minor">
+            <a:schemeClr val="lt1"/>
+          </a:fontRef>
+        </p:style>
+        <p:txBody>
+          <a:bodyPr rtlCol="0" anchor="ctr"/>
+          <a:lstStyle/>
+          <a:p>
+            <a:pPr algn="ctr"/>
+            <a:endParaRPr lang="zh-CN" altLang="en-US"/>
+          </a:p>
+        </p:txBody>
+      </p:sp>
+      <p:sp>
+        <p:nvSpPr>
+          <p:cNvPr id="44" name="流程图: 接点 71">
+            <a:extLst>
+              <a:ext uri="{FF2B5EF4-FFF2-40B4-BE49-F238E27FC236}">
+                <a16:creationId xmlns:a16="http://schemas.microsoft.com/office/drawing/2014/main" id="{DB8927BD-AE59-A748-900A-DE072EAD251F}"/>
+              </a:ext>
+            </a:extLst>
+          </p:cNvPr>
+          <p:cNvSpPr/>
+          <p:nvPr/>
+        </p:nvSpPr>
+        <p:spPr>
+          <a:xfrm>
+            <a:off x="2118856" y="3033806"/>
+            <a:ext cx="213360" cy="233680"/>
+          </a:xfrm>
+          <a:prstGeom prst="flowChartConnector">
+            <a:avLst/>
+          </a:prstGeom>
+          <a:solidFill>
+            <a:schemeClr val="tx1"/>
+          </a:solidFill>
+          <a:ln>
+            <a:solidFill>
+              <a:schemeClr val="tx1"/>
+            </a:solidFill>
+          </a:ln>
+        </p:spPr>
+        <p:style>
+          <a:lnRef idx="2">
+            <a:schemeClr val="accent1">
+              <a:shade val="50000"/>
+            </a:schemeClr>
+          </a:lnRef>
+          <a:fillRef idx="1">
+            <a:schemeClr val="accent1"/>
+          </a:fillRef>
+          <a:effectRef idx="0">
+            <a:schemeClr val="accent1"/>
+          </a:effectRef>
+          <a:fontRef idx="minor">
+            <a:schemeClr val="lt1"/>
+          </a:fontRef>
+        </p:style>
+        <p:txBody>
+          <a:bodyPr rtlCol="0" anchor="ctr"/>
+          <a:lstStyle/>
+          <a:p>
+            <a:pPr algn="ctr"/>
+            <a:endParaRPr lang="zh-CN" altLang="en-US"/>
+          </a:p>
+        </p:txBody>
+      </p:sp>
+      <p:sp>
+        <p:nvSpPr>
+          <p:cNvPr id="45" name="流程图: 接点 72">
+            <a:extLst>
+              <a:ext uri="{FF2B5EF4-FFF2-40B4-BE49-F238E27FC236}">
+                <a16:creationId xmlns:a16="http://schemas.microsoft.com/office/drawing/2014/main" id="{1633D648-0174-E240-A70C-68DF0A816AA2}"/>
+              </a:ext>
+            </a:extLst>
+          </p:cNvPr>
+          <p:cNvSpPr/>
+          <p:nvPr/>
+        </p:nvSpPr>
+        <p:spPr>
+          <a:xfrm>
+            <a:off x="2851957" y="3006310"/>
+            <a:ext cx="213360" cy="233680"/>
+          </a:xfrm>
+          <a:prstGeom prst="flowChartConnector">
+            <a:avLst/>
+          </a:prstGeom>
+          <a:solidFill>
+            <a:schemeClr val="tx1"/>
+          </a:solidFill>
+          <a:ln>
+            <a:solidFill>
+              <a:schemeClr val="tx1"/>
+            </a:solidFill>
+          </a:ln>
+        </p:spPr>
+        <p:style>
+          <a:lnRef idx="2">
+            <a:schemeClr val="accent1">
+              <a:shade val="50000"/>
+            </a:schemeClr>
+          </a:lnRef>
+          <a:fillRef idx="1">
+            <a:schemeClr val="accent1"/>
+          </a:fillRef>
+          <a:effectRef idx="0">
+            <a:schemeClr val="accent1"/>
+          </a:effectRef>
+          <a:fontRef idx="minor">
+            <a:schemeClr val="lt1"/>
+          </a:fontRef>
+        </p:style>
+        <p:txBody>
+          <a:bodyPr rtlCol="0" anchor="ctr"/>
+          <a:lstStyle/>
+          <a:p>
+            <a:pPr algn="ctr"/>
+            <a:endParaRPr lang="zh-CN" altLang="en-US"/>
+          </a:p>
+        </p:txBody>
+      </p:sp>
+      <p:cxnSp>
+        <p:nvCxnSpPr>
+          <p:cNvPr id="46" name="直接连接符 73">
+            <a:extLst>
+              <a:ext uri="{FF2B5EF4-FFF2-40B4-BE49-F238E27FC236}">
+                <a16:creationId xmlns:a16="http://schemas.microsoft.com/office/drawing/2014/main" id="{A4E8C4C2-A58D-884A-90D8-3FC78BC7CA9A}"/>
+              </a:ext>
+            </a:extLst>
+          </p:cNvPr>
+          <p:cNvCxnSpPr>
+            <a:cxnSpLocks/>
+            <a:stCxn id="43" idx="3"/>
+            <a:endCxn id="44" idx="0"/>
+          </p:cNvCxnSpPr>
+          <p:nvPr/>
+        </p:nvCxnSpPr>
+        <p:spPr>
+          <a:xfrm flipH="1">
+            <a:off x="2225536" y="2297611"/>
+            <a:ext cx="541897" cy="736195"/>
+          </a:xfrm>
+          <a:prstGeom prst="line">
+            <a:avLst/>
+          </a:prstGeom>
+          <a:ln>
+            <a:solidFill>
+              <a:schemeClr val="tx1"/>
+            </a:solidFill>
+          </a:ln>
+        </p:spPr>
+        <p:style>
+          <a:lnRef idx="1">
+            <a:schemeClr val="accent1"/>
+          </a:lnRef>
+          <a:fillRef idx="0">
+            <a:schemeClr val="accent1"/>
+          </a:fillRef>
+          <a:effectRef idx="0">
+            <a:schemeClr val="accent1"/>
+          </a:effectRef>
+          <a:fontRef idx="minor">
+            <a:schemeClr val="tx1"/>
+          </a:fontRef>
+        </p:style>
+      </p:cxnSp>
+      <p:cxnSp>
+        <p:nvCxnSpPr>
+          <p:cNvPr id="47" name="直接连接符 74">
+            <a:extLst>
+              <a:ext uri="{FF2B5EF4-FFF2-40B4-BE49-F238E27FC236}">
+                <a16:creationId xmlns:a16="http://schemas.microsoft.com/office/drawing/2014/main" id="{35B6D800-C233-1E4B-97FC-6FD90A32DF6F}"/>
+              </a:ext>
+            </a:extLst>
+          </p:cNvPr>
+          <p:cNvCxnSpPr>
+            <a:cxnSpLocks/>
+            <a:stCxn id="43" idx="5"/>
+            <a:endCxn id="45" idx="0"/>
+          </p:cNvCxnSpPr>
+          <p:nvPr/>
+        </p:nvCxnSpPr>
+        <p:spPr>
+          <a:xfrm>
+            <a:off x="2927670" y="2297611"/>
+            <a:ext cx="30967" cy="708699"/>
+          </a:xfrm>
+          <a:prstGeom prst="line">
+            <a:avLst/>
+          </a:prstGeom>
+          <a:ln>
+            <a:solidFill>
+              <a:schemeClr val="tx1"/>
+            </a:solidFill>
+          </a:ln>
+        </p:spPr>
+        <p:style>
+          <a:lnRef idx="1">
+            <a:schemeClr val="accent1"/>
+          </a:lnRef>
+          <a:fillRef idx="0">
+            <a:schemeClr val="accent1"/>
+          </a:fillRef>
+          <a:effectRef idx="0">
+            <a:schemeClr val="accent1"/>
+          </a:effectRef>
+          <a:fontRef idx="minor">
+            <a:schemeClr val="tx1"/>
+          </a:fontRef>
+        </p:style>
+      </p:cxnSp>
+      <p:sp>
+        <p:nvSpPr>
+          <p:cNvPr id="49" name="流程图: 接点 75">
+            <a:extLst>
+              <a:ext uri="{FF2B5EF4-FFF2-40B4-BE49-F238E27FC236}">
+                <a16:creationId xmlns:a16="http://schemas.microsoft.com/office/drawing/2014/main" id="{4B14124B-4FCD-C744-9E27-43CDDEBFAA51}"/>
+              </a:ext>
+            </a:extLst>
+          </p:cNvPr>
+          <p:cNvSpPr/>
+          <p:nvPr/>
+        </p:nvSpPr>
+        <p:spPr>
+          <a:xfrm>
+            <a:off x="3751054" y="2114339"/>
+            <a:ext cx="213360" cy="233680"/>
+          </a:xfrm>
+          <a:prstGeom prst="flowChartConnector">
+            <a:avLst/>
+          </a:prstGeom>
+          <a:solidFill>
+            <a:schemeClr val="tx1"/>
+          </a:solidFill>
+          <a:ln>
+            <a:solidFill>
+              <a:schemeClr val="tx1"/>
+            </a:solidFill>
+          </a:ln>
+        </p:spPr>
+        <p:style>
+          <a:lnRef idx="2">
+            <a:schemeClr val="accent1">
+              <a:shade val="50000"/>
+            </a:schemeClr>
+          </a:lnRef>
+          <a:fillRef idx="1">
+            <a:schemeClr val="accent1"/>
+          </a:fillRef>
+          <a:effectRef idx="0">
+            <a:schemeClr val="accent1"/>
+          </a:effectRef>
+          <a:fontRef idx="minor">
+            <a:schemeClr val="lt1"/>
+          </a:fontRef>
+        </p:style>
+        <p:txBody>
+          <a:bodyPr rtlCol="0" anchor="ctr"/>
+          <a:lstStyle/>
+          <a:p>
+            <a:pPr algn="ctr"/>
+            <a:endParaRPr lang="zh-CN" altLang="en-US"/>
+          </a:p>
+        </p:txBody>
+      </p:sp>
+      <p:sp>
+        <p:nvSpPr>
+          <p:cNvPr id="50" name="流程图: 接点 76">
+            <a:extLst>
+              <a:ext uri="{FF2B5EF4-FFF2-40B4-BE49-F238E27FC236}">
+                <a16:creationId xmlns:a16="http://schemas.microsoft.com/office/drawing/2014/main" id="{645A7A46-B3CF-8545-8C3A-92A161C4CF17}"/>
+              </a:ext>
+            </a:extLst>
+          </p:cNvPr>
+          <p:cNvSpPr/>
+          <p:nvPr/>
+        </p:nvSpPr>
+        <p:spPr>
+          <a:xfrm>
+            <a:off x="3373878" y="3039215"/>
+            <a:ext cx="213360" cy="233680"/>
+          </a:xfrm>
+          <a:prstGeom prst="flowChartConnector">
+            <a:avLst/>
+          </a:prstGeom>
+          <a:solidFill>
+            <a:schemeClr val="tx1"/>
+          </a:solidFill>
+          <a:ln>
+            <a:solidFill>
+              <a:schemeClr val="tx1"/>
+            </a:solidFill>
+          </a:ln>
+        </p:spPr>
+        <p:style>
+          <a:lnRef idx="2">
+            <a:schemeClr val="accent1">
+              <a:shade val="50000"/>
+            </a:schemeClr>
+          </a:lnRef>
+          <a:fillRef idx="1">
+            <a:schemeClr val="accent1"/>
+          </a:fillRef>
+          <a:effectRef idx="0">
+            <a:schemeClr val="accent1"/>
+          </a:effectRef>
+          <a:fontRef idx="minor">
+            <a:schemeClr val="lt1"/>
+          </a:fontRef>
+        </p:style>
+        <p:txBody>
+          <a:bodyPr rtlCol="0" anchor="ctr"/>
+          <a:lstStyle/>
+          <a:p>
+            <a:pPr algn="ctr"/>
+            <a:endParaRPr lang="zh-CN" altLang="en-US"/>
+          </a:p>
+        </p:txBody>
+      </p:sp>
+      <p:sp>
+        <p:nvSpPr>
+          <p:cNvPr id="51" name="流程图: 接点 77">
+            <a:extLst>
+              <a:ext uri="{FF2B5EF4-FFF2-40B4-BE49-F238E27FC236}">
+                <a16:creationId xmlns:a16="http://schemas.microsoft.com/office/drawing/2014/main" id="{1360BC3B-8783-8241-8F5D-E98601884E64}"/>
+              </a:ext>
+            </a:extLst>
+          </p:cNvPr>
+          <p:cNvSpPr/>
+          <p:nvPr/>
+        </p:nvSpPr>
+        <p:spPr>
+          <a:xfrm>
+            <a:off x="3986077" y="3035164"/>
+            <a:ext cx="213360" cy="233680"/>
+          </a:xfrm>
+          <a:prstGeom prst="flowChartConnector">
+            <a:avLst/>
+          </a:prstGeom>
+          <a:solidFill>
+            <a:schemeClr val="tx1"/>
+          </a:solidFill>
+          <a:ln>
+            <a:solidFill>
+              <a:schemeClr val="tx1"/>
+            </a:solidFill>
+          </a:ln>
+        </p:spPr>
+        <p:style>
+          <a:lnRef idx="2">
+            <a:schemeClr val="accent1">
+              <a:shade val="50000"/>
+            </a:schemeClr>
+          </a:lnRef>
+          <a:fillRef idx="1">
+            <a:schemeClr val="accent1"/>
+          </a:fillRef>
+          <a:effectRef idx="0">
+            <a:schemeClr val="accent1"/>
+          </a:effectRef>
+          <a:fontRef idx="minor">
+            <a:schemeClr val="lt1"/>
+          </a:fontRef>
+        </p:style>
+        <p:txBody>
+          <a:bodyPr rtlCol="0" anchor="ctr"/>
+          <a:lstStyle/>
+          <a:p>
+            <a:pPr algn="ctr"/>
+            <a:endParaRPr lang="zh-CN" altLang="en-US"/>
+          </a:p>
+        </p:txBody>
+      </p:sp>
+      <p:cxnSp>
+        <p:nvCxnSpPr>
+          <p:cNvPr id="53" name="直接连接符 78">
+            <a:extLst>
+              <a:ext uri="{FF2B5EF4-FFF2-40B4-BE49-F238E27FC236}">
+                <a16:creationId xmlns:a16="http://schemas.microsoft.com/office/drawing/2014/main" id="{A989D3B7-7A24-384A-A95C-486B0EAE8802}"/>
+              </a:ext>
+            </a:extLst>
+          </p:cNvPr>
+          <p:cNvCxnSpPr>
+            <a:stCxn id="49" idx="3"/>
+            <a:endCxn id="50" idx="0"/>
+          </p:cNvCxnSpPr>
+          <p:nvPr/>
+        </p:nvCxnSpPr>
+        <p:spPr>
+          <a:xfrm flipH="1">
+            <a:off x="3480558" y="2313797"/>
+            <a:ext cx="301742" cy="725418"/>
+          </a:xfrm>
+          <a:prstGeom prst="line">
+            <a:avLst/>
+          </a:prstGeom>
+          <a:ln>
+            <a:solidFill>
+              <a:schemeClr val="tx1"/>
+            </a:solidFill>
+          </a:ln>
+        </p:spPr>
+        <p:style>
+          <a:lnRef idx="1">
+            <a:schemeClr val="accent1"/>
+          </a:lnRef>
+          <a:fillRef idx="0">
+            <a:schemeClr val="accent1"/>
+          </a:fillRef>
+          <a:effectRef idx="0">
+            <a:schemeClr val="accent1"/>
+          </a:effectRef>
+          <a:fontRef idx="minor">
+            <a:schemeClr val="tx1"/>
+          </a:fontRef>
+        </p:style>
+      </p:cxnSp>
+      <p:cxnSp>
+        <p:nvCxnSpPr>
+          <p:cNvPr id="54" name="直接连接符 79">
+            <a:extLst>
+              <a:ext uri="{FF2B5EF4-FFF2-40B4-BE49-F238E27FC236}">
+                <a16:creationId xmlns:a16="http://schemas.microsoft.com/office/drawing/2014/main" id="{AE7F641A-EFD5-7D45-A371-8E23FA58E084}"/>
+              </a:ext>
+            </a:extLst>
+          </p:cNvPr>
+          <p:cNvCxnSpPr>
+            <a:stCxn id="49" idx="5"/>
+            <a:endCxn id="51" idx="0"/>
+          </p:cNvCxnSpPr>
+          <p:nvPr/>
+        </p:nvCxnSpPr>
+        <p:spPr>
+          <a:xfrm>
+            <a:off x="3933168" y="2313797"/>
+            <a:ext cx="159589" cy="721367"/>
+          </a:xfrm>
+          <a:prstGeom prst="line">
+            <a:avLst/>
+          </a:prstGeom>
+          <a:ln>
+            <a:solidFill>
+              <a:schemeClr val="tx1"/>
+            </a:solidFill>
+          </a:ln>
+        </p:spPr>
+        <p:style>
+          <a:lnRef idx="1">
+            <a:schemeClr val="accent1"/>
+          </a:lnRef>
+          <a:fillRef idx="0">
+            <a:schemeClr val="accent1"/>
+          </a:fillRef>
+          <a:effectRef idx="0">
+            <a:schemeClr val="accent1"/>
+          </a:effectRef>
+          <a:fontRef idx="minor">
+            <a:schemeClr val="tx1"/>
+          </a:fontRef>
+        </p:style>
+      </p:cxnSp>
+      <p:sp>
+        <p:nvSpPr>
+          <p:cNvPr id="55" name="流程图: 接点 70">
+            <a:extLst>
+              <a:ext uri="{FF2B5EF4-FFF2-40B4-BE49-F238E27FC236}">
+                <a16:creationId xmlns:a16="http://schemas.microsoft.com/office/drawing/2014/main" id="{27515E26-AEA3-744A-AA92-D68184AF4E5C}"/>
+              </a:ext>
+            </a:extLst>
+          </p:cNvPr>
+          <p:cNvSpPr/>
+          <p:nvPr/>
+        </p:nvSpPr>
+        <p:spPr>
+          <a:xfrm>
+            <a:off x="4664982" y="2055398"/>
+            <a:ext cx="213360" cy="233680"/>
+          </a:xfrm>
+          <a:prstGeom prst="flowChartConnector">
+            <a:avLst/>
+          </a:prstGeom>
+          <a:solidFill>
+            <a:schemeClr val="tx1"/>
+          </a:solidFill>
+          <a:ln>
+            <a:solidFill>
+              <a:schemeClr val="tx1"/>
+            </a:solidFill>
+          </a:ln>
+        </p:spPr>
+        <p:style>
+          <a:lnRef idx="2">
+            <a:schemeClr val="accent1">
+              <a:shade val="50000"/>
+            </a:schemeClr>
+          </a:lnRef>
+          <a:fillRef idx="1">
+            <a:schemeClr val="accent1"/>
+          </a:fillRef>
+          <a:effectRef idx="0">
+            <a:schemeClr val="accent1"/>
+          </a:effectRef>
+          <a:fontRef idx="minor">
+            <a:schemeClr val="lt1"/>
+          </a:fontRef>
+        </p:style>
+        <p:txBody>
+          <a:bodyPr rtlCol="0" anchor="ctr"/>
+          <a:lstStyle/>
+          <a:p>
+            <a:pPr algn="ctr"/>
+            <a:endParaRPr lang="zh-CN" altLang="en-US"/>
+          </a:p>
+        </p:txBody>
+      </p:sp>
+      <p:sp>
+        <p:nvSpPr>
+          <p:cNvPr id="56" name="流程图: 接点 71">
+            <a:extLst>
+              <a:ext uri="{FF2B5EF4-FFF2-40B4-BE49-F238E27FC236}">
+                <a16:creationId xmlns:a16="http://schemas.microsoft.com/office/drawing/2014/main" id="{AE700B76-9973-2143-9283-D7B249135F61}"/>
+              </a:ext>
+            </a:extLst>
+          </p:cNvPr>
+          <p:cNvSpPr/>
+          <p:nvPr/>
+        </p:nvSpPr>
+        <p:spPr>
+          <a:xfrm>
+            <a:off x="4558302" y="3008899"/>
+            <a:ext cx="213360" cy="233680"/>
+          </a:xfrm>
+          <a:prstGeom prst="flowChartConnector">
+            <a:avLst/>
+          </a:prstGeom>
+          <a:solidFill>
+            <a:schemeClr val="tx1"/>
+          </a:solidFill>
+          <a:ln>
+            <a:solidFill>
+              <a:schemeClr val="tx1"/>
+            </a:solidFill>
+          </a:ln>
+        </p:spPr>
+        <p:style>
+          <a:lnRef idx="2">
+            <a:schemeClr val="accent1">
+              <a:shade val="50000"/>
+            </a:schemeClr>
+          </a:lnRef>
+          <a:fillRef idx="1">
+            <a:schemeClr val="accent1"/>
+          </a:fillRef>
+          <a:effectRef idx="0">
+            <a:schemeClr val="accent1"/>
+          </a:effectRef>
+          <a:fontRef idx="minor">
+            <a:schemeClr val="lt1"/>
+          </a:fontRef>
+        </p:style>
+        <p:txBody>
+          <a:bodyPr rtlCol="0" anchor="ctr"/>
+          <a:lstStyle/>
+          <a:p>
+            <a:pPr algn="ctr"/>
+            <a:endParaRPr lang="zh-CN" altLang="en-US"/>
+          </a:p>
+        </p:txBody>
+      </p:sp>
+      <p:sp>
+        <p:nvSpPr>
+          <p:cNvPr id="57" name="流程图: 接点 72">
+            <a:extLst>
+              <a:ext uri="{FF2B5EF4-FFF2-40B4-BE49-F238E27FC236}">
+                <a16:creationId xmlns:a16="http://schemas.microsoft.com/office/drawing/2014/main" id="{D8D9E733-FA0C-2C4E-9BE7-DB09C1746120}"/>
+              </a:ext>
+            </a:extLst>
+          </p:cNvPr>
+          <p:cNvSpPr/>
+          <p:nvPr/>
+        </p:nvSpPr>
+        <p:spPr>
+          <a:xfrm>
+            <a:off x="5266824" y="2988797"/>
+            <a:ext cx="213360" cy="233680"/>
+          </a:xfrm>
+          <a:prstGeom prst="flowChartConnector">
+            <a:avLst/>
+          </a:prstGeom>
+          <a:solidFill>
+            <a:schemeClr val="tx1"/>
+          </a:solidFill>
+          <a:ln>
+            <a:solidFill>
+              <a:schemeClr val="tx1"/>
+            </a:solidFill>
+          </a:ln>
+        </p:spPr>
+        <p:style>
+          <a:lnRef idx="2">
+            <a:schemeClr val="accent1">
+              <a:shade val="50000"/>
+            </a:schemeClr>
+          </a:lnRef>
+          <a:fillRef idx="1">
+            <a:schemeClr val="accent1"/>
+          </a:fillRef>
+          <a:effectRef idx="0">
+            <a:schemeClr val="accent1"/>
+          </a:effectRef>
+          <a:fontRef idx="minor">
+            <a:schemeClr val="lt1"/>
+          </a:fontRef>
+        </p:style>
+        <p:txBody>
+          <a:bodyPr rtlCol="0" anchor="ctr"/>
+          <a:lstStyle/>
+          <a:p>
+            <a:pPr algn="ctr"/>
+            <a:endParaRPr lang="zh-CN" altLang="en-US"/>
+          </a:p>
+        </p:txBody>
+      </p:sp>
+      <p:cxnSp>
+        <p:nvCxnSpPr>
+          <p:cNvPr id="58" name="直接连接符 73">
+            <a:extLst>
+              <a:ext uri="{FF2B5EF4-FFF2-40B4-BE49-F238E27FC236}">
+                <a16:creationId xmlns:a16="http://schemas.microsoft.com/office/drawing/2014/main" id="{25873824-8437-9C40-B91F-743F1DA2BBFC}"/>
+              </a:ext>
+            </a:extLst>
+          </p:cNvPr>
+          <p:cNvCxnSpPr>
+            <a:stCxn id="55" idx="3"/>
+            <a:endCxn id="56" idx="0"/>
+          </p:cNvCxnSpPr>
+          <p:nvPr/>
+        </p:nvCxnSpPr>
+        <p:spPr>
+          <a:xfrm flipH="1">
+            <a:off x="4664982" y="2254856"/>
+            <a:ext cx="31246" cy="754043"/>
+          </a:xfrm>
+          <a:prstGeom prst="line">
+            <a:avLst/>
+          </a:prstGeom>
+          <a:ln>
+            <a:solidFill>
+              <a:schemeClr val="tx1"/>
+            </a:solidFill>
+          </a:ln>
+        </p:spPr>
+        <p:style>
+          <a:lnRef idx="1">
+            <a:schemeClr val="accent1"/>
+          </a:lnRef>
+          <a:fillRef idx="0">
+            <a:schemeClr val="accent1"/>
+          </a:fillRef>
+          <a:effectRef idx="0">
+            <a:schemeClr val="accent1"/>
+          </a:effectRef>
+          <a:fontRef idx="minor">
+            <a:schemeClr val="tx1"/>
+          </a:fontRef>
+        </p:style>
+      </p:cxnSp>
+      <p:cxnSp>
+        <p:nvCxnSpPr>
+          <p:cNvPr id="59" name="直接连接符 74">
+            <a:extLst>
+              <a:ext uri="{FF2B5EF4-FFF2-40B4-BE49-F238E27FC236}">
+                <a16:creationId xmlns:a16="http://schemas.microsoft.com/office/drawing/2014/main" id="{2415A36D-13F8-8B46-9FCB-804CA4FD6C98}"/>
+              </a:ext>
+            </a:extLst>
+          </p:cNvPr>
+          <p:cNvCxnSpPr>
+            <a:stCxn id="55" idx="5"/>
+            <a:endCxn id="57" idx="0"/>
+          </p:cNvCxnSpPr>
+          <p:nvPr/>
+        </p:nvCxnSpPr>
+        <p:spPr>
+          <a:xfrm>
+            <a:off x="4847096" y="2254856"/>
+            <a:ext cx="526408" cy="733941"/>
+          </a:xfrm>
+          <a:prstGeom prst="line">
+            <a:avLst/>
+          </a:prstGeom>
+          <a:ln>
+            <a:solidFill>
+              <a:schemeClr val="tx1"/>
+            </a:solidFill>
+          </a:ln>
+        </p:spPr>
+        <p:style>
+          <a:lnRef idx="1">
+            <a:schemeClr val="accent1"/>
+          </a:lnRef>
+          <a:fillRef idx="0">
+            <a:schemeClr val="accent1"/>
+          </a:fillRef>
+          <a:effectRef idx="0">
+            <a:schemeClr val="accent1"/>
+          </a:effectRef>
+          <a:fontRef idx="minor">
+            <a:schemeClr val="tx1"/>
+          </a:fontRef>
+        </p:style>
+      </p:cxnSp>
+      <p:sp>
+        <p:nvSpPr>
+          <p:cNvPr id="60" name="流程图: 接点 75">
+            <a:extLst>
+              <a:ext uri="{FF2B5EF4-FFF2-40B4-BE49-F238E27FC236}">
+                <a16:creationId xmlns:a16="http://schemas.microsoft.com/office/drawing/2014/main" id="{62780DE1-56BD-9C49-876B-9469BF36977B}"/>
+              </a:ext>
+            </a:extLst>
+          </p:cNvPr>
+          <p:cNvSpPr/>
+          <p:nvPr/>
+        </p:nvSpPr>
+        <p:spPr>
+          <a:xfrm>
+            <a:off x="5609505" y="2047240"/>
+            <a:ext cx="213360" cy="233680"/>
+          </a:xfrm>
+          <a:prstGeom prst="flowChartConnector">
+            <a:avLst/>
+          </a:prstGeom>
+          <a:solidFill>
+            <a:schemeClr val="tx1"/>
+          </a:solidFill>
+          <a:ln>
+            <a:solidFill>
+              <a:schemeClr val="tx1"/>
+            </a:solidFill>
+          </a:ln>
+        </p:spPr>
+        <p:style>
+          <a:lnRef idx="2">
+            <a:schemeClr val="accent1">
+              <a:shade val="50000"/>
+            </a:schemeClr>
+          </a:lnRef>
+          <a:fillRef idx="1">
+            <a:schemeClr val="accent1"/>
+          </a:fillRef>
+          <a:effectRef idx="0">
+            <a:schemeClr val="accent1"/>
+          </a:effectRef>
+          <a:fontRef idx="minor">
+            <a:schemeClr val="lt1"/>
+          </a:fontRef>
+        </p:style>
+        <p:txBody>
+          <a:bodyPr rtlCol="0" anchor="ctr"/>
+          <a:lstStyle/>
+          <a:p>
+            <a:pPr algn="ctr"/>
+            <a:endParaRPr lang="zh-CN" altLang="en-US"/>
+          </a:p>
+        </p:txBody>
+      </p:sp>
+      <p:sp>
+        <p:nvSpPr>
+          <p:cNvPr id="61" name="流程图: 接点 76">
+            <a:extLst>
+              <a:ext uri="{FF2B5EF4-FFF2-40B4-BE49-F238E27FC236}">
+                <a16:creationId xmlns:a16="http://schemas.microsoft.com/office/drawing/2014/main" id="{250C78D4-9B8C-E243-A248-CAA436542313}"/>
+              </a:ext>
+            </a:extLst>
+          </p:cNvPr>
+          <p:cNvSpPr/>
+          <p:nvPr/>
+        </p:nvSpPr>
+        <p:spPr>
+          <a:xfrm>
+            <a:off x="5747915" y="2988797"/>
+            <a:ext cx="213360" cy="233680"/>
+          </a:xfrm>
+          <a:prstGeom prst="flowChartConnector">
+            <a:avLst/>
+          </a:prstGeom>
+          <a:solidFill>
+            <a:schemeClr val="tx1"/>
+          </a:solidFill>
+          <a:ln>
+            <a:solidFill>
+              <a:schemeClr val="tx1"/>
+            </a:solidFill>
+          </a:ln>
+        </p:spPr>
+        <p:style>
+          <a:lnRef idx="2">
+            <a:schemeClr val="accent1">
+              <a:shade val="50000"/>
+            </a:schemeClr>
+          </a:lnRef>
+          <a:fillRef idx="1">
+            <a:schemeClr val="accent1"/>
+          </a:fillRef>
+          <a:effectRef idx="0">
+            <a:schemeClr val="accent1"/>
+          </a:effectRef>
+          <a:fontRef idx="minor">
+            <a:schemeClr val="lt1"/>
+          </a:fontRef>
+        </p:style>
+        <p:txBody>
+          <a:bodyPr rtlCol="0" anchor="ctr"/>
+          <a:lstStyle/>
+          <a:p>
+            <a:pPr algn="ctr"/>
+            <a:endParaRPr lang="zh-CN" altLang="en-US"/>
+          </a:p>
+        </p:txBody>
+      </p:sp>
+      <p:sp>
+        <p:nvSpPr>
+          <p:cNvPr id="62" name="流程图: 接点 77">
+            <a:extLst>
+              <a:ext uri="{FF2B5EF4-FFF2-40B4-BE49-F238E27FC236}">
+                <a16:creationId xmlns:a16="http://schemas.microsoft.com/office/drawing/2014/main" id="{28C0BC48-5688-6141-883A-05A6E0632CF8}"/>
+              </a:ext>
+            </a:extLst>
+          </p:cNvPr>
+          <p:cNvSpPr/>
+          <p:nvPr/>
+        </p:nvSpPr>
+        <p:spPr>
+          <a:xfrm>
+            <a:off x="6605138" y="3003482"/>
+            <a:ext cx="213360" cy="233680"/>
+          </a:xfrm>
+          <a:prstGeom prst="flowChartConnector">
+            <a:avLst/>
+          </a:prstGeom>
+          <a:solidFill>
+            <a:schemeClr val="tx1"/>
+          </a:solidFill>
+          <a:ln>
+            <a:solidFill>
+              <a:schemeClr val="tx1"/>
+            </a:solidFill>
+          </a:ln>
+        </p:spPr>
+        <p:style>
+          <a:lnRef idx="2">
+            <a:schemeClr val="accent1">
+              <a:shade val="50000"/>
+            </a:schemeClr>
+          </a:lnRef>
+          <a:fillRef idx="1">
+            <a:schemeClr val="accent1"/>
+          </a:fillRef>
+          <a:effectRef idx="0">
+            <a:schemeClr val="accent1"/>
+          </a:effectRef>
+          <a:fontRef idx="minor">
+            <a:schemeClr val="lt1"/>
+          </a:fontRef>
+        </p:style>
+        <p:txBody>
+          <a:bodyPr rtlCol="0" anchor="ctr"/>
+          <a:lstStyle/>
+          <a:p>
+            <a:pPr algn="ctr"/>
+            <a:endParaRPr lang="zh-CN" altLang="en-US"/>
+          </a:p>
+        </p:txBody>
+      </p:sp>
+      <p:cxnSp>
+        <p:nvCxnSpPr>
+          <p:cNvPr id="63" name="直接连接符 78">
+            <a:extLst>
+              <a:ext uri="{FF2B5EF4-FFF2-40B4-BE49-F238E27FC236}">
+                <a16:creationId xmlns:a16="http://schemas.microsoft.com/office/drawing/2014/main" id="{A5D4B286-2942-6F4B-ABFB-5AC5D2E359D8}"/>
+              </a:ext>
+            </a:extLst>
+          </p:cNvPr>
+          <p:cNvCxnSpPr>
+            <a:stCxn id="60" idx="3"/>
+            <a:endCxn id="61" idx="0"/>
+          </p:cNvCxnSpPr>
+          <p:nvPr/>
+        </p:nvCxnSpPr>
+        <p:spPr>
+          <a:xfrm>
+            <a:off x="5640751" y="2246698"/>
+            <a:ext cx="213844" cy="742099"/>
+          </a:xfrm>
+          <a:prstGeom prst="line">
+            <a:avLst/>
+          </a:prstGeom>
+          <a:ln>
+            <a:solidFill>
+              <a:schemeClr val="tx1"/>
+            </a:solidFill>
+          </a:ln>
+        </p:spPr>
+        <p:style>
+          <a:lnRef idx="1">
+            <a:schemeClr val="accent1"/>
+          </a:lnRef>
+          <a:fillRef idx="0">
+            <a:schemeClr val="accent1"/>
+          </a:fillRef>
+          <a:effectRef idx="0">
+            <a:schemeClr val="accent1"/>
+          </a:effectRef>
+          <a:fontRef idx="minor">
+            <a:schemeClr val="tx1"/>
+          </a:fontRef>
+        </p:style>
+      </p:cxnSp>
+      <p:cxnSp>
+        <p:nvCxnSpPr>
+          <p:cNvPr id="64" name="直接连接符 79">
+            <a:extLst>
+              <a:ext uri="{FF2B5EF4-FFF2-40B4-BE49-F238E27FC236}">
+                <a16:creationId xmlns:a16="http://schemas.microsoft.com/office/drawing/2014/main" id="{2E366EB6-B2E6-0B4D-B281-7C160AD83793}"/>
+              </a:ext>
+            </a:extLst>
+          </p:cNvPr>
+          <p:cNvCxnSpPr>
+            <a:stCxn id="60" idx="5"/>
+            <a:endCxn id="62" idx="0"/>
+          </p:cNvCxnSpPr>
+          <p:nvPr/>
+        </p:nvCxnSpPr>
+        <p:spPr>
+          <a:xfrm>
+            <a:off x="5791619" y="2246698"/>
+            <a:ext cx="920199" cy="756784"/>
+          </a:xfrm>
+          <a:prstGeom prst="line">
+            <a:avLst/>
+          </a:prstGeom>
+          <a:ln>
+            <a:solidFill>
+              <a:schemeClr val="tx1"/>
+            </a:solidFill>
+          </a:ln>
+        </p:spPr>
+        <p:style>
+          <a:lnRef idx="1">
+            <a:schemeClr val="accent1"/>
+          </a:lnRef>
+          <a:fillRef idx="0">
+            <a:schemeClr val="accent1"/>
+          </a:fillRef>
+          <a:effectRef idx="0">
+            <a:schemeClr val="accent1"/>
+          </a:effectRef>
+          <a:fontRef idx="minor">
+            <a:schemeClr val="tx1"/>
+          </a:fontRef>
+        </p:style>
+      </p:cxnSp>
+      <p:sp>
+        <p:nvSpPr>
+          <p:cNvPr id="125" name="流程图: 接点 75">
+            <a:extLst>
+              <a:ext uri="{FF2B5EF4-FFF2-40B4-BE49-F238E27FC236}">
+                <a16:creationId xmlns:a16="http://schemas.microsoft.com/office/drawing/2014/main" id="{37D57E65-0EA5-5F4D-8A28-F43CDC7DEE90}"/>
+              </a:ext>
+            </a:extLst>
+          </p:cNvPr>
+          <p:cNvSpPr/>
+          <p:nvPr/>
+        </p:nvSpPr>
+        <p:spPr>
+          <a:xfrm>
+            <a:off x="4727985" y="4409549"/>
+            <a:ext cx="213360" cy="233680"/>
+          </a:xfrm>
+          <a:prstGeom prst="flowChartConnector">
+            <a:avLst/>
+          </a:prstGeom>
+          <a:solidFill>
+            <a:schemeClr val="tx1"/>
+          </a:solidFill>
+          <a:ln>
+            <a:solidFill>
+              <a:schemeClr val="tx1"/>
+            </a:solidFill>
+          </a:ln>
+        </p:spPr>
+        <p:style>
+          <a:lnRef idx="2">
+            <a:schemeClr val="accent1">
+              <a:shade val="50000"/>
+            </a:schemeClr>
+          </a:lnRef>
+          <a:fillRef idx="1">
+            <a:schemeClr val="accent1"/>
+          </a:fillRef>
+          <a:effectRef idx="0">
+            <a:schemeClr val="accent1"/>
+          </a:effectRef>
+          <a:fontRef idx="minor">
+            <a:schemeClr val="lt1"/>
+          </a:fontRef>
+        </p:style>
+        <p:txBody>
+          <a:bodyPr rtlCol="0" anchor="ctr"/>
+          <a:lstStyle/>
+          <a:p>
+            <a:pPr algn="ctr"/>
+            <a:endParaRPr lang="zh-CN" altLang="en-US"/>
+          </a:p>
+        </p:txBody>
+      </p:sp>
+      <p:sp>
+        <p:nvSpPr>
+          <p:cNvPr id="126" name="流程图: 接点 76">
+            <a:extLst>
+              <a:ext uri="{FF2B5EF4-FFF2-40B4-BE49-F238E27FC236}">
+                <a16:creationId xmlns:a16="http://schemas.microsoft.com/office/drawing/2014/main" id="{155CFECE-39B4-0E4C-9267-328D750AD795}"/>
+              </a:ext>
+            </a:extLst>
+          </p:cNvPr>
+          <p:cNvSpPr/>
+          <p:nvPr/>
+        </p:nvSpPr>
+        <p:spPr>
+          <a:xfrm>
+            <a:off x="4282719" y="5127167"/>
+            <a:ext cx="213360" cy="233680"/>
+          </a:xfrm>
+          <a:prstGeom prst="flowChartConnector">
+            <a:avLst/>
+          </a:prstGeom>
+          <a:solidFill>
+            <a:schemeClr val="tx1"/>
+          </a:solidFill>
+          <a:ln>
+            <a:solidFill>
+              <a:schemeClr val="tx1"/>
+            </a:solidFill>
+          </a:ln>
+        </p:spPr>
+        <p:style>
+          <a:lnRef idx="2">
+            <a:schemeClr val="accent1">
+              <a:shade val="50000"/>
+            </a:schemeClr>
+          </a:lnRef>
+          <a:fillRef idx="1">
+            <a:schemeClr val="accent1"/>
+          </a:fillRef>
+          <a:effectRef idx="0">
+            <a:schemeClr val="accent1"/>
+          </a:effectRef>
+          <a:fontRef idx="minor">
+            <a:schemeClr val="lt1"/>
+          </a:fontRef>
+        </p:style>
+        <p:txBody>
+          <a:bodyPr rtlCol="0" anchor="ctr"/>
+          <a:lstStyle/>
+          <a:p>
+            <a:pPr algn="ctr"/>
+            <a:endParaRPr lang="zh-CN" altLang="en-US"/>
+          </a:p>
+        </p:txBody>
+      </p:sp>
+      <p:sp>
+        <p:nvSpPr>
+          <p:cNvPr id="127" name="流程图: 接点 77">
+            <a:extLst>
+              <a:ext uri="{FF2B5EF4-FFF2-40B4-BE49-F238E27FC236}">
+                <a16:creationId xmlns:a16="http://schemas.microsoft.com/office/drawing/2014/main" id="{9185FFB2-3813-0244-8316-B0DDB99DA9CE}"/>
+              </a:ext>
+            </a:extLst>
+          </p:cNvPr>
+          <p:cNvSpPr/>
+          <p:nvPr/>
+        </p:nvSpPr>
+        <p:spPr>
+          <a:xfrm>
+            <a:off x="5051835" y="5137327"/>
+            <a:ext cx="213360" cy="233680"/>
+          </a:xfrm>
+          <a:prstGeom prst="flowChartConnector">
+            <a:avLst/>
+          </a:prstGeom>
+          <a:solidFill>
+            <a:schemeClr val="tx1"/>
+          </a:solidFill>
+          <a:ln>
+            <a:solidFill>
+              <a:schemeClr val="tx1"/>
+            </a:solidFill>
+          </a:ln>
+        </p:spPr>
+        <p:style>
+          <a:lnRef idx="2">
+            <a:schemeClr val="accent1">
+              <a:shade val="50000"/>
+            </a:schemeClr>
+          </a:lnRef>
+          <a:fillRef idx="1">
+            <a:schemeClr val="accent1"/>
+          </a:fillRef>
+          <a:effectRef idx="0">
+            <a:schemeClr val="accent1"/>
+          </a:effectRef>
+          <a:fontRef idx="minor">
+            <a:schemeClr val="lt1"/>
+          </a:fontRef>
+        </p:style>
+        <p:txBody>
+          <a:bodyPr rtlCol="0" anchor="ctr"/>
+          <a:lstStyle/>
+          <a:p>
+            <a:pPr algn="ctr"/>
+            <a:endParaRPr lang="zh-CN" altLang="en-US"/>
+          </a:p>
+        </p:txBody>
+      </p:sp>
+      <p:cxnSp>
+        <p:nvCxnSpPr>
+          <p:cNvPr id="128" name="直接连接符 78">
+            <a:extLst>
+              <a:ext uri="{FF2B5EF4-FFF2-40B4-BE49-F238E27FC236}">
+                <a16:creationId xmlns:a16="http://schemas.microsoft.com/office/drawing/2014/main" id="{8A47DE51-4A04-F544-9CAC-6B2A25A9E65D}"/>
+              </a:ext>
+            </a:extLst>
+          </p:cNvPr>
+          <p:cNvCxnSpPr>
+            <a:stCxn id="125" idx="3"/>
+            <a:endCxn id="126" idx="0"/>
+          </p:cNvCxnSpPr>
+          <p:nvPr/>
+        </p:nvCxnSpPr>
+        <p:spPr>
+          <a:xfrm flipH="1">
+            <a:off x="4389399" y="4609007"/>
+            <a:ext cx="369832" cy="518160"/>
+          </a:xfrm>
+          <a:prstGeom prst="line">
+            <a:avLst/>
+          </a:prstGeom>
+          <a:ln>
+            <a:solidFill>
+              <a:schemeClr val="tx1"/>
+            </a:solidFill>
+          </a:ln>
+        </p:spPr>
+        <p:style>
+          <a:lnRef idx="1">
+            <a:schemeClr val="accent1"/>
+          </a:lnRef>
+          <a:fillRef idx="0">
+            <a:schemeClr val="accent1"/>
+          </a:fillRef>
+          <a:effectRef idx="0">
+            <a:schemeClr val="accent1"/>
+          </a:effectRef>
+          <a:fontRef idx="minor">
+            <a:schemeClr val="tx1"/>
+          </a:fontRef>
+        </p:style>
+      </p:cxnSp>
+      <p:cxnSp>
+        <p:nvCxnSpPr>
+          <p:cNvPr id="129" name="直接连接符 79">
+            <a:extLst>
+              <a:ext uri="{FF2B5EF4-FFF2-40B4-BE49-F238E27FC236}">
+                <a16:creationId xmlns:a16="http://schemas.microsoft.com/office/drawing/2014/main" id="{B1C608B1-086C-4349-B0D0-FAA22FC83EED}"/>
+              </a:ext>
+            </a:extLst>
+          </p:cNvPr>
+          <p:cNvCxnSpPr>
+            <a:stCxn id="125" idx="5"/>
+            <a:endCxn id="127" idx="0"/>
+          </p:cNvCxnSpPr>
+          <p:nvPr/>
+        </p:nvCxnSpPr>
+        <p:spPr>
+          <a:xfrm>
+            <a:off x="4910099" y="4609007"/>
+            <a:ext cx="248416" cy="528320"/>
+          </a:xfrm>
+          <a:prstGeom prst="line">
+            <a:avLst/>
+          </a:prstGeom>
+          <a:ln>
+            <a:solidFill>
+              <a:schemeClr val="tx1"/>
+            </a:solidFill>
+          </a:ln>
+        </p:spPr>
+        <p:style>
+          <a:lnRef idx="1">
+            <a:schemeClr val="accent1"/>
+          </a:lnRef>
+          <a:fillRef idx="0">
+            <a:schemeClr val="accent1"/>
+          </a:fillRef>
+          <a:effectRef idx="0">
+            <a:schemeClr val="accent1"/>
+          </a:effectRef>
+          <a:fontRef idx="minor">
+            <a:schemeClr val="tx1"/>
+          </a:fontRef>
+        </p:style>
+      </p:cxnSp>
+      <p:sp>
+        <p:nvSpPr>
+          <p:cNvPr id="130" name="流程图: 接点 75">
+            <a:extLst>
+              <a:ext uri="{FF2B5EF4-FFF2-40B4-BE49-F238E27FC236}">
+                <a16:creationId xmlns:a16="http://schemas.microsoft.com/office/drawing/2014/main" id="{0AAB5375-E1BD-E84C-AD37-339D4F58CDFE}"/>
+              </a:ext>
+            </a:extLst>
+          </p:cNvPr>
+          <p:cNvSpPr/>
+          <p:nvPr/>
+        </p:nvSpPr>
+        <p:spPr>
+          <a:xfrm>
+            <a:off x="7203558" y="4409547"/>
+            <a:ext cx="213360" cy="233680"/>
+          </a:xfrm>
+          <a:prstGeom prst="flowChartConnector">
+            <a:avLst/>
+          </a:prstGeom>
+          <a:solidFill>
+            <a:schemeClr val="tx1"/>
+          </a:solidFill>
+          <a:ln>
+            <a:solidFill>
+              <a:schemeClr val="tx1"/>
+            </a:solidFill>
+          </a:ln>
+        </p:spPr>
+        <p:style>
+          <a:lnRef idx="2">
+            <a:schemeClr val="accent1">
+              <a:shade val="50000"/>
+            </a:schemeClr>
+          </a:lnRef>
+          <a:fillRef idx="1">
+            <a:schemeClr val="accent1"/>
+          </a:fillRef>
+          <a:effectRef idx="0">
+            <a:schemeClr val="accent1"/>
+          </a:effectRef>
+          <a:fontRef idx="minor">
+            <a:schemeClr val="lt1"/>
+          </a:fontRef>
+        </p:style>
+        <p:txBody>
+          <a:bodyPr rtlCol="0" anchor="ctr"/>
+          <a:lstStyle/>
+          <a:p>
+            <a:pPr algn="ctr"/>
+            <a:endParaRPr lang="zh-CN" altLang="en-US"/>
+          </a:p>
+        </p:txBody>
+      </p:sp>
+      <p:sp>
+        <p:nvSpPr>
+          <p:cNvPr id="131" name="流程图: 接点 76">
+            <a:extLst>
+              <a:ext uri="{FF2B5EF4-FFF2-40B4-BE49-F238E27FC236}">
+                <a16:creationId xmlns:a16="http://schemas.microsoft.com/office/drawing/2014/main" id="{2F4363E4-B305-9E48-B025-3E5F047A5817}"/>
+              </a:ext>
+            </a:extLst>
+          </p:cNvPr>
+          <p:cNvSpPr/>
+          <p:nvPr/>
+        </p:nvSpPr>
+        <p:spPr>
+          <a:xfrm>
+            <a:off x="6858651" y="5127165"/>
+            <a:ext cx="213360" cy="233680"/>
+          </a:xfrm>
+          <a:prstGeom prst="flowChartConnector">
+            <a:avLst/>
+          </a:prstGeom>
+          <a:solidFill>
+            <a:schemeClr val="tx1"/>
+          </a:solidFill>
+          <a:ln>
+            <a:solidFill>
+              <a:schemeClr val="tx1"/>
+            </a:solidFill>
+          </a:ln>
+        </p:spPr>
+        <p:style>
+          <a:lnRef idx="2">
+            <a:schemeClr val="accent1">
+              <a:shade val="50000"/>
+            </a:schemeClr>
+          </a:lnRef>
+          <a:fillRef idx="1">
+            <a:schemeClr val="accent1"/>
+          </a:fillRef>
+          <a:effectRef idx="0">
+            <a:schemeClr val="accent1"/>
+          </a:effectRef>
+          <a:fontRef idx="minor">
+            <a:schemeClr val="lt1"/>
+          </a:fontRef>
+        </p:style>
+        <p:txBody>
+          <a:bodyPr rtlCol="0" anchor="ctr"/>
+          <a:lstStyle/>
+          <a:p>
+            <a:pPr algn="ctr"/>
+            <a:endParaRPr lang="zh-CN" altLang="en-US"/>
+          </a:p>
+        </p:txBody>
+      </p:sp>
+      <p:sp>
+        <p:nvSpPr>
+          <p:cNvPr id="132" name="流程图: 接点 77">
+            <a:extLst>
+              <a:ext uri="{FF2B5EF4-FFF2-40B4-BE49-F238E27FC236}">
+                <a16:creationId xmlns:a16="http://schemas.microsoft.com/office/drawing/2014/main" id="{A0BE6E20-68B8-9A4F-B91B-86DB61DC14EF}"/>
+              </a:ext>
+            </a:extLst>
+          </p:cNvPr>
+          <p:cNvSpPr/>
+          <p:nvPr/>
+        </p:nvSpPr>
+        <p:spPr>
+          <a:xfrm>
+            <a:off x="7627767" y="5137325"/>
+            <a:ext cx="213360" cy="233680"/>
+          </a:xfrm>
+          <a:prstGeom prst="flowChartConnector">
+            <a:avLst/>
+          </a:prstGeom>
+          <a:solidFill>
+            <a:schemeClr val="tx1"/>
+          </a:solidFill>
+          <a:ln>
+            <a:solidFill>
+              <a:schemeClr val="tx1"/>
+            </a:solidFill>
+          </a:ln>
+        </p:spPr>
+        <p:style>
+          <a:lnRef idx="2">
+            <a:schemeClr val="accent1">
+              <a:shade val="50000"/>
+            </a:schemeClr>
+          </a:lnRef>
+          <a:fillRef idx="1">
+            <a:schemeClr val="accent1"/>
+          </a:fillRef>
+          <a:effectRef idx="0">
+            <a:schemeClr val="accent1"/>
+          </a:effectRef>
+          <a:fontRef idx="minor">
+            <a:schemeClr val="lt1"/>
+          </a:fontRef>
+        </p:style>
+        <p:txBody>
+          <a:bodyPr rtlCol="0" anchor="ctr"/>
+          <a:lstStyle/>
+          <a:p>
+            <a:pPr algn="ctr"/>
+            <a:endParaRPr lang="zh-CN" altLang="en-US"/>
+          </a:p>
+        </p:txBody>
+      </p:sp>
+      <p:cxnSp>
+        <p:nvCxnSpPr>
+          <p:cNvPr id="133" name="直接连接符 78">
+            <a:extLst>
+              <a:ext uri="{FF2B5EF4-FFF2-40B4-BE49-F238E27FC236}">
+                <a16:creationId xmlns:a16="http://schemas.microsoft.com/office/drawing/2014/main" id="{56CF925D-82EA-A84B-9A9B-D5F764A3C4FB}"/>
+              </a:ext>
+            </a:extLst>
+          </p:cNvPr>
+          <p:cNvCxnSpPr>
+            <a:stCxn id="130" idx="3"/>
+            <a:endCxn id="131" idx="0"/>
+          </p:cNvCxnSpPr>
+          <p:nvPr/>
+        </p:nvCxnSpPr>
+        <p:spPr>
+          <a:xfrm flipH="1">
+            <a:off x="6965331" y="4609005"/>
+            <a:ext cx="269473" cy="518160"/>
+          </a:xfrm>
+          <a:prstGeom prst="line">
+            <a:avLst/>
+          </a:prstGeom>
+          <a:ln>
+            <a:solidFill>
+              <a:schemeClr val="tx1"/>
+            </a:solidFill>
+          </a:ln>
+        </p:spPr>
+        <p:style>
+          <a:lnRef idx="1">
+            <a:schemeClr val="accent1"/>
+          </a:lnRef>
+          <a:fillRef idx="0">
+            <a:schemeClr val="accent1"/>
+          </a:fillRef>
+          <a:effectRef idx="0">
+            <a:schemeClr val="accent1"/>
+          </a:effectRef>
+          <a:fontRef idx="minor">
+            <a:schemeClr val="tx1"/>
+          </a:fontRef>
+        </p:style>
+      </p:cxnSp>
+      <p:cxnSp>
+        <p:nvCxnSpPr>
+          <p:cNvPr id="134" name="直接连接符 79">
+            <a:extLst>
+              <a:ext uri="{FF2B5EF4-FFF2-40B4-BE49-F238E27FC236}">
+                <a16:creationId xmlns:a16="http://schemas.microsoft.com/office/drawing/2014/main" id="{EB06B2A8-7DA4-3A48-A9C4-9D922AAD2334}"/>
+              </a:ext>
+            </a:extLst>
+          </p:cNvPr>
+          <p:cNvCxnSpPr>
+            <a:stCxn id="130" idx="5"/>
+            <a:endCxn id="132" idx="0"/>
+          </p:cNvCxnSpPr>
+          <p:nvPr/>
+        </p:nvCxnSpPr>
+        <p:spPr>
+          <a:xfrm>
+            <a:off x="7385672" y="4609005"/>
+            <a:ext cx="348775" cy="528320"/>
+          </a:xfrm>
+          <a:prstGeom prst="line">
+            <a:avLst/>
+          </a:prstGeom>
+          <a:ln>
+            <a:solidFill>
+              <a:schemeClr val="tx1"/>
+            </a:solidFill>
+          </a:ln>
+        </p:spPr>
+        <p:style>
+          <a:lnRef idx="1">
+            <a:schemeClr val="accent1"/>
+          </a:lnRef>
+          <a:fillRef idx="0">
+            <a:schemeClr val="accent1"/>
+          </a:fillRef>
+          <a:effectRef idx="0">
+            <a:schemeClr val="accent1"/>
+          </a:effectRef>
+          <a:fontRef idx="minor">
+            <a:schemeClr val="tx1"/>
+          </a:fontRef>
+        </p:style>
+      </p:cxnSp>
     </p:spTree>
-    <p:extLst>
-      <p:ext uri="{BB962C8B-B14F-4D97-AF65-F5344CB8AC3E}">
-        <p14:creationId xmlns:p14="http://schemas.microsoft.com/office/powerpoint/2010/main" val="3795197394"/>
-      </p:ext>
-    </p:extLst>
   </p:cSld>
   <p:clrMapOvr>
     <a:masterClrMapping/>
@@ -5611,7 +7268,7 @@
     </a:clrScheme>
     <a:fontScheme name="Office">
       <a:majorFont>
-        <a:latin typeface="等线 Light" panose="020F0302020204030204"/>
+        <a:latin typeface="等线 Light"/>
         <a:ea typeface=""/>
         <a:cs typeface=""/>
         <a:font script="Jpan" typeface="游ゴシック Light"/>
@@ -5644,26 +7301,9 @@
         <a:font script="Viet" typeface="Times New Roman"/>
         <a:font script="Uigh" typeface="Microsoft Uighur"/>
         <a:font script="Geor" typeface="Sylfaen"/>
-        <a:font script="Armn" typeface="Arial"/>
-        <a:font script="Bugi" typeface="Leelawadee UI"/>
-        <a:font script="Bopo" typeface="Microsoft JhengHei"/>
-        <a:font script="Java" typeface="Javanese Text"/>
-        <a:font script="Lisu" typeface="Segoe UI"/>
-        <a:font script="Mymr" typeface="Myanmar Text"/>
-        <a:font script="Nkoo" typeface="Ebrima"/>
-        <a:font script="Olck" typeface="Nirmala UI"/>
-        <a:font script="Osma" typeface="Ebrima"/>
-        <a:font script="Phag" typeface="Phagspa"/>
-        <a:font script="Syrn" typeface="Estrangelo Edessa"/>
-        <a:font script="Syrj" typeface="Estrangelo Edessa"/>
-        <a:font script="Syre" typeface="Estrangelo Edessa"/>
-        <a:font script="Sora" typeface="Nirmala UI"/>
-        <a:font script="Tale" typeface="Microsoft Tai Le"/>
-        <a:font script="Talu" typeface="Microsoft New Tai Lue"/>
-        <a:font script="Tfng" typeface="Ebrima"/>
       </a:majorFont>
       <a:minorFont>
-        <a:latin typeface="等线" panose="020F0502020204030204"/>
+        <a:latin typeface="等线"/>
         <a:ea typeface=""/>
         <a:cs typeface=""/>
         <a:font script="Jpan" typeface="游ゴシック"/>
@@ -5696,23 +7336,6 @@
         <a:font script="Viet" typeface="Arial"/>
         <a:font script="Uigh" typeface="Microsoft Uighur"/>
         <a:font script="Geor" typeface="Sylfaen"/>
-        <a:font script="Armn" typeface="Arial"/>
-        <a:font script="Bugi" typeface="Leelawadee UI"/>
-        <a:font script="Bopo" typeface="Microsoft JhengHei"/>
-        <a:font script="Java" typeface="Javanese Text"/>
-        <a:font script="Lisu" typeface="Segoe UI"/>
-        <a:font script="Mymr" typeface="Myanmar Text"/>
-        <a:font script="Nkoo" typeface="Ebrima"/>
-        <a:font script="Olck" typeface="Nirmala UI"/>
-        <a:font script="Osma" typeface="Ebrima"/>
-        <a:font script="Phag" typeface="Phagspa"/>
-        <a:font script="Syrn" typeface="Estrangelo Edessa"/>
-        <a:font script="Syrj" typeface="Estrangelo Edessa"/>
-        <a:font script="Syre" typeface="Estrangelo Edessa"/>
-        <a:font script="Sora" typeface="Nirmala UI"/>
-        <a:font script="Tale" typeface="Microsoft Tai Le"/>
-        <a:font script="Talu" typeface="Microsoft New Tai Lue"/>
-        <a:font script="Tfng" typeface="Ebrima"/>
       </a:minorFont>
     </a:fontScheme>
     <a:fmtScheme name="Office">
